--- a/slides/plantilla_usada.pptx
+++ b/slides/plantilla_usada.pptx
@@ -5,10 +5,10 @@
     <p:sldMasterId id="2147483648" r:id="rId1"/>
   </p:sldMasterIdLst>
   <p:notesMasterIdLst>
-    <p:notesMasterId r:id="rId16"/>
+    <p:notesMasterId r:id="rId24"/>
   </p:notesMasterIdLst>
   <p:handoutMasterIdLst>
-    <p:handoutMasterId r:id="rId17"/>
+    <p:handoutMasterId r:id="rId25"/>
   </p:handoutMasterIdLst>
   <p:sldIdLst>
     <p:sldId id="256" r:id="rId2"/>
@@ -18,13 +18,21 @@
     <p:sldId id="261" r:id="rId6"/>
     <p:sldId id="266" r:id="rId7"/>
     <p:sldId id="267" r:id="rId8"/>
-    <p:sldId id="258" r:id="rId9"/>
-    <p:sldId id="271" r:id="rId10"/>
-    <p:sldId id="268" r:id="rId11"/>
-    <p:sldId id="276" r:id="rId12"/>
-    <p:sldId id="279" r:id="rId13"/>
-    <p:sldId id="278" r:id="rId14"/>
-    <p:sldId id="280" r:id="rId15"/>
+    <p:sldId id="285" r:id="rId9"/>
+    <p:sldId id="258" r:id="rId10"/>
+    <p:sldId id="271" r:id="rId11"/>
+    <p:sldId id="268" r:id="rId12"/>
+    <p:sldId id="289" r:id="rId13"/>
+    <p:sldId id="286" r:id="rId14"/>
+    <p:sldId id="287" r:id="rId15"/>
+    <p:sldId id="288" r:id="rId16"/>
+    <p:sldId id="276" r:id="rId17"/>
+    <p:sldId id="279" r:id="rId18"/>
+    <p:sldId id="282" r:id="rId19"/>
+    <p:sldId id="283" r:id="rId20"/>
+    <p:sldId id="278" r:id="rId21"/>
+    <p:sldId id="280" r:id="rId22"/>
+    <p:sldId id="281" r:id="rId23"/>
   </p:sldIdLst>
   <p:sldSz cx="9144000" cy="5143500" type="screen16x9"/>
   <p:notesSz cx="6858000" cy="9144000"/>
@@ -238,7 +246,7 @@
           <a:p>
             <a:fld id="{A85139BE-39D6-4EEC-90F8-B6B26E4D6216}" type="datetimeFigureOut">
               <a:rPr lang="es-ES" smtClean="0"/>
-              <a:t>26/05/2022</a:t>
+              <a:t>27/05/2022</a:t>
             </a:fld>
             <a:endParaRPr lang="es-ES"/>
           </a:p>
@@ -403,7 +411,7 @@
           <a:p>
             <a:fld id="{DB0A5BE9-06C5-483C-B766-6AF9F206FB90}" type="datetimeFigureOut">
               <a:rPr lang="es-ES" smtClean="0"/>
-              <a:t>26/05/2022</a:t>
+              <a:t>27/05/2022</a:t>
             </a:fld>
             <a:endParaRPr lang="es-ES"/>
           </a:p>
@@ -1285,8 +1293,8 @@
         </p:nvSpPr>
         <p:spPr>
           <a:xfrm>
-            <a:off x="683568" y="915566"/>
-            <a:ext cx="7704856" cy="1508105"/>
+            <a:off x="611560" y="1048256"/>
+            <a:ext cx="7920880" cy="3046988"/>
           </a:xfrm>
           <a:prstGeom prst="rect">
             <a:avLst/>
@@ -1300,20 +1308,16 @@
           <a:lstStyle/>
           <a:p>
             <a:r>
-              <a:rPr lang="es-ES" sz="3600" b="1" kern="0" dirty="0">
-                <a:solidFill>
-                  <a:schemeClr val="bg1">
-                    <a:lumMod val="50000"/>
-                  </a:schemeClr>
-                </a:solidFill>
-              </a:rPr>
-              <a:t> A</a:t>
-            </a:r>
-            <a:endParaRPr lang="es-ES_tradnl" sz="3600" b="1" kern="0" dirty="0">
+              <a:rPr lang="es-ES" sz="7200" b="1" kern="0" dirty="0">
+                <a:solidFill>
+                  <a:srgbClr val="FF0000"/>
+                </a:solidFill>
+              </a:rPr>
+              <a:t> Nuevos operadores 		  para STL</a:t>
+            </a:r>
+            <a:endParaRPr lang="es-ES" sz="7200" baseline="30000" dirty="0">
               <a:solidFill>
-                <a:schemeClr val="bg1">
-                  <a:lumMod val="50000"/>
-                </a:schemeClr>
+                <a:srgbClr val="FF0000"/>
               </a:solidFill>
             </a:endParaRPr>
           </a:p>
@@ -1322,24 +1326,7 @@
               <a:buFont typeface="Arial" panose="020B0604020202020204" pitchFamily="34" charset="0"/>
               <a:buChar char="•"/>
             </a:pPr>
-            <a:endParaRPr lang="es-ES_tradnl" sz="3200" baseline="30000" dirty="0"/>
-          </a:p>
-          <a:p>
-            <a:pPr marL="342900" indent="-342900">
-              <a:buFont typeface="Arial" panose="020B0604020202020204" pitchFamily="34" charset="0"/>
-              <a:buChar char="•"/>
-            </a:pPr>
-            <a:r>
-              <a:rPr lang="es-ES" sz="3200" baseline="30000" dirty="0"/>
-              <a:t>A</a:t>
-            </a:r>
-          </a:p>
-          <a:p>
-            <a:pPr marL="342900" indent="-342900">
-              <a:buFont typeface="Arial" panose="020B0604020202020204" pitchFamily="34" charset="0"/>
-              <a:buChar char="•"/>
-            </a:pPr>
-            <a:endParaRPr lang="es-ES_tradnl" sz="2000" baseline="30000" dirty="0"/>
+            <a:endParaRPr lang="es-ES_tradnl" sz="7200" baseline="30000" dirty="0"/>
           </a:p>
         </p:txBody>
       </p:sp>
@@ -1425,7 +1412,7 @@
     </p:spTree>
     <p:extLst>
       <p:ext uri="{BB962C8B-B14F-4D97-AF65-F5344CB8AC3E}">
-        <p14:creationId xmlns:p14="http://schemas.microsoft.com/office/powerpoint/2010/main" val="3938058698"/>
+        <p14:creationId xmlns:p14="http://schemas.microsoft.com/office/powerpoint/2010/main" val="595408407"/>
       </p:ext>
     </p:extLst>
   </p:cSld>
@@ -1460,8 +1447,8 @@
         </p:nvSpPr>
         <p:spPr>
           <a:xfrm>
-            <a:off x="611560" y="1417588"/>
-            <a:ext cx="7920879" cy="2308324"/>
+            <a:off x="683568" y="915566"/>
+            <a:ext cx="7704856" cy="2616101"/>
           </a:xfrm>
           <a:prstGeom prst="rect">
             <a:avLst/>
@@ -1475,25 +1462,67 @@
           <a:lstStyle/>
           <a:p>
             <a:r>
-              <a:rPr lang="es-ES" sz="9600" b="1" kern="0" dirty="0">
-                <a:solidFill>
-                  <a:srgbClr val="FF0000"/>
-                </a:solidFill>
-              </a:rPr>
-              <a:t>Interfaz gráfica</a:t>
-            </a:r>
-            <a:endParaRPr lang="es-ES" sz="9600" baseline="30000" dirty="0">
-              <a:solidFill>
-                <a:srgbClr val="FF0000"/>
-              </a:solidFill>
-            </a:endParaRPr>
-          </a:p>
-          <a:p>
-            <a:pPr marL="342900" indent="-342900">
-              <a:buFont typeface="Arial" panose="020B0604020202020204" pitchFamily="34" charset="0"/>
-              <a:buChar char="•"/>
-            </a:pPr>
-            <a:endParaRPr lang="es-ES_tradnl" sz="7200" baseline="30000" dirty="0"/>
+              <a:rPr lang="es-ES_tradnl" sz="3600" b="1" kern="0" dirty="0">
+                <a:solidFill>
+                  <a:schemeClr val="bg1">
+                    <a:lumMod val="50000"/>
+                  </a:schemeClr>
+                </a:solidFill>
+              </a:rPr>
+              <a:t>Lógica Temporal</a:t>
+            </a:r>
+          </a:p>
+          <a:p>
+            <a:pPr marL="342900" indent="-342900">
+              <a:buFont typeface="Arial" panose="020B0604020202020204" pitchFamily="34" charset="0"/>
+              <a:buChar char="•"/>
+            </a:pPr>
+            <a:endParaRPr lang="es-ES_tradnl" sz="3200" baseline="30000" dirty="0"/>
+          </a:p>
+          <a:p>
+            <a:pPr marL="342900" indent="-342900">
+              <a:buFont typeface="Arial" panose="020B0604020202020204" pitchFamily="34" charset="0"/>
+              <a:buChar char="•"/>
+            </a:pPr>
+            <a:endParaRPr lang="es-ES_tradnl" sz="3200" baseline="30000" dirty="0"/>
+          </a:p>
+          <a:p>
+            <a:pPr marL="342900" indent="-342900">
+              <a:buFont typeface="Arial" panose="020B0604020202020204" pitchFamily="34" charset="0"/>
+              <a:buChar char="•"/>
+            </a:pPr>
+            <a:r>
+              <a:rPr lang="es-ES" sz="3200" baseline="30000" dirty="0"/>
+              <a:t>La lógica proposicional no tiene la percepción de tiempo.</a:t>
+            </a:r>
+          </a:p>
+          <a:p>
+            <a:pPr marL="342900" indent="-342900">
+              <a:buFont typeface="Arial" panose="020B0604020202020204" pitchFamily="34" charset="0"/>
+              <a:buChar char="•"/>
+            </a:pPr>
+            <a:r>
+              <a:rPr lang="es-ES" sz="3200" baseline="30000" dirty="0"/>
+              <a:t>Hechos que son verdaderos o falsos.</a:t>
+            </a:r>
+          </a:p>
+          <a:p>
+            <a:pPr marL="342900" indent="-342900">
+              <a:buFont typeface="Arial" panose="020B0604020202020204" pitchFamily="34" charset="0"/>
+              <a:buChar char="•"/>
+            </a:pPr>
+            <a:r>
+              <a:rPr lang="es-ES_tradnl" sz="3200" baseline="30000" dirty="0"/>
+              <a:t>El controlador software de un sistema </a:t>
+            </a:r>
+            <a:r>
+              <a:rPr lang="es-ES_tradnl" sz="3200" baseline="30000" dirty="0" err="1"/>
+              <a:t>ciberfísico</a:t>
+            </a:r>
+            <a:r>
+              <a:rPr lang="es-ES_tradnl" sz="3200" baseline="30000" dirty="0"/>
+              <a:t> se representa como una máquina de estados</a:t>
+            </a:r>
           </a:p>
         </p:txBody>
       </p:sp>
@@ -1579,7 +1608,7 @@
     </p:spTree>
     <p:extLst>
       <p:ext uri="{BB962C8B-B14F-4D97-AF65-F5344CB8AC3E}">
-        <p14:creationId xmlns:p14="http://schemas.microsoft.com/office/powerpoint/2010/main" val="3703685547"/>
+        <p14:creationId xmlns:p14="http://schemas.microsoft.com/office/powerpoint/2010/main" val="3938058698"/>
       </p:ext>
     </p:extLst>
   </p:cSld>
@@ -1615,7 +1644,7 @@
         <p:spPr>
           <a:xfrm>
             <a:off x="683568" y="915566"/>
-            <a:ext cx="7704856" cy="1508105"/>
+            <a:ext cx="7704856" cy="1836400"/>
           </a:xfrm>
           <a:prstGeom prst="rect">
             <a:avLst/>
@@ -1636,7 +1665,7 @@
                   </a:schemeClr>
                 </a:solidFill>
               </a:rPr>
-              <a:t> A</a:t>
+              <a:t>A</a:t>
             </a:r>
             <a:endParaRPr lang="es-ES_tradnl" sz="3600" b="1" kern="0" dirty="0">
               <a:solidFill>
@@ -1658,6 +1687,13 @@
               <a:buFont typeface="Arial" panose="020B0604020202020204" pitchFamily="34" charset="0"/>
               <a:buChar char="•"/>
             </a:pPr>
+            <a:endParaRPr lang="es-ES_tradnl" sz="3200" baseline="30000" dirty="0"/>
+          </a:p>
+          <a:p>
+            <a:pPr marL="342900" indent="-342900">
+              <a:buFont typeface="Arial" panose="020B0604020202020204" pitchFamily="34" charset="0"/>
+              <a:buChar char="•"/>
+            </a:pPr>
             <a:r>
               <a:rPr lang="es-ES" sz="3200" baseline="30000" dirty="0"/>
               <a:t>A</a:t>
@@ -1754,7 +1790,7 @@
     </p:spTree>
     <p:extLst>
       <p:ext uri="{BB962C8B-B14F-4D97-AF65-F5344CB8AC3E}">
-        <p14:creationId xmlns:p14="http://schemas.microsoft.com/office/powerpoint/2010/main" val="1651633250"/>
+        <p14:creationId xmlns:p14="http://schemas.microsoft.com/office/powerpoint/2010/main" val="3266846819"/>
       </p:ext>
     </p:extLst>
   </p:cSld>
@@ -1789,8 +1825,8 @@
         </p:nvSpPr>
         <p:spPr>
           <a:xfrm>
-            <a:off x="1163589" y="1417588"/>
-            <a:ext cx="6816822" cy="2308324"/>
+            <a:off x="683568" y="915566"/>
+            <a:ext cx="7704856" cy="1836400"/>
           </a:xfrm>
           <a:prstGeom prst="rect">
             <a:avLst/>
@@ -1804,16 +1840,20 @@
           <a:lstStyle/>
           <a:p>
             <a:r>
-              <a:rPr lang="es-ES" sz="9600" b="1" kern="0" dirty="0">
-                <a:solidFill>
-                  <a:srgbClr val="FF0000"/>
-                </a:solidFill>
-              </a:rPr>
-              <a:t>Conclusiones</a:t>
-            </a:r>
-            <a:endParaRPr lang="es-ES" sz="9600" baseline="30000" dirty="0">
+              <a:rPr lang="es-ES" sz="3600" b="1" kern="0" dirty="0">
+                <a:solidFill>
+                  <a:schemeClr val="bg1">
+                    <a:lumMod val="50000"/>
+                  </a:schemeClr>
+                </a:solidFill>
+              </a:rPr>
+              <a:t>A</a:t>
+            </a:r>
+            <a:endParaRPr lang="es-ES_tradnl" sz="3600" b="1" kern="0" dirty="0">
               <a:solidFill>
-                <a:srgbClr val="FF0000"/>
+                <a:schemeClr val="bg1">
+                  <a:lumMod val="50000"/>
+                </a:schemeClr>
               </a:solidFill>
             </a:endParaRPr>
           </a:p>
@@ -1822,7 +1862,31 @@
               <a:buFont typeface="Arial" panose="020B0604020202020204" pitchFamily="34" charset="0"/>
               <a:buChar char="•"/>
             </a:pPr>
-            <a:endParaRPr lang="es-ES_tradnl" sz="7200" baseline="30000" dirty="0"/>
+            <a:endParaRPr lang="es-ES_tradnl" sz="3200" baseline="30000" dirty="0"/>
+          </a:p>
+          <a:p>
+            <a:pPr marL="342900" indent="-342900">
+              <a:buFont typeface="Arial" panose="020B0604020202020204" pitchFamily="34" charset="0"/>
+              <a:buChar char="•"/>
+            </a:pPr>
+            <a:endParaRPr lang="es-ES_tradnl" sz="3200" baseline="30000" dirty="0"/>
+          </a:p>
+          <a:p>
+            <a:pPr marL="342900" indent="-342900">
+              <a:buFont typeface="Arial" panose="020B0604020202020204" pitchFamily="34" charset="0"/>
+              <a:buChar char="•"/>
+            </a:pPr>
+            <a:r>
+              <a:rPr lang="es-ES" sz="3200" baseline="30000" dirty="0"/>
+              <a:t>A</a:t>
+            </a:r>
+          </a:p>
+          <a:p>
+            <a:pPr marL="342900" indent="-342900">
+              <a:buFont typeface="Arial" panose="020B0604020202020204" pitchFamily="34" charset="0"/>
+              <a:buChar char="•"/>
+            </a:pPr>
+            <a:endParaRPr lang="es-ES_tradnl" sz="2000" baseline="30000" dirty="0"/>
           </a:p>
         </p:txBody>
       </p:sp>
@@ -1908,7 +1972,7 @@
     </p:spTree>
     <p:extLst>
       <p:ext uri="{BB962C8B-B14F-4D97-AF65-F5344CB8AC3E}">
-        <p14:creationId xmlns:p14="http://schemas.microsoft.com/office/powerpoint/2010/main" val="390553160"/>
+        <p14:creationId xmlns:p14="http://schemas.microsoft.com/office/powerpoint/2010/main" val="3350102094"/>
       </p:ext>
     </p:extLst>
   </p:cSld>
@@ -1944,7 +2008,7 @@
         <p:spPr>
           <a:xfrm>
             <a:off x="683568" y="915566"/>
-            <a:ext cx="7704856" cy="1508105"/>
+            <a:ext cx="7704856" cy="1836400"/>
           </a:xfrm>
           <a:prstGeom prst="rect">
             <a:avLst/>
@@ -1965,7 +2029,7 @@
                   </a:schemeClr>
                 </a:solidFill>
               </a:rPr>
-              <a:t> A</a:t>
+              <a:t>A</a:t>
             </a:r>
             <a:endParaRPr lang="es-ES_tradnl" sz="3600" b="1" kern="0" dirty="0">
               <a:solidFill>
@@ -1987,6 +2051,13 @@
               <a:buFont typeface="Arial" panose="020B0604020202020204" pitchFamily="34" charset="0"/>
               <a:buChar char="•"/>
             </a:pPr>
+            <a:endParaRPr lang="es-ES_tradnl" sz="3200" baseline="30000" dirty="0"/>
+          </a:p>
+          <a:p>
+            <a:pPr marL="342900" indent="-342900">
+              <a:buFont typeface="Arial" panose="020B0604020202020204" pitchFamily="34" charset="0"/>
+              <a:buChar char="•"/>
+            </a:pPr>
             <a:r>
               <a:rPr lang="es-ES" sz="3200" baseline="30000" dirty="0"/>
               <a:t>A</a:t>
@@ -2083,7 +2154,904 @@
     </p:spTree>
     <p:extLst>
       <p:ext uri="{BB962C8B-B14F-4D97-AF65-F5344CB8AC3E}">
-        <p14:creationId xmlns:p14="http://schemas.microsoft.com/office/powerpoint/2010/main" val="4028046607"/>
+        <p14:creationId xmlns:p14="http://schemas.microsoft.com/office/powerpoint/2010/main" val="3467544250"/>
+      </p:ext>
+    </p:extLst>
+  </p:cSld>
+  <p:clrMapOvr>
+    <a:masterClrMapping/>
+  </p:clrMapOvr>
+</p:sld>
+</file>
+
+<file path=ppt/slides/slide15.xml><?xml version="1.0" encoding="utf-8"?>
+<p:sld xmlns:a="http://schemas.openxmlformats.org/drawingml/2006/main" xmlns:r="http://schemas.openxmlformats.org/officeDocument/2006/relationships" xmlns:p="http://schemas.openxmlformats.org/presentationml/2006/main">
+  <p:cSld>
+    <p:spTree>
+      <p:nvGrpSpPr>
+        <p:cNvPr id="1" name=""/>
+        <p:cNvGrpSpPr/>
+        <p:nvPr/>
+      </p:nvGrpSpPr>
+      <p:grpSpPr>
+        <a:xfrm>
+          <a:off x="0" y="0"/>
+          <a:ext cx="0" cy="0"/>
+          <a:chOff x="0" y="0"/>
+          <a:chExt cx="0" cy="0"/>
+        </a:xfrm>
+      </p:grpSpPr>
+      <p:sp>
+        <p:nvSpPr>
+          <p:cNvPr id="5" name="4 CuadroTexto"/>
+          <p:cNvSpPr txBox="1"/>
+          <p:nvPr/>
+        </p:nvSpPr>
+        <p:spPr>
+          <a:xfrm>
+            <a:off x="683568" y="915566"/>
+            <a:ext cx="7704856" cy="1836400"/>
+          </a:xfrm>
+          <a:prstGeom prst="rect">
+            <a:avLst/>
+          </a:prstGeom>
+          <a:noFill/>
+        </p:spPr>
+        <p:txBody>
+          <a:bodyPr wrap="square" rtlCol="0">
+            <a:spAutoFit/>
+          </a:bodyPr>
+          <a:lstStyle/>
+          <a:p>
+            <a:r>
+              <a:rPr lang="es-ES" sz="3600" b="1" kern="0" dirty="0">
+                <a:solidFill>
+                  <a:schemeClr val="bg1">
+                    <a:lumMod val="50000"/>
+                  </a:schemeClr>
+                </a:solidFill>
+              </a:rPr>
+              <a:t>A</a:t>
+            </a:r>
+            <a:endParaRPr lang="es-ES_tradnl" sz="3600" b="1" kern="0" dirty="0">
+              <a:solidFill>
+                <a:schemeClr val="bg1">
+                  <a:lumMod val="50000"/>
+                </a:schemeClr>
+              </a:solidFill>
+            </a:endParaRPr>
+          </a:p>
+          <a:p>
+            <a:pPr marL="342900" indent="-342900">
+              <a:buFont typeface="Arial" panose="020B0604020202020204" pitchFamily="34" charset="0"/>
+              <a:buChar char="•"/>
+            </a:pPr>
+            <a:endParaRPr lang="es-ES_tradnl" sz="3200" baseline="30000" dirty="0"/>
+          </a:p>
+          <a:p>
+            <a:pPr marL="342900" indent="-342900">
+              <a:buFont typeface="Arial" panose="020B0604020202020204" pitchFamily="34" charset="0"/>
+              <a:buChar char="•"/>
+            </a:pPr>
+            <a:endParaRPr lang="es-ES_tradnl" sz="3200" baseline="30000" dirty="0"/>
+          </a:p>
+          <a:p>
+            <a:pPr marL="342900" indent="-342900">
+              <a:buFont typeface="Arial" panose="020B0604020202020204" pitchFamily="34" charset="0"/>
+              <a:buChar char="•"/>
+            </a:pPr>
+            <a:r>
+              <a:rPr lang="es-ES" sz="3200" baseline="30000" dirty="0"/>
+              <a:t>A</a:t>
+            </a:r>
+          </a:p>
+          <a:p>
+            <a:pPr marL="342900" indent="-342900">
+              <a:buFont typeface="Arial" panose="020B0604020202020204" pitchFamily="34" charset="0"/>
+              <a:buChar char="•"/>
+            </a:pPr>
+            <a:endParaRPr lang="es-ES_tradnl" sz="2000" baseline="30000" dirty="0"/>
+          </a:p>
+        </p:txBody>
+      </p:sp>
+      <p:sp>
+        <p:nvSpPr>
+          <p:cNvPr id="6" name="5 CuadroTexto"/>
+          <p:cNvSpPr txBox="1"/>
+          <p:nvPr/>
+        </p:nvSpPr>
+        <p:spPr>
+          <a:xfrm>
+            <a:off x="7140350" y="4803973"/>
+            <a:ext cx="1900969" cy="307777"/>
+          </a:xfrm>
+          <a:prstGeom prst="rect">
+            <a:avLst/>
+          </a:prstGeom>
+          <a:noFill/>
+        </p:spPr>
+        <p:txBody>
+          <a:bodyPr wrap="none" rtlCol="0">
+            <a:spAutoFit/>
+          </a:bodyPr>
+          <a:lstStyle/>
+          <a:p>
+            <a:pPr algn="r"/>
+            <a:r>
+              <a:rPr lang="es-ES" sz="1400" dirty="0">
+                <a:solidFill>
+                  <a:schemeClr val="bg1"/>
+                </a:solidFill>
+              </a:rPr>
+              <a:t>Facultad de Informática</a:t>
+            </a:r>
+          </a:p>
+        </p:txBody>
+      </p:sp>
+      <p:sp>
+        <p:nvSpPr>
+          <p:cNvPr id="7" name="6 CuadroTexto"/>
+          <p:cNvSpPr txBox="1"/>
+          <p:nvPr/>
+        </p:nvSpPr>
+        <p:spPr>
+          <a:xfrm>
+            <a:off x="6277229" y="89570"/>
+            <a:ext cx="2764090" cy="461665"/>
+          </a:xfrm>
+          <a:prstGeom prst="rect">
+            <a:avLst/>
+          </a:prstGeom>
+          <a:noFill/>
+        </p:spPr>
+        <p:txBody>
+          <a:bodyPr wrap="none" rtlCol="0">
+            <a:spAutoFit/>
+          </a:bodyPr>
+          <a:lstStyle/>
+          <a:p>
+            <a:pPr algn="r"/>
+            <a:r>
+              <a:rPr lang="es-ES" sz="1200" b="1" dirty="0">
+                <a:solidFill>
+                  <a:schemeClr val="bg1"/>
+                </a:solidFill>
+              </a:rPr>
+              <a:t>Inferencia y verificación de propiedades </a:t>
+            </a:r>
+          </a:p>
+          <a:p>
+            <a:pPr algn="r"/>
+            <a:r>
+              <a:rPr lang="es-ES" sz="1200" b="1" dirty="0">
+                <a:solidFill>
+                  <a:schemeClr val="bg1"/>
+                </a:solidFill>
+              </a:rPr>
+              <a:t>en sistemas ciber-físicos estocásticos</a:t>
+            </a:r>
+          </a:p>
+        </p:txBody>
+      </p:sp>
+    </p:spTree>
+    <p:extLst>
+      <p:ext uri="{BB962C8B-B14F-4D97-AF65-F5344CB8AC3E}">
+        <p14:creationId xmlns:p14="http://schemas.microsoft.com/office/powerpoint/2010/main" val="2754459205"/>
+      </p:ext>
+    </p:extLst>
+  </p:cSld>
+  <p:clrMapOvr>
+    <a:masterClrMapping/>
+  </p:clrMapOvr>
+</p:sld>
+</file>
+
+<file path=ppt/slides/slide16.xml><?xml version="1.0" encoding="utf-8"?>
+<p:sld xmlns:a="http://schemas.openxmlformats.org/drawingml/2006/main" xmlns:r="http://schemas.openxmlformats.org/officeDocument/2006/relationships" xmlns:p="http://schemas.openxmlformats.org/presentationml/2006/main">
+  <p:cSld>
+    <p:spTree>
+      <p:nvGrpSpPr>
+        <p:cNvPr id="1" name=""/>
+        <p:cNvGrpSpPr/>
+        <p:nvPr/>
+      </p:nvGrpSpPr>
+      <p:grpSpPr>
+        <a:xfrm>
+          <a:off x="0" y="0"/>
+          <a:ext cx="0" cy="0"/>
+          <a:chOff x="0" y="0"/>
+          <a:chExt cx="0" cy="0"/>
+        </a:xfrm>
+      </p:grpSpPr>
+      <p:sp>
+        <p:nvSpPr>
+          <p:cNvPr id="5" name="4 CuadroTexto"/>
+          <p:cNvSpPr txBox="1"/>
+          <p:nvPr/>
+        </p:nvSpPr>
+        <p:spPr>
+          <a:xfrm>
+            <a:off x="611560" y="1417588"/>
+            <a:ext cx="7920879" cy="2308324"/>
+          </a:xfrm>
+          <a:prstGeom prst="rect">
+            <a:avLst/>
+          </a:prstGeom>
+          <a:noFill/>
+        </p:spPr>
+        <p:txBody>
+          <a:bodyPr wrap="square" rtlCol="0">
+            <a:spAutoFit/>
+          </a:bodyPr>
+          <a:lstStyle/>
+          <a:p>
+            <a:r>
+              <a:rPr lang="es-ES" sz="9600" b="1" kern="0" dirty="0">
+                <a:solidFill>
+                  <a:srgbClr val="FF0000"/>
+                </a:solidFill>
+              </a:rPr>
+              <a:t>Interfaz gráfica</a:t>
+            </a:r>
+            <a:endParaRPr lang="es-ES" sz="9600" baseline="30000" dirty="0">
+              <a:solidFill>
+                <a:srgbClr val="FF0000"/>
+              </a:solidFill>
+            </a:endParaRPr>
+          </a:p>
+          <a:p>
+            <a:pPr marL="342900" indent="-342900">
+              <a:buFont typeface="Arial" panose="020B0604020202020204" pitchFamily="34" charset="0"/>
+              <a:buChar char="•"/>
+            </a:pPr>
+            <a:endParaRPr lang="es-ES_tradnl" sz="7200" baseline="30000" dirty="0"/>
+          </a:p>
+        </p:txBody>
+      </p:sp>
+      <p:sp>
+        <p:nvSpPr>
+          <p:cNvPr id="6" name="5 CuadroTexto"/>
+          <p:cNvSpPr txBox="1"/>
+          <p:nvPr/>
+        </p:nvSpPr>
+        <p:spPr>
+          <a:xfrm>
+            <a:off x="7140350" y="4803973"/>
+            <a:ext cx="1900969" cy="307777"/>
+          </a:xfrm>
+          <a:prstGeom prst="rect">
+            <a:avLst/>
+          </a:prstGeom>
+          <a:noFill/>
+        </p:spPr>
+        <p:txBody>
+          <a:bodyPr wrap="none" rtlCol="0">
+            <a:spAutoFit/>
+          </a:bodyPr>
+          <a:lstStyle/>
+          <a:p>
+            <a:pPr algn="r"/>
+            <a:r>
+              <a:rPr lang="es-ES" sz="1400" dirty="0">
+                <a:solidFill>
+                  <a:schemeClr val="bg1"/>
+                </a:solidFill>
+              </a:rPr>
+              <a:t>Facultad de Informática</a:t>
+            </a:r>
+          </a:p>
+        </p:txBody>
+      </p:sp>
+      <p:sp>
+        <p:nvSpPr>
+          <p:cNvPr id="7" name="6 CuadroTexto"/>
+          <p:cNvSpPr txBox="1"/>
+          <p:nvPr/>
+        </p:nvSpPr>
+        <p:spPr>
+          <a:xfrm>
+            <a:off x="6277229" y="89570"/>
+            <a:ext cx="2764090" cy="461665"/>
+          </a:xfrm>
+          <a:prstGeom prst="rect">
+            <a:avLst/>
+          </a:prstGeom>
+          <a:noFill/>
+        </p:spPr>
+        <p:txBody>
+          <a:bodyPr wrap="none" rtlCol="0">
+            <a:spAutoFit/>
+          </a:bodyPr>
+          <a:lstStyle/>
+          <a:p>
+            <a:pPr algn="r"/>
+            <a:r>
+              <a:rPr lang="es-ES" sz="1200" b="1" dirty="0">
+                <a:solidFill>
+                  <a:schemeClr val="bg1"/>
+                </a:solidFill>
+              </a:rPr>
+              <a:t>Inferencia y verificación de propiedades </a:t>
+            </a:r>
+          </a:p>
+          <a:p>
+            <a:pPr algn="r"/>
+            <a:r>
+              <a:rPr lang="es-ES" sz="1200" b="1" dirty="0">
+                <a:solidFill>
+                  <a:schemeClr val="bg1"/>
+                </a:solidFill>
+              </a:rPr>
+              <a:t>en sistemas ciber-físicos estocásticos</a:t>
+            </a:r>
+          </a:p>
+        </p:txBody>
+      </p:sp>
+    </p:spTree>
+    <p:extLst>
+      <p:ext uri="{BB962C8B-B14F-4D97-AF65-F5344CB8AC3E}">
+        <p14:creationId xmlns:p14="http://schemas.microsoft.com/office/powerpoint/2010/main" val="3703685547"/>
+      </p:ext>
+    </p:extLst>
+  </p:cSld>
+  <p:clrMapOvr>
+    <a:masterClrMapping/>
+  </p:clrMapOvr>
+</p:sld>
+</file>
+
+<file path=ppt/slides/slide17.xml><?xml version="1.0" encoding="utf-8"?>
+<p:sld xmlns:a="http://schemas.openxmlformats.org/drawingml/2006/main" xmlns:r="http://schemas.openxmlformats.org/officeDocument/2006/relationships" xmlns:p="http://schemas.openxmlformats.org/presentationml/2006/main">
+  <p:cSld>
+    <p:spTree>
+      <p:nvGrpSpPr>
+        <p:cNvPr id="1" name=""/>
+        <p:cNvGrpSpPr/>
+        <p:nvPr/>
+      </p:nvGrpSpPr>
+      <p:grpSpPr>
+        <a:xfrm>
+          <a:off x="0" y="0"/>
+          <a:ext cx="0" cy="0"/>
+          <a:chOff x="0" y="0"/>
+          <a:chExt cx="0" cy="0"/>
+        </a:xfrm>
+      </p:grpSpPr>
+      <p:sp>
+        <p:nvSpPr>
+          <p:cNvPr id="5" name="4 CuadroTexto"/>
+          <p:cNvSpPr txBox="1"/>
+          <p:nvPr/>
+        </p:nvSpPr>
+        <p:spPr>
+          <a:xfrm>
+            <a:off x="683568" y="915566"/>
+            <a:ext cx="7704856" cy="1508105"/>
+          </a:xfrm>
+          <a:prstGeom prst="rect">
+            <a:avLst/>
+          </a:prstGeom>
+          <a:noFill/>
+        </p:spPr>
+        <p:txBody>
+          <a:bodyPr wrap="square" rtlCol="0">
+            <a:spAutoFit/>
+          </a:bodyPr>
+          <a:lstStyle/>
+          <a:p>
+            <a:r>
+              <a:rPr lang="es-ES" sz="3600" b="1" kern="0" dirty="0">
+                <a:solidFill>
+                  <a:schemeClr val="bg1">
+                    <a:lumMod val="50000"/>
+                  </a:schemeClr>
+                </a:solidFill>
+              </a:rPr>
+              <a:t> Estructura</a:t>
+            </a:r>
+            <a:endParaRPr lang="es-ES_tradnl" sz="3600" b="1" kern="0" dirty="0">
+              <a:solidFill>
+                <a:schemeClr val="bg1">
+                  <a:lumMod val="50000"/>
+                </a:schemeClr>
+              </a:solidFill>
+            </a:endParaRPr>
+          </a:p>
+          <a:p>
+            <a:pPr marL="342900" indent="-342900">
+              <a:buFont typeface="Arial" panose="020B0604020202020204" pitchFamily="34" charset="0"/>
+              <a:buChar char="•"/>
+            </a:pPr>
+            <a:endParaRPr lang="es-ES_tradnl" sz="3200" baseline="30000" dirty="0"/>
+          </a:p>
+          <a:p>
+            <a:pPr marL="342900" indent="-342900">
+              <a:buFont typeface="Arial" panose="020B0604020202020204" pitchFamily="34" charset="0"/>
+              <a:buChar char="•"/>
+            </a:pPr>
+            <a:endParaRPr lang="es-ES" sz="3200" baseline="30000" dirty="0"/>
+          </a:p>
+          <a:p>
+            <a:pPr marL="342900" indent="-342900">
+              <a:buFont typeface="Arial" panose="020B0604020202020204" pitchFamily="34" charset="0"/>
+              <a:buChar char="•"/>
+            </a:pPr>
+            <a:endParaRPr lang="es-ES_tradnl" sz="2000" baseline="30000" dirty="0"/>
+          </a:p>
+        </p:txBody>
+      </p:sp>
+      <p:sp>
+        <p:nvSpPr>
+          <p:cNvPr id="6" name="5 CuadroTexto"/>
+          <p:cNvSpPr txBox="1"/>
+          <p:nvPr/>
+        </p:nvSpPr>
+        <p:spPr>
+          <a:xfrm>
+            <a:off x="7140350" y="4803973"/>
+            <a:ext cx="1900969" cy="307777"/>
+          </a:xfrm>
+          <a:prstGeom prst="rect">
+            <a:avLst/>
+          </a:prstGeom>
+          <a:noFill/>
+        </p:spPr>
+        <p:txBody>
+          <a:bodyPr wrap="none" rtlCol="0">
+            <a:spAutoFit/>
+          </a:bodyPr>
+          <a:lstStyle/>
+          <a:p>
+            <a:pPr algn="r"/>
+            <a:r>
+              <a:rPr lang="es-ES" sz="1400" dirty="0">
+                <a:solidFill>
+                  <a:schemeClr val="bg1"/>
+                </a:solidFill>
+              </a:rPr>
+              <a:t>Facultad de Informática</a:t>
+            </a:r>
+          </a:p>
+        </p:txBody>
+      </p:sp>
+      <p:sp>
+        <p:nvSpPr>
+          <p:cNvPr id="7" name="6 CuadroTexto"/>
+          <p:cNvSpPr txBox="1"/>
+          <p:nvPr/>
+        </p:nvSpPr>
+        <p:spPr>
+          <a:xfrm>
+            <a:off x="6277229" y="89570"/>
+            <a:ext cx="2764090" cy="461665"/>
+          </a:xfrm>
+          <a:prstGeom prst="rect">
+            <a:avLst/>
+          </a:prstGeom>
+          <a:noFill/>
+        </p:spPr>
+        <p:txBody>
+          <a:bodyPr wrap="none" rtlCol="0">
+            <a:spAutoFit/>
+          </a:bodyPr>
+          <a:lstStyle/>
+          <a:p>
+            <a:pPr algn="r"/>
+            <a:r>
+              <a:rPr lang="es-ES" sz="1200" b="1" dirty="0">
+                <a:solidFill>
+                  <a:schemeClr val="bg1"/>
+                </a:solidFill>
+              </a:rPr>
+              <a:t>Inferencia y verificación de propiedades </a:t>
+            </a:r>
+          </a:p>
+          <a:p>
+            <a:pPr algn="r"/>
+            <a:r>
+              <a:rPr lang="es-ES" sz="1200" b="1" dirty="0">
+                <a:solidFill>
+                  <a:schemeClr val="bg1"/>
+                </a:solidFill>
+              </a:rPr>
+              <a:t>en sistemas ciber-físicos estocásticos</a:t>
+            </a:r>
+          </a:p>
+        </p:txBody>
+      </p:sp>
+      <p:pic>
+        <p:nvPicPr>
+          <p:cNvPr id="3" name="Imagen 2">
+            <a:extLst>
+              <a:ext uri="{FF2B5EF4-FFF2-40B4-BE49-F238E27FC236}">
+                <a16:creationId xmlns:a16="http://schemas.microsoft.com/office/drawing/2014/main" id="{0D53C159-EF36-42C0-847F-5C34C34C90C3}"/>
+              </a:ext>
+              <a:ext uri="{C183D7F6-B498-43B3-948B-1728B52AA6E4}">
+                <adec:decorative xmlns:adec="http://schemas.microsoft.com/office/drawing/2017/decorative" val="1"/>
+              </a:ext>
+            </a:extLst>
+          </p:cNvPr>
+          <p:cNvPicPr>
+            <a:picLocks noChangeAspect="1"/>
+          </p:cNvPicPr>
+          <p:nvPr/>
+        </p:nvPicPr>
+        <p:blipFill>
+          <a:blip r:embed="rId2" cstate="print">
+            <a:extLst>
+              <a:ext uri="{28A0092B-C50C-407E-A947-70E740481C1C}">
+                <a14:useLocalDpi xmlns:a14="http://schemas.microsoft.com/office/drawing/2010/main" val="0"/>
+              </a:ext>
+            </a:extLst>
+          </a:blip>
+          <a:stretch>
+            <a:fillRect/>
+          </a:stretch>
+        </p:blipFill>
+        <p:spPr>
+          <a:xfrm>
+            <a:off x="217962" y="1995686"/>
+            <a:ext cx="8708076" cy="2558317"/>
+          </a:xfrm>
+          <a:prstGeom prst="rect">
+            <a:avLst/>
+          </a:prstGeom>
+        </p:spPr>
+      </p:pic>
+    </p:spTree>
+    <p:extLst>
+      <p:ext uri="{BB962C8B-B14F-4D97-AF65-F5344CB8AC3E}">
+        <p14:creationId xmlns:p14="http://schemas.microsoft.com/office/powerpoint/2010/main" val="1651633250"/>
+      </p:ext>
+    </p:extLst>
+  </p:cSld>
+  <p:clrMapOvr>
+    <a:masterClrMapping/>
+  </p:clrMapOvr>
+</p:sld>
+</file>
+
+<file path=ppt/slides/slide18.xml><?xml version="1.0" encoding="utf-8"?>
+<p:sld xmlns:a="http://schemas.openxmlformats.org/drawingml/2006/main" xmlns:r="http://schemas.openxmlformats.org/officeDocument/2006/relationships" xmlns:p="http://schemas.openxmlformats.org/presentationml/2006/main">
+  <p:cSld>
+    <p:spTree>
+      <p:nvGrpSpPr>
+        <p:cNvPr id="1" name=""/>
+        <p:cNvGrpSpPr/>
+        <p:nvPr/>
+      </p:nvGrpSpPr>
+      <p:grpSpPr>
+        <a:xfrm>
+          <a:off x="0" y="0"/>
+          <a:ext cx="0" cy="0"/>
+          <a:chOff x="0" y="0"/>
+          <a:chExt cx="0" cy="0"/>
+        </a:xfrm>
+      </p:grpSpPr>
+      <p:sp>
+        <p:nvSpPr>
+          <p:cNvPr id="5" name="4 CuadroTexto"/>
+          <p:cNvSpPr txBox="1"/>
+          <p:nvPr/>
+        </p:nvSpPr>
+        <p:spPr>
+          <a:xfrm>
+            <a:off x="683568" y="915566"/>
+            <a:ext cx="7704856" cy="2821285"/>
+          </a:xfrm>
+          <a:prstGeom prst="rect">
+            <a:avLst/>
+          </a:prstGeom>
+          <a:noFill/>
+        </p:spPr>
+        <p:txBody>
+          <a:bodyPr wrap="square" rtlCol="0">
+            <a:spAutoFit/>
+          </a:bodyPr>
+          <a:lstStyle/>
+          <a:p>
+            <a:r>
+              <a:rPr lang="es-ES" sz="3600" b="1" kern="0" dirty="0">
+                <a:solidFill>
+                  <a:schemeClr val="bg1">
+                    <a:lumMod val="50000"/>
+                  </a:schemeClr>
+                </a:solidFill>
+              </a:rPr>
+              <a:t> Bibliotecas utilizadas</a:t>
+            </a:r>
+          </a:p>
+          <a:p>
+            <a:endParaRPr lang="es-ES_tradnl" sz="3200" baseline="30000" dirty="0"/>
+          </a:p>
+          <a:p>
+            <a:endParaRPr lang="es-ES_tradnl" sz="3200" baseline="30000" dirty="0"/>
+          </a:p>
+          <a:p>
+            <a:pPr marL="342900" indent="-342900">
+              <a:buFont typeface="Arial" panose="020B0604020202020204" pitchFamily="34" charset="0"/>
+              <a:buChar char="•"/>
+            </a:pPr>
+            <a:r>
+              <a:rPr lang="es-ES" sz="3200" baseline="30000" dirty="0"/>
+              <a:t>PyQt5</a:t>
+            </a:r>
+          </a:p>
+          <a:p>
+            <a:pPr marL="342900" indent="-342900">
+              <a:buFont typeface="Arial" panose="020B0604020202020204" pitchFamily="34" charset="0"/>
+              <a:buChar char="•"/>
+            </a:pPr>
+            <a:r>
+              <a:rPr lang="es-ES" sz="3200" baseline="30000" dirty="0" err="1"/>
+              <a:t>Matplotlib</a:t>
+            </a:r>
+            <a:endParaRPr lang="es-ES" sz="3200" baseline="30000" dirty="0"/>
+          </a:p>
+          <a:p>
+            <a:pPr marL="342900" indent="-342900">
+              <a:buFont typeface="Arial" panose="020B0604020202020204" pitchFamily="34" charset="0"/>
+              <a:buChar char="•"/>
+            </a:pPr>
+            <a:r>
+              <a:rPr lang="es-ES" sz="3200" baseline="30000" dirty="0"/>
+              <a:t>Pandas</a:t>
+            </a:r>
+          </a:p>
+          <a:p>
+            <a:pPr marL="342900" indent="-342900">
+              <a:buFont typeface="Arial" panose="020B0604020202020204" pitchFamily="34" charset="0"/>
+              <a:buChar char="•"/>
+            </a:pPr>
+            <a:r>
+              <a:rPr lang="es-ES" sz="3200" baseline="30000" dirty="0" err="1"/>
+              <a:t>Seaborn</a:t>
+            </a:r>
+            <a:endParaRPr lang="es-ES" sz="3200" baseline="30000" dirty="0"/>
+          </a:p>
+          <a:p>
+            <a:pPr marL="342900" indent="-342900">
+              <a:buFont typeface="Arial" panose="020B0604020202020204" pitchFamily="34" charset="0"/>
+              <a:buChar char="•"/>
+            </a:pPr>
+            <a:endParaRPr lang="es-ES_tradnl" sz="2000" baseline="30000" dirty="0"/>
+          </a:p>
+        </p:txBody>
+      </p:sp>
+      <p:sp>
+        <p:nvSpPr>
+          <p:cNvPr id="6" name="5 CuadroTexto"/>
+          <p:cNvSpPr txBox="1"/>
+          <p:nvPr/>
+        </p:nvSpPr>
+        <p:spPr>
+          <a:xfrm>
+            <a:off x="7140350" y="4803973"/>
+            <a:ext cx="1900969" cy="307777"/>
+          </a:xfrm>
+          <a:prstGeom prst="rect">
+            <a:avLst/>
+          </a:prstGeom>
+          <a:noFill/>
+        </p:spPr>
+        <p:txBody>
+          <a:bodyPr wrap="none" rtlCol="0">
+            <a:spAutoFit/>
+          </a:bodyPr>
+          <a:lstStyle/>
+          <a:p>
+            <a:pPr algn="r"/>
+            <a:r>
+              <a:rPr lang="es-ES" sz="1400" dirty="0">
+                <a:solidFill>
+                  <a:schemeClr val="bg1"/>
+                </a:solidFill>
+              </a:rPr>
+              <a:t>Facultad de Informática</a:t>
+            </a:r>
+          </a:p>
+        </p:txBody>
+      </p:sp>
+      <p:sp>
+        <p:nvSpPr>
+          <p:cNvPr id="7" name="6 CuadroTexto"/>
+          <p:cNvSpPr txBox="1"/>
+          <p:nvPr/>
+        </p:nvSpPr>
+        <p:spPr>
+          <a:xfrm>
+            <a:off x="6277229" y="89570"/>
+            <a:ext cx="2764090" cy="461665"/>
+          </a:xfrm>
+          <a:prstGeom prst="rect">
+            <a:avLst/>
+          </a:prstGeom>
+          <a:noFill/>
+        </p:spPr>
+        <p:txBody>
+          <a:bodyPr wrap="none" rtlCol="0">
+            <a:spAutoFit/>
+          </a:bodyPr>
+          <a:lstStyle/>
+          <a:p>
+            <a:pPr algn="r"/>
+            <a:r>
+              <a:rPr lang="es-ES" sz="1200" b="1" dirty="0">
+                <a:solidFill>
+                  <a:schemeClr val="bg1"/>
+                </a:solidFill>
+              </a:rPr>
+              <a:t>Inferencia y verificación de propiedades </a:t>
+            </a:r>
+          </a:p>
+          <a:p>
+            <a:pPr algn="r"/>
+            <a:r>
+              <a:rPr lang="es-ES" sz="1200" b="1" dirty="0">
+                <a:solidFill>
+                  <a:schemeClr val="bg1"/>
+                </a:solidFill>
+              </a:rPr>
+              <a:t>en sistemas ciber-físicos estocásticos</a:t>
+            </a:r>
+          </a:p>
+        </p:txBody>
+      </p:sp>
+    </p:spTree>
+    <p:extLst>
+      <p:ext uri="{BB962C8B-B14F-4D97-AF65-F5344CB8AC3E}">
+        <p14:creationId xmlns:p14="http://schemas.microsoft.com/office/powerpoint/2010/main" val="3369697056"/>
+      </p:ext>
+    </p:extLst>
+  </p:cSld>
+  <p:clrMapOvr>
+    <a:masterClrMapping/>
+  </p:clrMapOvr>
+</p:sld>
+</file>
+
+<file path=ppt/slides/slide19.xml><?xml version="1.0" encoding="utf-8"?>
+<p:sld xmlns:a="http://schemas.openxmlformats.org/drawingml/2006/main" xmlns:r="http://schemas.openxmlformats.org/officeDocument/2006/relationships" xmlns:p="http://schemas.openxmlformats.org/presentationml/2006/main">
+  <p:cSld>
+    <p:spTree>
+      <p:nvGrpSpPr>
+        <p:cNvPr id="1" name=""/>
+        <p:cNvGrpSpPr/>
+        <p:nvPr/>
+      </p:nvGrpSpPr>
+      <p:grpSpPr>
+        <a:xfrm>
+          <a:off x="0" y="0"/>
+          <a:ext cx="0" cy="0"/>
+          <a:chOff x="0" y="0"/>
+          <a:chExt cx="0" cy="0"/>
+        </a:xfrm>
+      </p:grpSpPr>
+      <p:sp>
+        <p:nvSpPr>
+          <p:cNvPr id="5" name="4 CuadroTexto"/>
+          <p:cNvSpPr txBox="1"/>
+          <p:nvPr/>
+        </p:nvSpPr>
+        <p:spPr>
+          <a:xfrm>
+            <a:off x="683568" y="915566"/>
+            <a:ext cx="7704856" cy="646331"/>
+          </a:xfrm>
+          <a:prstGeom prst="rect">
+            <a:avLst/>
+          </a:prstGeom>
+          <a:noFill/>
+        </p:spPr>
+        <p:txBody>
+          <a:bodyPr wrap="square" rtlCol="0">
+            <a:spAutoFit/>
+          </a:bodyPr>
+          <a:lstStyle/>
+          <a:p>
+            <a:r>
+              <a:rPr lang="es-ES" sz="3600" b="1" kern="0" dirty="0">
+                <a:solidFill>
+                  <a:schemeClr val="bg1">
+                    <a:lumMod val="50000"/>
+                  </a:schemeClr>
+                </a:solidFill>
+              </a:rPr>
+              <a:t> Guía de uso (Demo o Video)</a:t>
+            </a:r>
+            <a:endParaRPr lang="es-ES_tradnl" sz="3600" b="1" kern="0" dirty="0">
+              <a:solidFill>
+                <a:schemeClr val="bg1">
+                  <a:lumMod val="50000"/>
+                </a:schemeClr>
+              </a:solidFill>
+            </a:endParaRPr>
+          </a:p>
+        </p:txBody>
+      </p:sp>
+      <p:sp>
+        <p:nvSpPr>
+          <p:cNvPr id="6" name="5 CuadroTexto"/>
+          <p:cNvSpPr txBox="1"/>
+          <p:nvPr/>
+        </p:nvSpPr>
+        <p:spPr>
+          <a:xfrm>
+            <a:off x="7140350" y="4803973"/>
+            <a:ext cx="1900969" cy="307777"/>
+          </a:xfrm>
+          <a:prstGeom prst="rect">
+            <a:avLst/>
+          </a:prstGeom>
+          <a:noFill/>
+        </p:spPr>
+        <p:txBody>
+          <a:bodyPr wrap="none" rtlCol="0">
+            <a:spAutoFit/>
+          </a:bodyPr>
+          <a:lstStyle/>
+          <a:p>
+            <a:pPr algn="r"/>
+            <a:r>
+              <a:rPr lang="es-ES" sz="1400" dirty="0">
+                <a:solidFill>
+                  <a:schemeClr val="bg1"/>
+                </a:solidFill>
+              </a:rPr>
+              <a:t>Facultad de Informática</a:t>
+            </a:r>
+          </a:p>
+        </p:txBody>
+      </p:sp>
+      <p:sp>
+        <p:nvSpPr>
+          <p:cNvPr id="7" name="6 CuadroTexto"/>
+          <p:cNvSpPr txBox="1"/>
+          <p:nvPr/>
+        </p:nvSpPr>
+        <p:spPr>
+          <a:xfrm>
+            <a:off x="6277229" y="89570"/>
+            <a:ext cx="2764090" cy="461665"/>
+          </a:xfrm>
+          <a:prstGeom prst="rect">
+            <a:avLst/>
+          </a:prstGeom>
+          <a:noFill/>
+        </p:spPr>
+        <p:txBody>
+          <a:bodyPr wrap="none" rtlCol="0">
+            <a:spAutoFit/>
+          </a:bodyPr>
+          <a:lstStyle/>
+          <a:p>
+            <a:pPr algn="r"/>
+            <a:r>
+              <a:rPr lang="es-ES" sz="1200" b="1" dirty="0">
+                <a:solidFill>
+                  <a:schemeClr val="bg1"/>
+                </a:solidFill>
+              </a:rPr>
+              <a:t>Inferencia y verificación de propiedades </a:t>
+            </a:r>
+          </a:p>
+          <a:p>
+            <a:pPr algn="r"/>
+            <a:r>
+              <a:rPr lang="es-ES" sz="1200" b="1" dirty="0">
+                <a:solidFill>
+                  <a:schemeClr val="bg1"/>
+                </a:solidFill>
+              </a:rPr>
+              <a:t>en sistemas ciber-físicos estocásticos</a:t>
+            </a:r>
+          </a:p>
+        </p:txBody>
+      </p:sp>
+    </p:spTree>
+    <p:extLst>
+      <p:ext uri="{BB962C8B-B14F-4D97-AF65-F5344CB8AC3E}">
+        <p14:creationId xmlns:p14="http://schemas.microsoft.com/office/powerpoint/2010/main" val="4198450676"/>
       </p:ext>
     </p:extLst>
   </p:cSld>
@@ -2238,6 +3206,622 @@
     <p:extLst>
       <p:ext uri="{BB962C8B-B14F-4D97-AF65-F5344CB8AC3E}">
         <p14:creationId xmlns:p14="http://schemas.microsoft.com/office/powerpoint/2010/main" val="3672595878"/>
+      </p:ext>
+    </p:extLst>
+  </p:cSld>
+  <p:clrMapOvr>
+    <a:masterClrMapping/>
+  </p:clrMapOvr>
+</p:sld>
+</file>
+
+<file path=ppt/slides/slide20.xml><?xml version="1.0" encoding="utf-8"?>
+<p:sld xmlns:a="http://schemas.openxmlformats.org/drawingml/2006/main" xmlns:r="http://schemas.openxmlformats.org/officeDocument/2006/relationships" xmlns:p="http://schemas.openxmlformats.org/presentationml/2006/main">
+  <p:cSld>
+    <p:spTree>
+      <p:nvGrpSpPr>
+        <p:cNvPr id="1" name=""/>
+        <p:cNvGrpSpPr/>
+        <p:nvPr/>
+      </p:nvGrpSpPr>
+      <p:grpSpPr>
+        <a:xfrm>
+          <a:off x="0" y="0"/>
+          <a:ext cx="0" cy="0"/>
+          <a:chOff x="0" y="0"/>
+          <a:chExt cx="0" cy="0"/>
+        </a:xfrm>
+      </p:grpSpPr>
+      <p:sp>
+        <p:nvSpPr>
+          <p:cNvPr id="5" name="4 CuadroTexto"/>
+          <p:cNvSpPr txBox="1"/>
+          <p:nvPr/>
+        </p:nvSpPr>
+        <p:spPr>
+          <a:xfrm>
+            <a:off x="1163589" y="1417588"/>
+            <a:ext cx="6816822" cy="2308324"/>
+          </a:xfrm>
+          <a:prstGeom prst="rect">
+            <a:avLst/>
+          </a:prstGeom>
+          <a:noFill/>
+        </p:spPr>
+        <p:txBody>
+          <a:bodyPr wrap="square" rtlCol="0">
+            <a:spAutoFit/>
+          </a:bodyPr>
+          <a:lstStyle/>
+          <a:p>
+            <a:r>
+              <a:rPr lang="es-ES" sz="9600" b="1" kern="0" dirty="0">
+                <a:solidFill>
+                  <a:srgbClr val="FF0000"/>
+                </a:solidFill>
+              </a:rPr>
+              <a:t>Conclusiones</a:t>
+            </a:r>
+            <a:endParaRPr lang="es-ES" sz="9600" baseline="30000" dirty="0">
+              <a:solidFill>
+                <a:srgbClr val="FF0000"/>
+              </a:solidFill>
+            </a:endParaRPr>
+          </a:p>
+          <a:p>
+            <a:pPr marL="342900" indent="-342900">
+              <a:buFont typeface="Arial" panose="020B0604020202020204" pitchFamily="34" charset="0"/>
+              <a:buChar char="•"/>
+            </a:pPr>
+            <a:endParaRPr lang="es-ES_tradnl" sz="7200" baseline="30000" dirty="0"/>
+          </a:p>
+        </p:txBody>
+      </p:sp>
+      <p:sp>
+        <p:nvSpPr>
+          <p:cNvPr id="6" name="5 CuadroTexto"/>
+          <p:cNvSpPr txBox="1"/>
+          <p:nvPr/>
+        </p:nvSpPr>
+        <p:spPr>
+          <a:xfrm>
+            <a:off x="7140350" y="4803973"/>
+            <a:ext cx="1900969" cy="307777"/>
+          </a:xfrm>
+          <a:prstGeom prst="rect">
+            <a:avLst/>
+          </a:prstGeom>
+          <a:noFill/>
+        </p:spPr>
+        <p:txBody>
+          <a:bodyPr wrap="none" rtlCol="0">
+            <a:spAutoFit/>
+          </a:bodyPr>
+          <a:lstStyle/>
+          <a:p>
+            <a:pPr algn="r"/>
+            <a:r>
+              <a:rPr lang="es-ES" sz="1400" dirty="0">
+                <a:solidFill>
+                  <a:schemeClr val="bg1"/>
+                </a:solidFill>
+              </a:rPr>
+              <a:t>Facultad de Informática</a:t>
+            </a:r>
+          </a:p>
+        </p:txBody>
+      </p:sp>
+      <p:sp>
+        <p:nvSpPr>
+          <p:cNvPr id="7" name="6 CuadroTexto"/>
+          <p:cNvSpPr txBox="1"/>
+          <p:nvPr/>
+        </p:nvSpPr>
+        <p:spPr>
+          <a:xfrm>
+            <a:off x="6277229" y="89570"/>
+            <a:ext cx="2764090" cy="461665"/>
+          </a:xfrm>
+          <a:prstGeom prst="rect">
+            <a:avLst/>
+          </a:prstGeom>
+          <a:noFill/>
+        </p:spPr>
+        <p:txBody>
+          <a:bodyPr wrap="none" rtlCol="0">
+            <a:spAutoFit/>
+          </a:bodyPr>
+          <a:lstStyle/>
+          <a:p>
+            <a:pPr algn="r"/>
+            <a:r>
+              <a:rPr lang="es-ES" sz="1200" b="1" dirty="0">
+                <a:solidFill>
+                  <a:schemeClr val="bg1"/>
+                </a:solidFill>
+              </a:rPr>
+              <a:t>Inferencia y verificación de propiedades </a:t>
+            </a:r>
+          </a:p>
+          <a:p>
+            <a:pPr algn="r"/>
+            <a:r>
+              <a:rPr lang="es-ES" sz="1200" b="1" dirty="0">
+                <a:solidFill>
+                  <a:schemeClr val="bg1"/>
+                </a:solidFill>
+              </a:rPr>
+              <a:t>en sistemas ciber-físicos estocásticos</a:t>
+            </a:r>
+          </a:p>
+        </p:txBody>
+      </p:sp>
+    </p:spTree>
+    <p:extLst>
+      <p:ext uri="{BB962C8B-B14F-4D97-AF65-F5344CB8AC3E}">
+        <p14:creationId xmlns:p14="http://schemas.microsoft.com/office/powerpoint/2010/main" val="390553160"/>
+      </p:ext>
+    </p:extLst>
+  </p:cSld>
+  <p:clrMapOvr>
+    <a:masterClrMapping/>
+  </p:clrMapOvr>
+</p:sld>
+</file>
+
+<file path=ppt/slides/slide21.xml><?xml version="1.0" encoding="utf-8"?>
+<p:sld xmlns:a="http://schemas.openxmlformats.org/drawingml/2006/main" xmlns:r="http://schemas.openxmlformats.org/officeDocument/2006/relationships" xmlns:p="http://schemas.openxmlformats.org/presentationml/2006/main">
+  <p:cSld>
+    <p:spTree>
+      <p:nvGrpSpPr>
+        <p:cNvPr id="1" name=""/>
+        <p:cNvGrpSpPr/>
+        <p:nvPr/>
+      </p:nvGrpSpPr>
+      <p:grpSpPr>
+        <a:xfrm>
+          <a:off x="0" y="0"/>
+          <a:ext cx="0" cy="0"/>
+          <a:chOff x="0" y="0"/>
+          <a:chExt cx="0" cy="0"/>
+        </a:xfrm>
+      </p:grpSpPr>
+      <p:sp>
+        <p:nvSpPr>
+          <p:cNvPr id="5" name="4 CuadroTexto"/>
+          <p:cNvSpPr txBox="1"/>
+          <p:nvPr/>
+        </p:nvSpPr>
+        <p:spPr>
+          <a:xfrm>
+            <a:off x="683568" y="915566"/>
+            <a:ext cx="7704856" cy="2821285"/>
+          </a:xfrm>
+          <a:prstGeom prst="rect">
+            <a:avLst/>
+          </a:prstGeom>
+          <a:noFill/>
+        </p:spPr>
+        <p:txBody>
+          <a:bodyPr wrap="square" rtlCol="0">
+            <a:spAutoFit/>
+          </a:bodyPr>
+          <a:lstStyle/>
+          <a:p>
+            <a:r>
+              <a:rPr lang="es-ES" sz="3600" b="1" kern="0" dirty="0">
+                <a:solidFill>
+                  <a:schemeClr val="bg1">
+                    <a:lumMod val="50000"/>
+                  </a:schemeClr>
+                </a:solidFill>
+              </a:rPr>
+              <a:t> Conclusiones</a:t>
+            </a:r>
+          </a:p>
+          <a:p>
+            <a:endParaRPr lang="es-ES_tradnl" sz="3200" baseline="30000" dirty="0"/>
+          </a:p>
+          <a:p>
+            <a:endParaRPr lang="es-ES_tradnl" sz="3200" baseline="30000" dirty="0"/>
+          </a:p>
+          <a:p>
+            <a:pPr marL="342900" indent="-342900">
+              <a:buFont typeface="Arial" panose="020B0604020202020204" pitchFamily="34" charset="0"/>
+              <a:buChar char="•"/>
+            </a:pPr>
+            <a:r>
+              <a:rPr lang="es-ES" sz="3200" baseline="30000" dirty="0"/>
+              <a:t>Documentación e investigación.</a:t>
+            </a:r>
+          </a:p>
+          <a:p>
+            <a:pPr marL="342900" indent="-342900">
+              <a:buFont typeface="Arial" panose="020B0604020202020204" pitchFamily="34" charset="0"/>
+              <a:buChar char="•"/>
+            </a:pPr>
+            <a:r>
+              <a:rPr lang="es-ES" sz="3200" baseline="30000" dirty="0"/>
+              <a:t>Capacidades de </a:t>
+            </a:r>
+            <a:r>
+              <a:rPr lang="es-ES" sz="3200" baseline="30000" dirty="0" err="1"/>
+              <a:t>STLEval</a:t>
+            </a:r>
+            <a:r>
+              <a:rPr lang="es-ES" sz="3200" baseline="30000" dirty="0"/>
+              <a:t> extendidas.</a:t>
+            </a:r>
+          </a:p>
+          <a:p>
+            <a:pPr marL="342900" indent="-342900">
+              <a:buFont typeface="Arial" panose="020B0604020202020204" pitchFamily="34" charset="0"/>
+              <a:buChar char="•"/>
+            </a:pPr>
+            <a:r>
+              <a:rPr lang="es-ES" sz="3200" baseline="30000" dirty="0"/>
+              <a:t>Actualización de </a:t>
+            </a:r>
+            <a:r>
+              <a:rPr lang="es-ES" sz="3200" baseline="30000" dirty="0" err="1"/>
+              <a:t>ParetoLib</a:t>
+            </a:r>
+            <a:endParaRPr lang="es-ES" sz="3200" baseline="30000" dirty="0"/>
+          </a:p>
+          <a:p>
+            <a:pPr marL="342900" indent="-342900">
+              <a:buFont typeface="Arial" panose="020B0604020202020204" pitchFamily="34" charset="0"/>
+              <a:buChar char="•"/>
+            </a:pPr>
+            <a:r>
+              <a:rPr lang="es-ES" sz="3200" baseline="30000" dirty="0"/>
+              <a:t>Aportada una interfaz gráfica.</a:t>
+            </a:r>
+          </a:p>
+          <a:p>
+            <a:pPr marL="342900" indent="-342900">
+              <a:buFont typeface="Arial" panose="020B0604020202020204" pitchFamily="34" charset="0"/>
+              <a:buChar char="•"/>
+            </a:pPr>
+            <a:endParaRPr lang="es-ES_tradnl" sz="2000" baseline="30000" dirty="0"/>
+          </a:p>
+        </p:txBody>
+      </p:sp>
+      <p:sp>
+        <p:nvSpPr>
+          <p:cNvPr id="6" name="5 CuadroTexto"/>
+          <p:cNvSpPr txBox="1"/>
+          <p:nvPr/>
+        </p:nvSpPr>
+        <p:spPr>
+          <a:xfrm>
+            <a:off x="7140350" y="4803973"/>
+            <a:ext cx="1900969" cy="307777"/>
+          </a:xfrm>
+          <a:prstGeom prst="rect">
+            <a:avLst/>
+          </a:prstGeom>
+          <a:noFill/>
+        </p:spPr>
+        <p:txBody>
+          <a:bodyPr wrap="none" rtlCol="0">
+            <a:spAutoFit/>
+          </a:bodyPr>
+          <a:lstStyle/>
+          <a:p>
+            <a:pPr algn="r"/>
+            <a:r>
+              <a:rPr lang="es-ES" sz="1400" dirty="0">
+                <a:solidFill>
+                  <a:schemeClr val="bg1"/>
+                </a:solidFill>
+              </a:rPr>
+              <a:t>Facultad de Informática</a:t>
+            </a:r>
+          </a:p>
+        </p:txBody>
+      </p:sp>
+      <p:sp>
+        <p:nvSpPr>
+          <p:cNvPr id="7" name="6 CuadroTexto"/>
+          <p:cNvSpPr txBox="1"/>
+          <p:nvPr/>
+        </p:nvSpPr>
+        <p:spPr>
+          <a:xfrm>
+            <a:off x="6277229" y="89570"/>
+            <a:ext cx="2764090" cy="461665"/>
+          </a:xfrm>
+          <a:prstGeom prst="rect">
+            <a:avLst/>
+          </a:prstGeom>
+          <a:noFill/>
+        </p:spPr>
+        <p:txBody>
+          <a:bodyPr wrap="none" rtlCol="0">
+            <a:spAutoFit/>
+          </a:bodyPr>
+          <a:lstStyle/>
+          <a:p>
+            <a:pPr algn="r"/>
+            <a:r>
+              <a:rPr lang="es-ES" sz="1200" b="1" dirty="0">
+                <a:solidFill>
+                  <a:schemeClr val="bg1"/>
+                </a:solidFill>
+              </a:rPr>
+              <a:t>Inferencia y verificación de propiedades </a:t>
+            </a:r>
+          </a:p>
+          <a:p>
+            <a:pPr algn="r"/>
+            <a:r>
+              <a:rPr lang="es-ES" sz="1200" b="1" dirty="0">
+                <a:solidFill>
+                  <a:schemeClr val="bg1"/>
+                </a:solidFill>
+              </a:rPr>
+              <a:t>en sistemas ciber-físicos estocásticos</a:t>
+            </a:r>
+          </a:p>
+        </p:txBody>
+      </p:sp>
+    </p:spTree>
+    <p:extLst>
+      <p:ext uri="{BB962C8B-B14F-4D97-AF65-F5344CB8AC3E}">
+        <p14:creationId xmlns:p14="http://schemas.microsoft.com/office/powerpoint/2010/main" val="4028046607"/>
+      </p:ext>
+    </p:extLst>
+  </p:cSld>
+  <p:clrMapOvr>
+    <a:masterClrMapping/>
+  </p:clrMapOvr>
+</p:sld>
+</file>
+
+<file path=ppt/slides/slide22.xml><?xml version="1.0" encoding="utf-8"?>
+<p:sld xmlns:a="http://schemas.openxmlformats.org/drawingml/2006/main" xmlns:r="http://schemas.openxmlformats.org/officeDocument/2006/relationships" xmlns:p="http://schemas.openxmlformats.org/presentationml/2006/main">
+  <p:cSld>
+    <p:spTree>
+      <p:nvGrpSpPr>
+        <p:cNvPr id="1" name=""/>
+        <p:cNvGrpSpPr/>
+        <p:nvPr/>
+      </p:nvGrpSpPr>
+      <p:grpSpPr>
+        <a:xfrm>
+          <a:off x="0" y="0"/>
+          <a:ext cx="0" cy="0"/>
+          <a:chOff x="0" y="0"/>
+          <a:chExt cx="0" cy="0"/>
+        </a:xfrm>
+      </p:grpSpPr>
+      <p:sp>
+        <p:nvSpPr>
+          <p:cNvPr id="5" name="4 CuadroTexto"/>
+          <p:cNvSpPr txBox="1"/>
+          <p:nvPr/>
+        </p:nvSpPr>
+        <p:spPr>
+          <a:xfrm>
+            <a:off x="683568" y="915566"/>
+            <a:ext cx="7704856" cy="3929281"/>
+          </a:xfrm>
+          <a:prstGeom prst="rect">
+            <a:avLst/>
+          </a:prstGeom>
+          <a:noFill/>
+        </p:spPr>
+        <p:txBody>
+          <a:bodyPr wrap="square" rtlCol="0">
+            <a:spAutoFit/>
+          </a:bodyPr>
+          <a:lstStyle/>
+          <a:p>
+            <a:r>
+              <a:rPr lang="es-ES" sz="3600" b="1" kern="0" dirty="0">
+                <a:solidFill>
+                  <a:schemeClr val="bg1">
+                    <a:lumMod val="50000"/>
+                  </a:schemeClr>
+                </a:solidFill>
+              </a:rPr>
+              <a:t> Trabajo futuro</a:t>
+            </a:r>
+            <a:endParaRPr lang="es-ES_tradnl" sz="3600" b="1" kern="0" dirty="0">
+              <a:solidFill>
+                <a:schemeClr val="bg1">
+                  <a:lumMod val="50000"/>
+                </a:schemeClr>
+              </a:solidFill>
+            </a:endParaRPr>
+          </a:p>
+          <a:p>
+            <a:pPr marL="342900" indent="-342900">
+              <a:buFont typeface="Arial" panose="020B0604020202020204" pitchFamily="34" charset="0"/>
+              <a:buChar char="•"/>
+            </a:pPr>
+            <a:endParaRPr lang="es-ES_tradnl" sz="3200" baseline="30000" dirty="0"/>
+          </a:p>
+          <a:p>
+            <a:pPr marL="342900" indent="-342900">
+              <a:buFont typeface="Arial" panose="020B0604020202020204" pitchFamily="34" charset="0"/>
+              <a:buChar char="•"/>
+            </a:pPr>
+            <a:endParaRPr lang="es-ES_tradnl" sz="3200" baseline="30000" dirty="0"/>
+          </a:p>
+          <a:p>
+            <a:pPr marL="342900" indent="-342900">
+              <a:buFont typeface="Arial" panose="020B0604020202020204" pitchFamily="34" charset="0"/>
+              <a:buChar char="•"/>
+            </a:pPr>
+            <a:r>
+              <a:rPr lang="es-ES" sz="3200" baseline="30000" dirty="0"/>
+              <a:t>Parámetros adicionales en la interfaz gráfica, como</a:t>
+            </a:r>
+          </a:p>
+          <a:p>
+            <a:pPr marL="914400" lvl="1" indent="-457200">
+              <a:buFont typeface="Wingdings" panose="05000000000000000000" pitchFamily="2" charset="2"/>
+              <a:buChar char="Ø"/>
+            </a:pPr>
+            <a:r>
+              <a:rPr lang="es-ES" sz="3200" baseline="30000" dirty="0"/>
+              <a:t>Grado de precisión del aprendizaje.</a:t>
+            </a:r>
+          </a:p>
+          <a:p>
+            <a:pPr marL="914400" lvl="1" indent="-457200">
+              <a:buFont typeface="Wingdings" panose="05000000000000000000" pitchFamily="2" charset="2"/>
+              <a:buChar char="Ø"/>
+            </a:pPr>
+            <a:r>
+              <a:rPr lang="es-ES" sz="3200" baseline="30000" dirty="0"/>
+              <a:t>Nivel de paralelismo en los cálculos de </a:t>
+            </a:r>
+            <a:r>
+              <a:rPr lang="es-ES" sz="3200" baseline="30000" dirty="0" err="1"/>
+              <a:t>ParetoLib</a:t>
+            </a:r>
+            <a:r>
+              <a:rPr lang="es-ES" sz="3200" baseline="30000" dirty="0"/>
+              <a:t>.</a:t>
+            </a:r>
+          </a:p>
+          <a:p>
+            <a:pPr marL="342900" indent="-342900">
+              <a:buFont typeface="Arial" panose="020B0604020202020204" pitchFamily="34" charset="0"/>
+              <a:buChar char="•"/>
+            </a:pPr>
+            <a:r>
+              <a:rPr lang="es-ES" sz="3200" baseline="30000" dirty="0"/>
+              <a:t>Nuevos tipos de interpolación. Permitirá nuevos operadores lógicos como el operador probabilidad.</a:t>
+            </a:r>
+          </a:p>
+          <a:p>
+            <a:pPr marL="342900" indent="-342900">
+              <a:buFont typeface="Arial" panose="020B0604020202020204" pitchFamily="34" charset="0"/>
+              <a:buChar char="•"/>
+            </a:pPr>
+            <a:r>
+              <a:rPr lang="es-ES" sz="3200" baseline="30000" dirty="0"/>
+              <a:t>Implementación de un procesador de lenguaje natural.</a:t>
+            </a:r>
+          </a:p>
+          <a:p>
+            <a:pPr marL="342900" indent="-342900">
+              <a:buFont typeface="Arial" panose="020B0604020202020204" pitchFamily="34" charset="0"/>
+              <a:buChar char="•"/>
+            </a:pPr>
+            <a:r>
+              <a:rPr lang="es-ES" sz="3200" baseline="30000" dirty="0" err="1"/>
+              <a:t>Reimplementar</a:t>
+            </a:r>
+            <a:r>
+              <a:rPr lang="es-ES" sz="3200" baseline="30000" dirty="0"/>
+              <a:t> el núcleo de </a:t>
+            </a:r>
+            <a:r>
+              <a:rPr lang="es-ES" sz="3200" baseline="30000" dirty="0" err="1"/>
+              <a:t>ParetoLib</a:t>
+            </a:r>
+            <a:r>
+              <a:rPr lang="es-ES" sz="3200" baseline="30000" dirty="0"/>
+              <a:t>.</a:t>
+            </a:r>
+          </a:p>
+          <a:p>
+            <a:pPr marL="342900" indent="-342900">
+              <a:buFont typeface="Arial" panose="020B0604020202020204" pitchFamily="34" charset="0"/>
+              <a:buChar char="•"/>
+            </a:pPr>
+            <a:endParaRPr lang="es-ES" sz="3200" baseline="30000" dirty="0"/>
+          </a:p>
+        </p:txBody>
+      </p:sp>
+      <p:sp>
+        <p:nvSpPr>
+          <p:cNvPr id="6" name="5 CuadroTexto"/>
+          <p:cNvSpPr txBox="1"/>
+          <p:nvPr/>
+        </p:nvSpPr>
+        <p:spPr>
+          <a:xfrm>
+            <a:off x="7140350" y="4803973"/>
+            <a:ext cx="1900969" cy="307777"/>
+          </a:xfrm>
+          <a:prstGeom prst="rect">
+            <a:avLst/>
+          </a:prstGeom>
+          <a:noFill/>
+        </p:spPr>
+        <p:txBody>
+          <a:bodyPr wrap="none" rtlCol="0">
+            <a:spAutoFit/>
+          </a:bodyPr>
+          <a:lstStyle/>
+          <a:p>
+            <a:pPr algn="r"/>
+            <a:r>
+              <a:rPr lang="es-ES" sz="1400" dirty="0">
+                <a:solidFill>
+                  <a:schemeClr val="bg1"/>
+                </a:solidFill>
+              </a:rPr>
+              <a:t>Facultad de Informática</a:t>
+            </a:r>
+          </a:p>
+        </p:txBody>
+      </p:sp>
+      <p:sp>
+        <p:nvSpPr>
+          <p:cNvPr id="7" name="6 CuadroTexto"/>
+          <p:cNvSpPr txBox="1"/>
+          <p:nvPr/>
+        </p:nvSpPr>
+        <p:spPr>
+          <a:xfrm>
+            <a:off x="6277229" y="89570"/>
+            <a:ext cx="2764090" cy="461665"/>
+          </a:xfrm>
+          <a:prstGeom prst="rect">
+            <a:avLst/>
+          </a:prstGeom>
+          <a:noFill/>
+        </p:spPr>
+        <p:txBody>
+          <a:bodyPr wrap="none" rtlCol="0">
+            <a:spAutoFit/>
+          </a:bodyPr>
+          <a:lstStyle/>
+          <a:p>
+            <a:pPr algn="r"/>
+            <a:r>
+              <a:rPr lang="es-ES" sz="1200" b="1" dirty="0">
+                <a:solidFill>
+                  <a:schemeClr val="bg1"/>
+                </a:solidFill>
+              </a:rPr>
+              <a:t>Inferencia y verificación de propiedades </a:t>
+            </a:r>
+          </a:p>
+          <a:p>
+            <a:pPr algn="r"/>
+            <a:r>
+              <a:rPr lang="es-ES" sz="1200" b="1" dirty="0">
+                <a:solidFill>
+                  <a:schemeClr val="bg1"/>
+                </a:solidFill>
+              </a:rPr>
+              <a:t>en sistemas ciber-físicos estocásticos</a:t>
+            </a:r>
+          </a:p>
+        </p:txBody>
+      </p:sp>
+    </p:spTree>
+    <p:extLst>
+      <p:ext uri="{BB962C8B-B14F-4D97-AF65-F5344CB8AC3E}">
+        <p14:creationId xmlns:p14="http://schemas.microsoft.com/office/powerpoint/2010/main" val="2444190834"/>
       </p:ext>
     </p:extLst>
   </p:cSld>
@@ -3467,6 +5051,49 @@
       </p:grpSpPr>
       <p:sp>
         <p:nvSpPr>
+          <p:cNvPr id="5" name="4 CuadroTexto"/>
+          <p:cNvSpPr txBox="1"/>
+          <p:nvPr/>
+        </p:nvSpPr>
+        <p:spPr>
+          <a:xfrm>
+            <a:off x="683568" y="771550"/>
+            <a:ext cx="7704856" cy="851515"/>
+          </a:xfrm>
+          <a:prstGeom prst="rect">
+            <a:avLst/>
+          </a:prstGeom>
+          <a:noFill/>
+        </p:spPr>
+        <p:txBody>
+          <a:bodyPr wrap="square" rtlCol="0">
+            <a:spAutoFit/>
+          </a:bodyPr>
+          <a:lstStyle/>
+          <a:p>
+            <a:r>
+              <a:rPr lang="es-ES" sz="3600" b="1" kern="0" dirty="0">
+                <a:solidFill>
+                  <a:schemeClr val="bg1">
+                    <a:lumMod val="50000"/>
+                  </a:schemeClr>
+                </a:solidFill>
+              </a:rPr>
+              <a:t> Diagrama de Gantt</a:t>
+            </a:r>
+            <a:endParaRPr lang="es-ES" sz="3200" baseline="30000" dirty="0"/>
+          </a:p>
+          <a:p>
+            <a:pPr marL="342900" indent="-342900">
+              <a:buFont typeface="Arial" panose="020B0604020202020204" pitchFamily="34" charset="0"/>
+              <a:buChar char="•"/>
+            </a:pPr>
+            <a:endParaRPr lang="es-ES_tradnl" sz="2000" baseline="30000" dirty="0"/>
+          </a:p>
+        </p:txBody>
+      </p:sp>
+      <p:sp>
+        <p:nvSpPr>
           <p:cNvPr id="6" name="5 CuadroTexto"/>
           <p:cNvSpPr txBox="1"/>
           <p:nvPr/>
@@ -3546,13 +5173,13 @@
       </p:sp>
       <p:pic>
         <p:nvPicPr>
-          <p:cNvPr id="3" name="Imagen 2" descr="Diagrama de Gantt">
+          <p:cNvPr id="8" name="Imagen 7">
             <a:extLst>
               <a:ext uri="{FF2B5EF4-FFF2-40B4-BE49-F238E27FC236}">
-                <a16:creationId xmlns:a16="http://schemas.microsoft.com/office/drawing/2014/main" id="{C574E378-760F-4AC4-8EBA-13BC73D0468F}"/>
+                <a16:creationId xmlns:a16="http://schemas.microsoft.com/office/drawing/2014/main" id="{42CE51BB-2C05-4661-B554-CE48FCE9012D}"/>
               </a:ext>
               <a:ext uri="{C183D7F6-B498-43B3-948B-1728B52AA6E4}">
-                <adec:decorative xmlns:adec="http://schemas.microsoft.com/office/drawing/2017/decorative" val="0"/>
+                <adec:decorative xmlns:adec="http://schemas.microsoft.com/office/drawing/2017/decorative" val="1"/>
               </a:ext>
             </a:extLst>
           </p:cNvPr>
@@ -3575,7 +5202,7 @@
         </p:blipFill>
         <p:spPr>
           <a:xfrm>
-            <a:off x="0" y="882825"/>
+            <a:off x="0" y="1426124"/>
             <a:ext cx="9144000" cy="3377849"/>
           </a:xfrm>
           <a:prstGeom prst="rect">
@@ -3586,7 +5213,7 @@
     </p:spTree>
     <p:extLst>
       <p:ext uri="{BB962C8B-B14F-4D97-AF65-F5344CB8AC3E}">
-        <p14:creationId xmlns:p14="http://schemas.microsoft.com/office/powerpoint/2010/main" val="3152787148"/>
+        <p14:creationId xmlns:p14="http://schemas.microsoft.com/office/powerpoint/2010/main" val="1693722251"/>
       </p:ext>
     </p:extLst>
   </p:cSld>
@@ -3615,51 +5242,6 @@
       </p:grpSpPr>
       <p:sp>
         <p:nvSpPr>
-          <p:cNvPr id="5" name="4 CuadroTexto"/>
-          <p:cNvSpPr txBox="1"/>
-          <p:nvPr/>
-        </p:nvSpPr>
-        <p:spPr>
-          <a:xfrm>
-            <a:off x="611560" y="1048256"/>
-            <a:ext cx="7920880" cy="3046988"/>
-          </a:xfrm>
-          <a:prstGeom prst="rect">
-            <a:avLst/>
-          </a:prstGeom>
-          <a:noFill/>
-        </p:spPr>
-        <p:txBody>
-          <a:bodyPr wrap="square" rtlCol="0">
-            <a:spAutoFit/>
-          </a:bodyPr>
-          <a:lstStyle/>
-          <a:p>
-            <a:r>
-              <a:rPr lang="es-ES" sz="7200" b="1" kern="0" dirty="0">
-                <a:solidFill>
-                  <a:srgbClr val="FF0000"/>
-                </a:solidFill>
-              </a:rPr>
-              <a:t> Nuevos operadores 		  para STL</a:t>
-            </a:r>
-            <a:endParaRPr lang="es-ES" sz="7200" baseline="30000" dirty="0">
-              <a:solidFill>
-                <a:srgbClr val="FF0000"/>
-              </a:solidFill>
-            </a:endParaRPr>
-          </a:p>
-          <a:p>
-            <a:pPr marL="342900" indent="-342900">
-              <a:buFont typeface="Arial" panose="020B0604020202020204" pitchFamily="34" charset="0"/>
-              <a:buChar char="•"/>
-            </a:pPr>
-            <a:endParaRPr lang="es-ES_tradnl" sz="7200" baseline="30000" dirty="0"/>
-          </a:p>
-        </p:txBody>
-      </p:sp>
-      <p:sp>
-        <p:nvSpPr>
           <p:cNvPr id="6" name="5 CuadroTexto"/>
           <p:cNvSpPr txBox="1"/>
           <p:nvPr/>
@@ -3737,10 +5319,49 @@
           </a:p>
         </p:txBody>
       </p:sp>
+      <p:pic>
+        <p:nvPicPr>
+          <p:cNvPr id="3" name="Imagen 2" descr="Diagrama de Gantt">
+            <a:extLst>
+              <a:ext uri="{FF2B5EF4-FFF2-40B4-BE49-F238E27FC236}">
+                <a16:creationId xmlns:a16="http://schemas.microsoft.com/office/drawing/2014/main" id="{C574E378-760F-4AC4-8EBA-13BC73D0468F}"/>
+              </a:ext>
+              <a:ext uri="{C183D7F6-B498-43B3-948B-1728B52AA6E4}">
+                <adec:decorative xmlns:adec="http://schemas.microsoft.com/office/drawing/2017/decorative" val="0"/>
+              </a:ext>
+            </a:extLst>
+          </p:cNvPr>
+          <p:cNvPicPr>
+            <a:picLocks noChangeAspect="1"/>
+          </p:cNvPicPr>
+          <p:nvPr/>
+        </p:nvPicPr>
+        <p:blipFill>
+          <a:blip r:embed="rId2">
+            <a:extLst>
+              <a:ext uri="{28A0092B-C50C-407E-A947-70E740481C1C}">
+                <a14:useLocalDpi xmlns:a14="http://schemas.microsoft.com/office/drawing/2010/main" val="0"/>
+              </a:ext>
+            </a:extLst>
+          </a:blip>
+          <a:stretch>
+            <a:fillRect/>
+          </a:stretch>
+        </p:blipFill>
+        <p:spPr>
+          <a:xfrm>
+            <a:off x="0" y="882825"/>
+            <a:ext cx="9144000" cy="3377849"/>
+          </a:xfrm>
+          <a:prstGeom prst="rect">
+            <a:avLst/>
+          </a:prstGeom>
+        </p:spPr>
+      </p:pic>
     </p:spTree>
     <p:extLst>
       <p:ext uri="{BB962C8B-B14F-4D97-AF65-F5344CB8AC3E}">
-        <p14:creationId xmlns:p14="http://schemas.microsoft.com/office/powerpoint/2010/main" val="595408407"/>
+        <p14:creationId xmlns:p14="http://schemas.microsoft.com/office/powerpoint/2010/main" val="3152787148"/>
       </p:ext>
     </p:extLst>
   </p:cSld>

--- a/slides/plantilla_usada.pptx
+++ b/slides/plantilla_usada.pptx
@@ -19,11 +19,11 @@
     <p:sldId id="266" r:id="rId7"/>
     <p:sldId id="267" r:id="rId8"/>
     <p:sldId id="285" r:id="rId9"/>
-    <p:sldId id="258" r:id="rId10"/>
-    <p:sldId id="271" r:id="rId11"/>
-    <p:sldId id="268" r:id="rId12"/>
-    <p:sldId id="289" r:id="rId13"/>
-    <p:sldId id="286" r:id="rId14"/>
+    <p:sldId id="271" r:id="rId10"/>
+    <p:sldId id="268" r:id="rId11"/>
+    <p:sldId id="289" r:id="rId12"/>
+    <p:sldId id="286" r:id="rId13"/>
+    <p:sldId id="290" r:id="rId14"/>
     <p:sldId id="287" r:id="rId15"/>
     <p:sldId id="288" r:id="rId16"/>
     <p:sldId id="276" r:id="rId17"/>
@@ -246,7 +246,7 @@
           <a:p>
             <a:fld id="{A85139BE-39D6-4EEC-90F8-B6B26E4D6216}" type="datetimeFigureOut">
               <a:rPr lang="es-ES" smtClean="0"/>
-              <a:t>27/05/2022</a:t>
+              <a:t>30/05/2022</a:t>
             </a:fld>
             <a:endParaRPr lang="es-ES"/>
           </a:p>
@@ -411,7 +411,7 @@
           <a:p>
             <a:fld id="{DB0A5BE9-06C5-483C-B766-6AF9F206FB90}" type="datetimeFigureOut">
               <a:rPr lang="es-ES" smtClean="0"/>
-              <a:t>27/05/2022</a:t>
+              <a:t>30/05/2022</a:t>
             </a:fld>
             <a:endParaRPr lang="es-ES"/>
           </a:p>
@@ -1293,8 +1293,8 @@
         </p:nvSpPr>
         <p:spPr>
           <a:xfrm>
-            <a:off x="611560" y="1048256"/>
-            <a:ext cx="7920880" cy="3046988"/>
+            <a:off x="683568" y="915566"/>
+            <a:ext cx="7704856" cy="2616101"/>
           </a:xfrm>
           <a:prstGeom prst="rect">
             <a:avLst/>
@@ -1308,25 +1308,67 @@
           <a:lstStyle/>
           <a:p>
             <a:r>
-              <a:rPr lang="es-ES" sz="7200" b="1" kern="0" dirty="0">
-                <a:solidFill>
-                  <a:srgbClr val="FF0000"/>
-                </a:solidFill>
-              </a:rPr>
-              <a:t> Nuevos operadores 		  para STL</a:t>
-            </a:r>
-            <a:endParaRPr lang="es-ES" sz="7200" baseline="30000" dirty="0">
-              <a:solidFill>
-                <a:srgbClr val="FF0000"/>
-              </a:solidFill>
-            </a:endParaRPr>
-          </a:p>
-          <a:p>
-            <a:pPr marL="342900" indent="-342900">
-              <a:buFont typeface="Arial" panose="020B0604020202020204" pitchFamily="34" charset="0"/>
-              <a:buChar char="•"/>
-            </a:pPr>
-            <a:endParaRPr lang="es-ES_tradnl" sz="7200" baseline="30000" dirty="0"/>
+              <a:rPr lang="es-ES_tradnl" sz="3600" b="1" kern="0" dirty="0">
+                <a:solidFill>
+                  <a:schemeClr val="bg1">
+                    <a:lumMod val="50000"/>
+                  </a:schemeClr>
+                </a:solidFill>
+              </a:rPr>
+              <a:t>Lógica Temporal</a:t>
+            </a:r>
+          </a:p>
+          <a:p>
+            <a:pPr marL="342900" indent="-342900">
+              <a:buFont typeface="Arial" panose="020B0604020202020204" pitchFamily="34" charset="0"/>
+              <a:buChar char="•"/>
+            </a:pPr>
+            <a:endParaRPr lang="es-ES_tradnl" sz="3200" baseline="30000" dirty="0"/>
+          </a:p>
+          <a:p>
+            <a:pPr marL="342900" indent="-342900">
+              <a:buFont typeface="Arial" panose="020B0604020202020204" pitchFamily="34" charset="0"/>
+              <a:buChar char="•"/>
+            </a:pPr>
+            <a:endParaRPr lang="es-ES_tradnl" sz="3200" baseline="30000" dirty="0"/>
+          </a:p>
+          <a:p>
+            <a:pPr marL="342900" indent="-342900">
+              <a:buFont typeface="Arial" panose="020B0604020202020204" pitchFamily="34" charset="0"/>
+              <a:buChar char="•"/>
+            </a:pPr>
+            <a:r>
+              <a:rPr lang="es-ES" sz="3200" baseline="30000" dirty="0"/>
+              <a:t>La lógica proposicional no tiene la percepción de tiempo.</a:t>
+            </a:r>
+          </a:p>
+          <a:p>
+            <a:pPr marL="342900" indent="-342900">
+              <a:buFont typeface="Arial" panose="020B0604020202020204" pitchFamily="34" charset="0"/>
+              <a:buChar char="•"/>
+            </a:pPr>
+            <a:r>
+              <a:rPr lang="es-ES" sz="3200" baseline="30000" dirty="0"/>
+              <a:t>Hechos que son verdaderos o falsos.</a:t>
+            </a:r>
+          </a:p>
+          <a:p>
+            <a:pPr marL="342900" indent="-342900">
+              <a:buFont typeface="Arial" panose="020B0604020202020204" pitchFamily="34" charset="0"/>
+              <a:buChar char="•"/>
+            </a:pPr>
+            <a:r>
+              <a:rPr lang="es-ES_tradnl" sz="3200" baseline="30000" dirty="0"/>
+              <a:t>El controlador software de un sistema </a:t>
+            </a:r>
+            <a:r>
+              <a:rPr lang="es-ES_tradnl" sz="3200" baseline="30000" dirty="0" err="1"/>
+              <a:t>ciberfísico</a:t>
+            </a:r>
+            <a:r>
+              <a:rPr lang="es-ES_tradnl" sz="3200" baseline="30000" dirty="0"/>
+              <a:t> se representa como una máquina de estados</a:t>
+            </a:r>
           </a:p>
         </p:txBody>
       </p:sp>
@@ -1412,7 +1454,7 @@
     </p:spTree>
     <p:extLst>
       <p:ext uri="{BB962C8B-B14F-4D97-AF65-F5344CB8AC3E}">
-        <p14:creationId xmlns:p14="http://schemas.microsoft.com/office/powerpoint/2010/main" val="595408407"/>
+        <p14:creationId xmlns:p14="http://schemas.microsoft.com/office/powerpoint/2010/main" val="3938058698"/>
       </p:ext>
     </p:extLst>
   </p:cSld>
@@ -1448,7 +1490,7 @@
         <p:spPr>
           <a:xfrm>
             <a:off x="683568" y="915566"/>
-            <a:ext cx="7704856" cy="2616101"/>
+            <a:ext cx="4104456" cy="2944396"/>
           </a:xfrm>
           <a:prstGeom prst="rect">
             <a:avLst/>
@@ -1462,15 +1504,22 @@
           <a:lstStyle/>
           <a:p>
             <a:r>
-              <a:rPr lang="es-ES_tradnl" sz="3600" b="1" kern="0" dirty="0">
+              <a:rPr lang="es-ES" sz="3600" b="1" kern="0" dirty="0">
                 <a:solidFill>
                   <a:schemeClr val="bg1">
                     <a:lumMod val="50000"/>
                   </a:schemeClr>
                 </a:solidFill>
               </a:rPr>
-              <a:t>Lógica Temporal</a:t>
-            </a:r>
+              <a:t>Derivada</a:t>
+            </a:r>
+            <a:endParaRPr lang="es-ES_tradnl" sz="3600" b="1" kern="0" dirty="0">
+              <a:solidFill>
+                <a:schemeClr val="bg1">
+                  <a:lumMod val="50000"/>
+                </a:schemeClr>
+              </a:solidFill>
+            </a:endParaRPr>
           </a:p>
           <a:p>
             <a:pPr marL="342900" indent="-342900">
@@ -1484,16 +1533,13 @@
               <a:buFont typeface="Arial" panose="020B0604020202020204" pitchFamily="34" charset="0"/>
               <a:buChar char="•"/>
             </a:pPr>
-            <a:endParaRPr lang="es-ES_tradnl" sz="3200" baseline="30000" dirty="0"/>
-          </a:p>
-          <a:p>
-            <a:pPr marL="342900" indent="-342900">
-              <a:buFont typeface="Arial" panose="020B0604020202020204" pitchFamily="34" charset="0"/>
-              <a:buChar char="•"/>
-            </a:pPr>
+            <a:r>
+              <a:rPr lang="en-US" sz="3200" baseline="30000" dirty="0"/>
+              <a:t>E</a:t>
+            </a:r>
             <a:r>
               <a:rPr lang="es-ES" sz="3200" baseline="30000" dirty="0"/>
-              <a:t>La lógica proposicional no tiene la percepción de tiempo.</a:t>
+              <a:t>l valor de la pendiente de una recta tangente en un punto cualquiera de una curva.</a:t>
             </a:r>
           </a:p>
           <a:p>
@@ -1503,26 +1549,9 @@
             </a:pPr>
             <a:r>
               <a:rPr lang="es-ES" sz="3200" baseline="30000" dirty="0"/>
-              <a:t>Hechos que son verdaderos o falsos.</a:t>
-            </a:r>
-          </a:p>
-          <a:p>
-            <a:pPr marL="342900" indent="-342900">
-              <a:buFont typeface="Arial" panose="020B0604020202020204" pitchFamily="34" charset="0"/>
-              <a:buChar char="•"/>
-            </a:pPr>
-            <a:r>
-              <a:rPr lang="es-ES_tradnl" sz="3200" baseline="30000" dirty="0"/>
-              <a:t>El controlador software de un sistema </a:t>
-            </a:r>
-            <a:r>
-              <a:rPr lang="es-ES_tradnl" sz="3200" baseline="30000" dirty="0" err="1"/>
-              <a:t>ciberfísico</a:t>
-            </a:r>
-            <a:r>
-              <a:rPr lang="es-ES_tradnl" sz="3200" baseline="30000" dirty="0"/>
-              <a:t> se representa como una máquina de estados</a:t>
-            </a:r>
+              <a:t>Vemos la evolución o cambio de algún fenómeno, en nuestro caso las señales.</a:t>
+            </a:r>
+            <a:endParaRPr lang="es-ES_tradnl" sz="2000" baseline="30000" dirty="0"/>
           </a:p>
         </p:txBody>
       </p:sp>
@@ -1605,10 +1634,40 @@
           </a:p>
         </p:txBody>
       </p:sp>
+      <p:pic>
+        <p:nvPicPr>
+          <p:cNvPr id="3" name="Imagen 2">
+            <a:extLst>
+              <a:ext uri="{FF2B5EF4-FFF2-40B4-BE49-F238E27FC236}">
+                <a16:creationId xmlns:a16="http://schemas.microsoft.com/office/drawing/2014/main" id="{D9279D68-4AE8-A21F-6CAA-5207363F0797}"/>
+              </a:ext>
+            </a:extLst>
+          </p:cNvPr>
+          <p:cNvPicPr>
+            <a:picLocks noChangeAspect="1"/>
+          </p:cNvPicPr>
+          <p:nvPr/>
+        </p:nvPicPr>
+        <p:blipFill>
+          <a:blip r:embed="rId2"/>
+          <a:stretch>
+            <a:fillRect/>
+          </a:stretch>
+        </p:blipFill>
+        <p:spPr>
+          <a:xfrm>
+            <a:off x="5580112" y="1053014"/>
+            <a:ext cx="2968294" cy="3037471"/>
+          </a:xfrm>
+          <a:prstGeom prst="rect">
+            <a:avLst/>
+          </a:prstGeom>
+        </p:spPr>
+      </p:pic>
     </p:spTree>
     <p:extLst>
       <p:ext uri="{BB962C8B-B14F-4D97-AF65-F5344CB8AC3E}">
-        <p14:creationId xmlns:p14="http://schemas.microsoft.com/office/powerpoint/2010/main" val="3938058698"/>
+        <p14:creationId xmlns:p14="http://schemas.microsoft.com/office/powerpoint/2010/main" val="3266846819"/>
       </p:ext>
     </p:extLst>
   </p:cSld>
@@ -1644,7 +1703,7 @@
         <p:spPr>
           <a:xfrm>
             <a:off x="683568" y="915566"/>
-            <a:ext cx="7704856" cy="1836400"/>
+            <a:ext cx="3960440" cy="2821285"/>
           </a:xfrm>
           <a:prstGeom prst="rect">
             <a:avLst/>
@@ -1665,21 +1724,8 @@
                   </a:schemeClr>
                 </a:solidFill>
               </a:rPr>
-              <a:t>A</a:t>
-            </a:r>
-            <a:endParaRPr lang="es-ES_tradnl" sz="3600" b="1" kern="0" dirty="0">
-              <a:solidFill>
-                <a:schemeClr val="bg1">
-                  <a:lumMod val="50000"/>
-                </a:schemeClr>
-              </a:solidFill>
-            </a:endParaRPr>
-          </a:p>
-          <a:p>
-            <a:pPr marL="342900" indent="-342900">
-              <a:buFont typeface="Arial" panose="020B0604020202020204" pitchFamily="34" charset="0"/>
-              <a:buChar char="•"/>
-            </a:pPr>
+              <a:t>Integral</a:t>
+            </a:r>
             <a:endParaRPr lang="es-ES_tradnl" sz="3200" baseline="30000" dirty="0"/>
           </a:p>
           <a:p>
@@ -1696,8 +1742,15 @@
             </a:pPr>
             <a:r>
               <a:rPr lang="es-ES" sz="3200" baseline="30000" dirty="0"/>
-              <a:t>A</a:t>
-            </a:r>
+              <a:t>Cálculo del área debajo de la curva que se realiza mediante la suma de infinitos sumandos extremadamente pequeños.</a:t>
+            </a:r>
+          </a:p>
+          <a:p>
+            <a:pPr marL="342900" indent="-342900">
+              <a:buFont typeface="Arial" panose="020B0604020202020204" pitchFamily="34" charset="0"/>
+              <a:buChar char="•"/>
+            </a:pPr>
+            <a:endParaRPr lang="es-ES" sz="3200" baseline="30000" dirty="0"/>
           </a:p>
           <a:p>
             <a:pPr marL="342900" indent="-342900">
@@ -1787,10 +1840,40 @@
           </a:p>
         </p:txBody>
       </p:sp>
+      <p:pic>
+        <p:nvPicPr>
+          <p:cNvPr id="3" name="Imagen 2">
+            <a:extLst>
+              <a:ext uri="{FF2B5EF4-FFF2-40B4-BE49-F238E27FC236}">
+                <a16:creationId xmlns:a16="http://schemas.microsoft.com/office/drawing/2014/main" id="{96894397-1318-DE52-3EB3-7115BCE86468}"/>
+              </a:ext>
+            </a:extLst>
+          </p:cNvPr>
+          <p:cNvPicPr>
+            <a:picLocks noChangeAspect="1"/>
+          </p:cNvPicPr>
+          <p:nvPr/>
+        </p:nvPicPr>
+        <p:blipFill>
+          <a:blip r:embed="rId2"/>
+          <a:stretch>
+            <a:fillRect/>
+          </a:stretch>
+        </p:blipFill>
+        <p:spPr>
+          <a:xfrm>
+            <a:off x="5681840" y="1203598"/>
+            <a:ext cx="2917020" cy="3167437"/>
+          </a:xfrm>
+          <a:prstGeom prst="rect">
+            <a:avLst/>
+          </a:prstGeom>
+        </p:spPr>
+      </p:pic>
     </p:spTree>
     <p:extLst>
       <p:ext uri="{BB962C8B-B14F-4D97-AF65-F5344CB8AC3E}">
-        <p14:creationId xmlns:p14="http://schemas.microsoft.com/office/powerpoint/2010/main" val="3266846819"/>
+        <p14:creationId xmlns:p14="http://schemas.microsoft.com/office/powerpoint/2010/main" val="3350102094"/>
       </p:ext>
     </p:extLst>
   </p:cSld>
@@ -1825,8 +1908,8 @@
         </p:nvSpPr>
         <p:spPr>
           <a:xfrm>
-            <a:off x="683568" y="915566"/>
-            <a:ext cx="7704856" cy="1836400"/>
+            <a:off x="611560" y="1048256"/>
+            <a:ext cx="7920880" cy="3046988"/>
           </a:xfrm>
           <a:prstGeom prst="rect">
             <a:avLst/>
@@ -1839,21 +1922,26 @@
           </a:bodyPr>
           <a:lstStyle/>
           <a:p>
-            <a:r>
-              <a:rPr lang="es-ES" sz="3600" b="1" kern="0" dirty="0">
-                <a:solidFill>
-                  <a:schemeClr val="bg1">
-                    <a:lumMod val="50000"/>
-                  </a:schemeClr>
-                </a:solidFill>
-              </a:rPr>
-              <a:t>A</a:t>
-            </a:r>
-            <a:endParaRPr lang="es-ES_tradnl" sz="3600" b="1" kern="0" dirty="0">
+            <a:pPr algn="ctr"/>
+            <a:r>
+              <a:rPr lang="es-ES" sz="7200" b="1" kern="0" dirty="0">
+                <a:solidFill>
+                  <a:srgbClr val="FF0000"/>
+                </a:solidFill>
+              </a:rPr>
+              <a:t> Integración con </a:t>
+            </a:r>
+            <a:r>
+              <a:rPr lang="es-ES" sz="7200" b="1" kern="0" dirty="0" err="1">
+                <a:solidFill>
+                  <a:srgbClr val="FF0000"/>
+                </a:solidFill>
+              </a:rPr>
+              <a:t>ParetoLib</a:t>
+            </a:r>
+            <a:endParaRPr lang="es-ES" sz="7200" baseline="30000" dirty="0">
               <a:solidFill>
-                <a:schemeClr val="bg1">
-                  <a:lumMod val="50000"/>
-                </a:schemeClr>
+                <a:srgbClr val="FF0000"/>
               </a:solidFill>
             </a:endParaRPr>
           </a:p>
@@ -1862,31 +1950,7 @@
               <a:buFont typeface="Arial" panose="020B0604020202020204" pitchFamily="34" charset="0"/>
               <a:buChar char="•"/>
             </a:pPr>
-            <a:endParaRPr lang="es-ES_tradnl" sz="3200" baseline="30000" dirty="0"/>
-          </a:p>
-          <a:p>
-            <a:pPr marL="342900" indent="-342900">
-              <a:buFont typeface="Arial" panose="020B0604020202020204" pitchFamily="34" charset="0"/>
-              <a:buChar char="•"/>
-            </a:pPr>
-            <a:endParaRPr lang="es-ES_tradnl" sz="3200" baseline="30000" dirty="0"/>
-          </a:p>
-          <a:p>
-            <a:pPr marL="342900" indent="-342900">
-              <a:buFont typeface="Arial" panose="020B0604020202020204" pitchFamily="34" charset="0"/>
-              <a:buChar char="•"/>
-            </a:pPr>
-            <a:r>
-              <a:rPr lang="es-ES" sz="3200" baseline="30000" dirty="0"/>
-              <a:t>A</a:t>
-            </a:r>
-          </a:p>
-          <a:p>
-            <a:pPr marL="342900" indent="-342900">
-              <a:buFont typeface="Arial" panose="020B0604020202020204" pitchFamily="34" charset="0"/>
-              <a:buChar char="•"/>
-            </a:pPr>
-            <a:endParaRPr lang="es-ES_tradnl" sz="2000" baseline="30000" dirty="0"/>
+            <a:endParaRPr lang="es-ES_tradnl" sz="7200" baseline="30000" dirty="0"/>
           </a:p>
         </p:txBody>
       </p:sp>
@@ -1972,7 +2036,7 @@
     </p:spTree>
     <p:extLst>
       <p:ext uri="{BB962C8B-B14F-4D97-AF65-F5344CB8AC3E}">
-        <p14:creationId xmlns:p14="http://schemas.microsoft.com/office/powerpoint/2010/main" val="3350102094"/>
+        <p14:creationId xmlns:p14="http://schemas.microsoft.com/office/powerpoint/2010/main" val="1488075377"/>
       </p:ext>
     </p:extLst>
   </p:cSld>
@@ -2008,7 +2072,7 @@
         <p:spPr>
           <a:xfrm>
             <a:off x="683568" y="915566"/>
-            <a:ext cx="7704856" cy="1836400"/>
+            <a:ext cx="7704856" cy="3149580"/>
           </a:xfrm>
           <a:prstGeom prst="rect">
             <a:avLst/>
@@ -2029,7 +2093,27 @@
                   </a:schemeClr>
                 </a:solidFill>
               </a:rPr>
-              <a:t>A</a:t>
+              <a:t>¿Qué es </a:t>
+            </a:r>
+            <a:r>
+              <a:rPr lang="es-ES" sz="3600" b="1" kern="0" dirty="0" err="1">
+                <a:solidFill>
+                  <a:schemeClr val="bg1">
+                    <a:lumMod val="50000"/>
+                  </a:schemeClr>
+                </a:solidFill>
+              </a:rPr>
+              <a:t>ParetoLib</a:t>
+            </a:r>
+            <a:r>
+              <a:rPr lang="es-ES" sz="3600" b="1" kern="0" dirty="0">
+                <a:solidFill>
+                  <a:schemeClr val="bg1">
+                    <a:lumMod val="50000"/>
+                  </a:schemeClr>
+                </a:solidFill>
+              </a:rPr>
+              <a:t>?</a:t>
             </a:r>
             <a:endParaRPr lang="es-ES_tradnl" sz="3600" b="1" kern="0" dirty="0">
               <a:solidFill>
@@ -2060,7 +2144,25 @@
             </a:pPr>
             <a:r>
               <a:rPr lang="es-ES" sz="3200" baseline="30000" dirty="0"/>
-              <a:t>A</a:t>
+              <a:t>Es una biblioteca de minería que recibe una especificación paramétrica y devuelve el rango de valores de las variables para las que la propiedad se satisface o invalida.</a:t>
+            </a:r>
+          </a:p>
+          <a:p>
+            <a:pPr marL="342900" indent="-342900">
+              <a:buFont typeface="Arial" panose="020B0604020202020204" pitchFamily="34" charset="0"/>
+              <a:buChar char="•"/>
+            </a:pPr>
+            <a:r>
+              <a:rPr lang="es-ES" sz="3200" baseline="30000" dirty="0"/>
+              <a:t>Evalúa instancias concretas de la fórmula temporal a través de la herramienta </a:t>
+            </a:r>
+            <a:r>
+              <a:rPr lang="es-ES" sz="3200" baseline="30000" dirty="0" err="1"/>
+              <a:t>STLEval</a:t>
+            </a:r>
+            <a:r>
+              <a:rPr lang="es-ES" sz="3200" baseline="30000" dirty="0"/>
+              <a:t>.</a:t>
             </a:r>
           </a:p>
           <a:p>
@@ -2190,7 +2292,7 @@
         <p:spPr>
           <a:xfrm>
             <a:off x="683568" y="915566"/>
-            <a:ext cx="7704856" cy="1836400"/>
+            <a:ext cx="7704856" cy="2492990"/>
           </a:xfrm>
           <a:prstGeom prst="rect">
             <a:avLst/>
@@ -2211,7 +2313,7 @@
                   </a:schemeClr>
                 </a:solidFill>
               </a:rPr>
-              <a:t>A</a:t>
+              <a:t>Integración</a:t>
             </a:r>
             <a:endParaRPr lang="es-ES_tradnl" sz="3600" b="1" kern="0" dirty="0">
               <a:solidFill>
@@ -2242,7 +2344,33 @@
             </a:pPr>
             <a:r>
               <a:rPr lang="es-ES" sz="3200" baseline="30000" dirty="0"/>
-              <a:t>A</a:t>
+              <a:t>Se ha empaquetado junto los binarios y librerías dinámicas de </a:t>
+            </a:r>
+            <a:r>
+              <a:rPr lang="es-ES" sz="3200" baseline="30000" dirty="0" err="1"/>
+              <a:t>STLEval</a:t>
+            </a:r>
+            <a:r>
+              <a:rPr lang="es-ES" sz="3200" baseline="30000" dirty="0"/>
+              <a:t> </a:t>
+            </a:r>
+            <a:r>
+              <a:rPr lang="es-ES" sz="3200" baseline="30000" dirty="0" err="1"/>
+              <a:t>precompilados</a:t>
+            </a:r>
+            <a:r>
+              <a:rPr lang="es-ES" sz="3200" baseline="30000" dirty="0"/>
+              <a:t> tanto para Linux como para Windows.</a:t>
+            </a:r>
+          </a:p>
+          <a:p>
+            <a:pPr marL="342900" indent="-342900">
+              <a:buFont typeface="Arial" panose="020B0604020202020204" pitchFamily="34" charset="0"/>
+              <a:buChar char="•"/>
+            </a:pPr>
+            <a:r>
+              <a:rPr lang="es-ES" sz="3200" baseline="30000" dirty="0"/>
+              <a:t>Herramienta multiplataforma.</a:t>
             </a:r>
           </a:p>
           <a:p>
@@ -4342,7 +4470,7 @@
         <p:spPr>
           <a:xfrm>
             <a:off x="683568" y="915566"/>
-            <a:ext cx="7704856" cy="3559949"/>
+            <a:ext cx="7704856" cy="3354765"/>
           </a:xfrm>
           <a:prstGeom prst="rect">
             <a:avLst/>
@@ -4421,7 +4549,17 @@
               <a:buFont typeface="Arial" panose="020B0604020202020204" pitchFamily="34" charset="0"/>
               <a:buChar char="•"/>
             </a:pPr>
-            <a:endParaRPr lang="es-ES_tradnl" sz="2000" baseline="30000" dirty="0"/>
+            <a:endParaRPr lang="es-ES_tradnl" sz="3200" baseline="30000" dirty="0"/>
+          </a:p>
+          <a:p>
+            <a:pPr marL="342900" indent="-342900">
+              <a:buFont typeface="Arial" panose="020B0604020202020204" pitchFamily="34" charset="0"/>
+              <a:buChar char="•"/>
+            </a:pPr>
+            <a:r>
+              <a:rPr lang="es-ES" sz="3200" baseline="30000" dirty="0"/>
+              <a:t>Es un tipo de lógica temporal enfocada al análisis de señales analógicas o reales.</a:t>
+            </a:r>
           </a:p>
           <a:p>
             <a:pPr marL="342900" indent="-342900">
@@ -4447,17 +4585,7 @@
             </a:pPr>
             <a:r>
               <a:rPr lang="es-ES" sz="3200" baseline="30000" dirty="0"/>
-              <a:t>La lógica temporal, un tipo de lógica modal que expresa propiedades sobre un estado en particular del sistema o una secuencia de estos.</a:t>
-            </a:r>
-          </a:p>
-          <a:p>
-            <a:pPr marL="342900" indent="-342900">
-              <a:buFont typeface="Arial" panose="020B0604020202020204" pitchFamily="34" charset="0"/>
-              <a:buChar char="•"/>
-            </a:pPr>
-            <a:r>
-              <a:rPr lang="es-ES" sz="3200" baseline="30000" dirty="0"/>
-              <a:t>En el trabajo utilizamos STL, un tipo de lógica temporal enfocada al análisis de señales analógicas o reales.</a:t>
+              <a:t>Evalúa un estado en particular del sistema o una secuencia de eventos.</a:t>
             </a:r>
           </a:p>
           <a:p>
@@ -5242,6 +5370,51 @@
       </p:grpSpPr>
       <p:sp>
         <p:nvSpPr>
+          <p:cNvPr id="5" name="4 CuadroTexto"/>
+          <p:cNvSpPr txBox="1"/>
+          <p:nvPr/>
+        </p:nvSpPr>
+        <p:spPr>
+          <a:xfrm>
+            <a:off x="611560" y="1048256"/>
+            <a:ext cx="7920880" cy="3046988"/>
+          </a:xfrm>
+          <a:prstGeom prst="rect">
+            <a:avLst/>
+          </a:prstGeom>
+          <a:noFill/>
+        </p:spPr>
+        <p:txBody>
+          <a:bodyPr wrap="square" rtlCol="0">
+            <a:spAutoFit/>
+          </a:bodyPr>
+          <a:lstStyle/>
+          <a:p>
+            <a:r>
+              <a:rPr lang="es-ES" sz="7200" b="1" kern="0" dirty="0">
+                <a:solidFill>
+                  <a:srgbClr val="FF0000"/>
+                </a:solidFill>
+              </a:rPr>
+              <a:t> Nuevos operadores 		  para STL</a:t>
+            </a:r>
+            <a:endParaRPr lang="es-ES" sz="7200" baseline="30000" dirty="0">
+              <a:solidFill>
+                <a:srgbClr val="FF0000"/>
+              </a:solidFill>
+            </a:endParaRPr>
+          </a:p>
+          <a:p>
+            <a:pPr marL="342900" indent="-342900">
+              <a:buFont typeface="Arial" panose="020B0604020202020204" pitchFamily="34" charset="0"/>
+              <a:buChar char="•"/>
+            </a:pPr>
+            <a:endParaRPr lang="es-ES_tradnl" sz="7200" baseline="30000" dirty="0"/>
+          </a:p>
+        </p:txBody>
+      </p:sp>
+      <p:sp>
+        <p:nvSpPr>
           <p:cNvPr id="6" name="5 CuadroTexto"/>
           <p:cNvSpPr txBox="1"/>
           <p:nvPr/>
@@ -5319,49 +5492,10 @@
           </a:p>
         </p:txBody>
       </p:sp>
-      <p:pic>
-        <p:nvPicPr>
-          <p:cNvPr id="3" name="Imagen 2" descr="Diagrama de Gantt">
-            <a:extLst>
-              <a:ext uri="{FF2B5EF4-FFF2-40B4-BE49-F238E27FC236}">
-                <a16:creationId xmlns:a16="http://schemas.microsoft.com/office/drawing/2014/main" id="{C574E378-760F-4AC4-8EBA-13BC73D0468F}"/>
-              </a:ext>
-              <a:ext uri="{C183D7F6-B498-43B3-948B-1728B52AA6E4}">
-                <adec:decorative xmlns:adec="http://schemas.microsoft.com/office/drawing/2017/decorative" val="0"/>
-              </a:ext>
-            </a:extLst>
-          </p:cNvPr>
-          <p:cNvPicPr>
-            <a:picLocks noChangeAspect="1"/>
-          </p:cNvPicPr>
-          <p:nvPr/>
-        </p:nvPicPr>
-        <p:blipFill>
-          <a:blip r:embed="rId2">
-            <a:extLst>
-              <a:ext uri="{28A0092B-C50C-407E-A947-70E740481C1C}">
-                <a14:useLocalDpi xmlns:a14="http://schemas.microsoft.com/office/drawing/2010/main" val="0"/>
-              </a:ext>
-            </a:extLst>
-          </a:blip>
-          <a:stretch>
-            <a:fillRect/>
-          </a:stretch>
-        </p:blipFill>
-        <p:spPr>
-          <a:xfrm>
-            <a:off x="0" y="882825"/>
-            <a:ext cx="9144000" cy="3377849"/>
-          </a:xfrm>
-          <a:prstGeom prst="rect">
-            <a:avLst/>
-          </a:prstGeom>
-        </p:spPr>
-      </p:pic>
     </p:spTree>
     <p:extLst>
       <p:ext uri="{BB962C8B-B14F-4D97-AF65-F5344CB8AC3E}">
-        <p14:creationId xmlns:p14="http://schemas.microsoft.com/office/powerpoint/2010/main" val="3152787148"/>
+        <p14:creationId xmlns:p14="http://schemas.microsoft.com/office/powerpoint/2010/main" val="595408407"/>
       </p:ext>
     </p:extLst>
   </p:cSld>

--- a/slides/plantilla_usada.pptx
+++ b/slides/plantilla_usada.pptx
@@ -21,8 +21,8 @@
     <p:sldId id="285" r:id="rId9"/>
     <p:sldId id="271" r:id="rId10"/>
     <p:sldId id="268" r:id="rId11"/>
-    <p:sldId id="289" r:id="rId12"/>
-    <p:sldId id="286" r:id="rId13"/>
+    <p:sldId id="292" r:id="rId12"/>
+    <p:sldId id="297" r:id="rId13"/>
     <p:sldId id="290" r:id="rId14"/>
     <p:sldId id="287" r:id="rId15"/>
     <p:sldId id="288" r:id="rId16"/>
@@ -246,7 +246,7 @@
           <a:p>
             <a:fld id="{A85139BE-39D6-4EEC-90F8-B6B26E4D6216}" type="datetimeFigureOut">
               <a:rPr lang="es-ES" smtClean="0"/>
-              <a:t>30/05/2022</a:t>
+              <a:t>02/06/2022</a:t>
             </a:fld>
             <a:endParaRPr lang="es-ES"/>
           </a:p>
@@ -411,7 +411,7 @@
           <a:p>
             <a:fld id="{DB0A5BE9-06C5-483C-B766-6AF9F206FB90}" type="datetimeFigureOut">
               <a:rPr lang="es-ES" smtClean="0"/>
-              <a:t>30/05/2022</a:t>
+              <a:t>02/06/2022</a:t>
             </a:fld>
             <a:endParaRPr lang="es-ES"/>
           </a:p>
@@ -1294,7 +1294,7 @@
         <p:spPr>
           <a:xfrm>
             <a:off x="683568" y="915566"/>
-            <a:ext cx="7704856" cy="2616101"/>
+            <a:ext cx="6456782" cy="3929281"/>
           </a:xfrm>
           <a:prstGeom prst="rect">
             <a:avLst/>
@@ -1319,17 +1319,9 @@
             </a:r>
           </a:p>
           <a:p>
-            <a:pPr marL="342900" indent="-342900">
-              <a:buFont typeface="Arial" panose="020B0604020202020204" pitchFamily="34" charset="0"/>
-              <a:buChar char="•"/>
-            </a:pPr>
             <a:endParaRPr lang="es-ES_tradnl" sz="3200" baseline="30000" dirty="0"/>
           </a:p>
           <a:p>
-            <a:pPr marL="342900" indent="-342900">
-              <a:buFont typeface="Arial" panose="020B0604020202020204" pitchFamily="34" charset="0"/>
-              <a:buChar char="•"/>
-            </a:pPr>
             <a:endParaRPr lang="es-ES_tradnl" sz="3200" baseline="30000" dirty="0"/>
           </a:p>
           <a:p>
@@ -1339,17 +1331,7 @@
             </a:pPr>
             <a:r>
               <a:rPr lang="es-ES" sz="3200" baseline="30000" dirty="0"/>
-              <a:t>La lógica proposicional no tiene la percepción de tiempo.</a:t>
-            </a:r>
-          </a:p>
-          <a:p>
-            <a:pPr marL="342900" indent="-342900">
-              <a:buFont typeface="Arial" panose="020B0604020202020204" pitchFamily="34" charset="0"/>
-              <a:buChar char="•"/>
-            </a:pPr>
-            <a:r>
-              <a:rPr lang="es-ES" sz="3200" baseline="30000" dirty="0"/>
-              <a:t>Hechos que son verdaderos o falsos.</a:t>
+              <a:t>La lógica temporal tiene percepción de tiempo, al contrario que la proposicional.</a:t>
             </a:r>
           </a:p>
           <a:p>
@@ -1359,7 +1341,7 @@
             </a:pPr>
             <a:r>
               <a:rPr lang="es-ES_tradnl" sz="3200" baseline="30000" dirty="0"/>
-              <a:t>El controlador software de un sistema </a:t>
+              <a:t>Un controlador software de un sistema </a:t>
             </a:r>
             <a:r>
               <a:rPr lang="es-ES_tradnl" sz="3200" baseline="30000" dirty="0" err="1"/>
@@ -1367,8 +1349,35 @@
             </a:r>
             <a:r>
               <a:rPr lang="es-ES_tradnl" sz="3200" baseline="30000" dirty="0"/>
-              <a:t> se representa como una máquina de estados</a:t>
-            </a:r>
+              <a:t> se representa como una máquina de estados.</a:t>
+            </a:r>
+          </a:p>
+          <a:p>
+            <a:pPr marL="342900" indent="-342900">
+              <a:buFont typeface="Arial" panose="020B0604020202020204" pitchFamily="34" charset="0"/>
+              <a:buChar char="•"/>
+            </a:pPr>
+            <a:r>
+              <a:rPr lang="es-ES" sz="3200" baseline="30000" dirty="0"/>
+              <a:t>Hechos que son verdaderos o falsos, dependiendo del estado.</a:t>
+            </a:r>
+          </a:p>
+          <a:p>
+            <a:pPr marL="342900" indent="-342900">
+              <a:buFont typeface="Arial" panose="020B0604020202020204" pitchFamily="34" charset="0"/>
+              <a:buChar char="•"/>
+            </a:pPr>
+            <a:r>
+              <a:rPr lang="es-ES" sz="3200" baseline="30000" dirty="0"/>
+              <a:t>En un entorno real, el tiempo es denso.</a:t>
+            </a:r>
+          </a:p>
+          <a:p>
+            <a:pPr marL="342900" indent="-342900">
+              <a:buFont typeface="Arial" panose="020B0604020202020204" pitchFamily="34" charset="0"/>
+              <a:buChar char="•"/>
+            </a:pPr>
+            <a:endParaRPr lang="es-ES_tradnl" sz="3200" baseline="30000" dirty="0"/>
           </a:p>
         </p:txBody>
       </p:sp>
@@ -1451,6 +1460,42 @@
           </a:p>
         </p:txBody>
       </p:sp>
+      <p:pic>
+        <p:nvPicPr>
+          <p:cNvPr id="3" name="Imagen 2" descr="Imagen de la pantalla de un celular con letras&#10;&#10;Descripción generada automáticamente con confianza media">
+            <a:extLst>
+              <a:ext uri="{FF2B5EF4-FFF2-40B4-BE49-F238E27FC236}">
+                <a16:creationId xmlns:a16="http://schemas.microsoft.com/office/drawing/2014/main" id="{3C907599-BF85-4D3C-9FF1-A819F4B92AE8}"/>
+              </a:ext>
+            </a:extLst>
+          </p:cNvPr>
+          <p:cNvPicPr>
+            <a:picLocks noChangeAspect="1"/>
+          </p:cNvPicPr>
+          <p:nvPr/>
+        </p:nvPicPr>
+        <p:blipFill>
+          <a:blip r:embed="rId2" cstate="print">
+            <a:extLst>
+              <a:ext uri="{28A0092B-C50C-407E-A947-70E740481C1C}">
+                <a14:useLocalDpi xmlns:a14="http://schemas.microsoft.com/office/drawing/2010/main" val="0"/>
+              </a:ext>
+            </a:extLst>
+          </a:blip>
+          <a:stretch>
+            <a:fillRect/>
+          </a:stretch>
+        </p:blipFill>
+        <p:spPr>
+          <a:xfrm>
+            <a:off x="6804248" y="2108074"/>
+            <a:ext cx="2143496" cy="1544264"/>
+          </a:xfrm>
+          <a:prstGeom prst="rect">
+            <a:avLst/>
+          </a:prstGeom>
+        </p:spPr>
+      </p:pic>
     </p:spTree>
     <p:extLst>
       <p:ext uri="{BB962C8B-B14F-4D97-AF65-F5344CB8AC3E}">
@@ -1490,7 +1535,7 @@
         <p:spPr>
           <a:xfrm>
             <a:off x="683568" y="915566"/>
-            <a:ext cx="4104456" cy="2944396"/>
+            <a:ext cx="7776864" cy="3600986"/>
           </a:xfrm>
           <a:prstGeom prst="rect">
             <a:avLst/>
@@ -1504,14 +1549,34 @@
           <a:lstStyle/>
           <a:p>
             <a:r>
-              <a:rPr lang="es-ES" sz="3600" b="1" kern="0" dirty="0">
+              <a:rPr lang="es-ES_tradnl" sz="3600" b="1" kern="0" dirty="0" err="1">
                 <a:solidFill>
                   <a:schemeClr val="bg1">
                     <a:lumMod val="50000"/>
                   </a:schemeClr>
                 </a:solidFill>
               </a:rPr>
-              <a:t>Derivada</a:t>
+              <a:t>Signal</a:t>
+            </a:r>
+            <a:r>
+              <a:rPr lang="es-ES_tradnl" sz="3600" b="1" kern="0" dirty="0">
+                <a:solidFill>
+                  <a:schemeClr val="bg1">
+                    <a:lumMod val="50000"/>
+                  </a:schemeClr>
+                </a:solidFill>
+              </a:rPr>
+              <a:t> Temporal </a:t>
+            </a:r>
+            <a:r>
+              <a:rPr lang="es-ES_tradnl" sz="3600" b="1" kern="0" dirty="0" err="1">
+                <a:solidFill>
+                  <a:schemeClr val="bg1">
+                    <a:lumMod val="50000"/>
+                  </a:schemeClr>
+                </a:solidFill>
+              </a:rPr>
+              <a:t>Logic</a:t>
             </a:r>
             <a:endParaRPr lang="es-ES_tradnl" sz="3600" b="1" kern="0" dirty="0">
               <a:solidFill>
@@ -1522,24 +1587,19 @@
             </a:endParaRPr>
           </a:p>
           <a:p>
-            <a:pPr marL="342900" indent="-342900">
-              <a:buFont typeface="Arial" panose="020B0604020202020204" pitchFamily="34" charset="0"/>
-              <a:buChar char="•"/>
-            </a:pPr>
             <a:endParaRPr lang="es-ES_tradnl" sz="3200" baseline="30000" dirty="0"/>
           </a:p>
           <a:p>
-            <a:pPr marL="342900" indent="-342900">
-              <a:buFont typeface="Arial" panose="020B0604020202020204" pitchFamily="34" charset="0"/>
-              <a:buChar char="•"/>
-            </a:pPr>
-            <a:r>
-              <a:rPr lang="en-US" sz="3200" baseline="30000" dirty="0"/>
-              <a:t>E</a:t>
-            </a:r>
+            <a:endParaRPr lang="es-ES_tradnl" sz="3200" baseline="30000" dirty="0"/>
+          </a:p>
+          <a:p>
+            <a:pPr marL="342900" indent="-342900">
+              <a:buFont typeface="Arial" panose="020B0604020202020204" pitchFamily="34" charset="0"/>
+              <a:buChar char="•"/>
+            </a:pPr>
             <a:r>
               <a:rPr lang="es-ES" sz="3200" baseline="30000" dirty="0"/>
-              <a:t>l valor de la pendiente de una recta tangente en un punto cualquiera de una curva.</a:t>
+              <a:t>Un tipo de lógica temporal dedicada a señales analógicas.</a:t>
             </a:r>
           </a:p>
           <a:p>
@@ -1549,9 +1609,39 @@
             </a:pPr>
             <a:r>
               <a:rPr lang="es-ES" sz="3200" baseline="30000" dirty="0"/>
-              <a:t>Vemos la evolución o cambio de algún fenómeno, en nuestro caso las señales.</a:t>
-            </a:r>
-            <a:endParaRPr lang="es-ES_tradnl" sz="2000" baseline="30000" dirty="0"/>
+              <a:t>Permite expresar características sobre la evolución de algún atributo físico.</a:t>
+            </a:r>
+          </a:p>
+          <a:p>
+            <a:pPr marL="342900" indent="-342900">
+              <a:buFont typeface="Arial" panose="020B0604020202020204" pitchFamily="34" charset="0"/>
+              <a:buChar char="•"/>
+            </a:pPr>
+            <a:r>
+              <a:rPr lang="es-ES" sz="3200" baseline="30000" dirty="0"/>
+              <a:t>Las propiedades de la lógica se satisfacen con un estado o un camino.</a:t>
+            </a:r>
+          </a:p>
+          <a:p>
+            <a:pPr marL="342900" indent="-342900">
+              <a:buFont typeface="Arial" panose="020B0604020202020204" pitchFamily="34" charset="0"/>
+              <a:buChar char="•"/>
+            </a:pPr>
+            <a:r>
+              <a:rPr lang="es-ES" sz="3200" baseline="30000" dirty="0" err="1"/>
+              <a:t>STLEval</a:t>
+            </a:r>
+            <a:r>
+              <a:rPr lang="es-ES" sz="3200" baseline="30000" dirty="0"/>
+              <a:t> es un intérprete de STL con extensiones cuantitativas.</a:t>
+            </a:r>
+          </a:p>
+          <a:p>
+            <a:pPr marL="342900" indent="-342900">
+              <a:buFont typeface="Arial" panose="020B0604020202020204" pitchFamily="34" charset="0"/>
+              <a:buChar char="•"/>
+            </a:pPr>
+            <a:endParaRPr lang="es-ES_tradnl" sz="3200" baseline="30000" dirty="0"/>
           </a:p>
         </p:txBody>
       </p:sp>
@@ -1634,40 +1724,10 @@
           </a:p>
         </p:txBody>
       </p:sp>
-      <p:pic>
-        <p:nvPicPr>
-          <p:cNvPr id="3" name="Imagen 2">
-            <a:extLst>
-              <a:ext uri="{FF2B5EF4-FFF2-40B4-BE49-F238E27FC236}">
-                <a16:creationId xmlns:a16="http://schemas.microsoft.com/office/drawing/2014/main" id="{D9279D68-4AE8-A21F-6CAA-5207363F0797}"/>
-              </a:ext>
-            </a:extLst>
-          </p:cNvPr>
-          <p:cNvPicPr>
-            <a:picLocks noChangeAspect="1"/>
-          </p:cNvPicPr>
-          <p:nvPr/>
-        </p:nvPicPr>
-        <p:blipFill>
-          <a:blip r:embed="rId2"/>
-          <a:stretch>
-            <a:fillRect/>
-          </a:stretch>
-        </p:blipFill>
-        <p:spPr>
-          <a:xfrm>
-            <a:off x="5580112" y="1053014"/>
-            <a:ext cx="2968294" cy="3037471"/>
-          </a:xfrm>
-          <a:prstGeom prst="rect">
-            <a:avLst/>
-          </a:prstGeom>
-        </p:spPr>
-      </p:pic>
     </p:spTree>
     <p:extLst>
       <p:ext uri="{BB962C8B-B14F-4D97-AF65-F5344CB8AC3E}">
-        <p14:creationId xmlns:p14="http://schemas.microsoft.com/office/powerpoint/2010/main" val="3266846819"/>
+        <p14:creationId xmlns:p14="http://schemas.microsoft.com/office/powerpoint/2010/main" val="549219081"/>
       </p:ext>
     </p:extLst>
   </p:cSld>
@@ -1703,7 +1763,7 @@
         <p:spPr>
           <a:xfrm>
             <a:off x="683568" y="915566"/>
-            <a:ext cx="3960440" cy="2821285"/>
+            <a:ext cx="7488832" cy="646331"/>
           </a:xfrm>
           <a:prstGeom prst="rect">
             <a:avLst/>
@@ -1724,40 +1784,15 @@
                   </a:schemeClr>
                 </a:solidFill>
               </a:rPr>
-              <a:t>Integral</a:t>
-            </a:r>
-            <a:endParaRPr lang="es-ES_tradnl" sz="3200" baseline="30000" dirty="0"/>
-          </a:p>
-          <a:p>
-            <a:pPr marL="342900" indent="-342900">
-              <a:buFont typeface="Arial" panose="020B0604020202020204" pitchFamily="34" charset="0"/>
-              <a:buChar char="•"/>
-            </a:pPr>
-            <a:endParaRPr lang="es-ES_tradnl" sz="3200" baseline="30000" dirty="0"/>
-          </a:p>
-          <a:p>
-            <a:pPr marL="342900" indent="-342900">
-              <a:buFont typeface="Arial" panose="020B0604020202020204" pitchFamily="34" charset="0"/>
-              <a:buChar char="•"/>
-            </a:pPr>
-            <a:r>
-              <a:rPr lang="es-ES" sz="3200" baseline="30000" dirty="0"/>
-              <a:t>Cálculo del área debajo de la curva que se realiza mediante la suma de infinitos sumandos extremadamente pequeños.</a:t>
-            </a:r>
-          </a:p>
-          <a:p>
-            <a:pPr marL="342900" indent="-342900">
-              <a:buFont typeface="Arial" panose="020B0604020202020204" pitchFamily="34" charset="0"/>
-              <a:buChar char="•"/>
-            </a:pPr>
-            <a:endParaRPr lang="es-ES" sz="3200" baseline="30000" dirty="0"/>
-          </a:p>
-          <a:p>
-            <a:pPr marL="342900" indent="-342900">
-              <a:buFont typeface="Arial" panose="020B0604020202020204" pitchFamily="34" charset="0"/>
-              <a:buChar char="•"/>
-            </a:pPr>
-            <a:endParaRPr lang="es-ES_tradnl" sz="2000" baseline="30000" dirty="0"/>
+              <a:t>Definición de los nuevos operadores</a:t>
+            </a:r>
+            <a:endParaRPr lang="es-ES_tradnl" sz="3600" b="1" kern="0" dirty="0">
+              <a:solidFill>
+                <a:schemeClr val="bg1">
+                  <a:lumMod val="50000"/>
+                </a:schemeClr>
+              </a:solidFill>
+            </a:endParaRPr>
           </a:p>
         </p:txBody>
       </p:sp>
@@ -1842,10 +1877,10 @@
       </p:sp>
       <p:pic>
         <p:nvPicPr>
-          <p:cNvPr id="3" name="Imagen 2">
+          <p:cNvPr id="3" name="Imagen 2" descr="Gráfico&#10;&#10;Descripción generada automáticamente">
             <a:extLst>
               <a:ext uri="{FF2B5EF4-FFF2-40B4-BE49-F238E27FC236}">
-                <a16:creationId xmlns:a16="http://schemas.microsoft.com/office/drawing/2014/main" id="{96894397-1318-DE52-3EB3-7115BCE86468}"/>
+                <a16:creationId xmlns:a16="http://schemas.microsoft.com/office/drawing/2014/main" id="{A5F01666-C005-41DF-AC62-D2444E0C8101}"/>
               </a:ext>
             </a:extLst>
           </p:cNvPr>
@@ -1855,15 +1890,57 @@
           <p:nvPr/>
         </p:nvPicPr>
         <p:blipFill>
-          <a:blip r:embed="rId2"/>
+          <a:blip r:embed="rId2" cstate="print">
+            <a:extLst>
+              <a:ext uri="{28A0092B-C50C-407E-A947-70E740481C1C}">
+                <a14:useLocalDpi xmlns:a14="http://schemas.microsoft.com/office/drawing/2010/main" val="0"/>
+              </a:ext>
+            </a:extLst>
+          </a:blip>
           <a:stretch>
             <a:fillRect/>
           </a:stretch>
         </p:blipFill>
         <p:spPr>
           <a:xfrm>
-            <a:off x="5681840" y="1203598"/>
-            <a:ext cx="2917020" cy="3167437"/>
+            <a:off x="402490" y="1926229"/>
+            <a:ext cx="3791247" cy="2621430"/>
+          </a:xfrm>
+          <a:prstGeom prst="rect">
+            <a:avLst/>
+          </a:prstGeom>
+        </p:spPr>
+      </p:pic>
+      <p:pic>
+        <p:nvPicPr>
+          <p:cNvPr id="8" name="Imagen 7" descr="Gráfico, Histograma&#10;&#10;Descripción generada automáticamente">
+            <a:extLst>
+              <a:ext uri="{FF2B5EF4-FFF2-40B4-BE49-F238E27FC236}">
+                <a16:creationId xmlns:a16="http://schemas.microsoft.com/office/drawing/2014/main" id="{0F138A34-C165-4E69-9661-AFA07F61AC55}"/>
+              </a:ext>
+            </a:extLst>
+          </p:cNvPr>
+          <p:cNvPicPr>
+            <a:picLocks noChangeAspect="1"/>
+          </p:cNvPicPr>
+          <p:nvPr/>
+        </p:nvPicPr>
+        <p:blipFill>
+          <a:blip r:embed="rId3" cstate="print">
+            <a:extLst>
+              <a:ext uri="{28A0092B-C50C-407E-A947-70E740481C1C}">
+                <a14:useLocalDpi xmlns:a14="http://schemas.microsoft.com/office/drawing/2010/main" val="0"/>
+              </a:ext>
+            </a:extLst>
+          </a:blip>
+          <a:stretch>
+            <a:fillRect/>
+          </a:stretch>
+        </p:blipFill>
+        <p:spPr>
+          <a:xfrm>
+            <a:off x="4950265" y="1830998"/>
+            <a:ext cx="3928973" cy="2716660"/>
           </a:xfrm>
           <a:prstGeom prst="rect">
             <a:avLst/>
@@ -1873,7 +1950,7 @@
     </p:spTree>
     <p:extLst>
       <p:ext uri="{BB962C8B-B14F-4D97-AF65-F5344CB8AC3E}">
-        <p14:creationId xmlns:p14="http://schemas.microsoft.com/office/powerpoint/2010/main" val="3350102094"/>
+        <p14:creationId xmlns:p14="http://schemas.microsoft.com/office/powerpoint/2010/main" val="727705871"/>
       </p:ext>
     </p:extLst>
   </p:cSld>

--- a/slides/plantilla_usada.pptx
+++ b/slides/plantilla_usada.pptx
@@ -5,10 +5,10 @@
     <p:sldMasterId id="2147483648" r:id="rId1"/>
   </p:sldMasterIdLst>
   <p:notesMasterIdLst>
-    <p:notesMasterId r:id="rId24"/>
+    <p:notesMasterId r:id="rId26"/>
   </p:notesMasterIdLst>
   <p:handoutMasterIdLst>
-    <p:handoutMasterId r:id="rId25"/>
+    <p:handoutMasterId r:id="rId27"/>
   </p:handoutMasterIdLst>
   <p:sldIdLst>
     <p:sldId id="256" r:id="rId2"/>
@@ -21,18 +21,20 @@
     <p:sldId id="285" r:id="rId9"/>
     <p:sldId id="271" r:id="rId10"/>
     <p:sldId id="268" r:id="rId11"/>
-    <p:sldId id="292" r:id="rId12"/>
-    <p:sldId id="297" r:id="rId13"/>
-    <p:sldId id="290" r:id="rId14"/>
-    <p:sldId id="287" r:id="rId15"/>
-    <p:sldId id="288" r:id="rId16"/>
-    <p:sldId id="276" r:id="rId17"/>
-    <p:sldId id="279" r:id="rId18"/>
-    <p:sldId id="282" r:id="rId19"/>
-    <p:sldId id="283" r:id="rId20"/>
-    <p:sldId id="278" r:id="rId21"/>
-    <p:sldId id="280" r:id="rId22"/>
-    <p:sldId id="281" r:id="rId23"/>
+    <p:sldId id="298" r:id="rId12"/>
+    <p:sldId id="292" r:id="rId13"/>
+    <p:sldId id="297" r:id="rId14"/>
+    <p:sldId id="290" r:id="rId15"/>
+    <p:sldId id="287" r:id="rId16"/>
+    <p:sldId id="288" r:id="rId17"/>
+    <p:sldId id="276" r:id="rId18"/>
+    <p:sldId id="279" r:id="rId19"/>
+    <p:sldId id="282" r:id="rId20"/>
+    <p:sldId id="283" r:id="rId21"/>
+    <p:sldId id="278" r:id="rId22"/>
+    <p:sldId id="280" r:id="rId23"/>
+    <p:sldId id="281" r:id="rId24"/>
+    <p:sldId id="299" r:id="rId25"/>
   </p:sldIdLst>
   <p:sldSz cx="9144000" cy="5143500" type="screen16x9"/>
   <p:notesSz cx="6858000" cy="9144000"/>
@@ -246,7 +248,7 @@
           <a:p>
             <a:fld id="{A85139BE-39D6-4EEC-90F8-B6B26E4D6216}" type="datetimeFigureOut">
               <a:rPr lang="es-ES" smtClean="0"/>
-              <a:t>02/06/2022</a:t>
+              <a:t>06/06/2022</a:t>
             </a:fld>
             <a:endParaRPr lang="es-ES"/>
           </a:p>
@@ -411,7 +413,7 @@
           <a:p>
             <a:fld id="{DB0A5BE9-06C5-483C-B766-6AF9F206FB90}" type="datetimeFigureOut">
               <a:rPr lang="es-ES" smtClean="0"/>
-              <a:t>02/06/2022</a:t>
+              <a:t>06/06/2022</a:t>
             </a:fld>
             <a:endParaRPr lang="es-ES"/>
           </a:p>
@@ -1260,6 +1262,109 @@
           </a:p>
         </p:txBody>
       </p:sp>
+      <p:sp>
+        <p:nvSpPr>
+          <p:cNvPr id="4" name="4 CuadroTexto">
+            <a:extLst>
+              <a:ext uri="{FF2B5EF4-FFF2-40B4-BE49-F238E27FC236}">
+                <a16:creationId xmlns:a16="http://schemas.microsoft.com/office/drawing/2014/main" id="{A8AFE643-DBC6-42F8-9E22-F8A7D1A7139A}"/>
+              </a:ext>
+            </a:extLst>
+          </p:cNvPr>
+          <p:cNvSpPr txBox="1"/>
+          <p:nvPr/>
+        </p:nvSpPr>
+        <p:spPr>
+          <a:xfrm>
+            <a:off x="179512" y="3737987"/>
+            <a:ext cx="7704856" cy="1405513"/>
+          </a:xfrm>
+          <a:prstGeom prst="rect">
+            <a:avLst/>
+          </a:prstGeom>
+          <a:noFill/>
+        </p:spPr>
+        <p:txBody>
+          <a:bodyPr wrap="square" rtlCol="0">
+            <a:spAutoFit/>
+          </a:bodyPr>
+          <a:lstStyle/>
+          <a:p>
+            <a:r>
+              <a:rPr lang="es-ES" sz="3200" b="1" baseline="30000" dirty="0"/>
+              <a:t>Autores:</a:t>
+            </a:r>
+          </a:p>
+          <a:p>
+            <a:r>
+              <a:rPr lang="es-ES" sz="3200" b="1" baseline="30000" dirty="0"/>
+              <a:t>Javier Romero Flores (GIC)</a:t>
+            </a:r>
+          </a:p>
+          <a:p>
+            <a:r>
+              <a:rPr lang="es-ES" sz="3200" b="1" baseline="30000" dirty="0" err="1"/>
+              <a:t>Dmytro</a:t>
+            </a:r>
+            <a:r>
+              <a:rPr lang="es-ES" sz="3200" b="1" baseline="30000" dirty="0"/>
+              <a:t> Vernyuk (GII)</a:t>
+            </a:r>
+          </a:p>
+          <a:p>
+            <a:endParaRPr lang="es-ES" sz="3200" baseline="30000" dirty="0"/>
+          </a:p>
+        </p:txBody>
+      </p:sp>
+      <p:sp>
+        <p:nvSpPr>
+          <p:cNvPr id="5" name="4 CuadroTexto">
+            <a:extLst>
+              <a:ext uri="{FF2B5EF4-FFF2-40B4-BE49-F238E27FC236}">
+                <a16:creationId xmlns:a16="http://schemas.microsoft.com/office/drawing/2014/main" id="{C51E04DB-F3E4-4CD6-9A68-F39733111171}"/>
+              </a:ext>
+            </a:extLst>
+          </p:cNvPr>
+          <p:cNvSpPr txBox="1"/>
+          <p:nvPr/>
+        </p:nvSpPr>
+        <p:spPr>
+          <a:xfrm>
+            <a:off x="3707904" y="3737987"/>
+            <a:ext cx="7704856" cy="1077218"/>
+          </a:xfrm>
+          <a:prstGeom prst="rect">
+            <a:avLst/>
+          </a:prstGeom>
+          <a:noFill/>
+        </p:spPr>
+        <p:txBody>
+          <a:bodyPr wrap="square" rtlCol="0">
+            <a:spAutoFit/>
+          </a:bodyPr>
+          <a:lstStyle/>
+          <a:p>
+            <a:r>
+              <a:rPr lang="es-ES" sz="3200" b="1" baseline="30000" dirty="0"/>
+              <a:t>Director:</a:t>
+            </a:r>
+          </a:p>
+          <a:p>
+            <a:r>
+              <a:rPr lang="es-ES" sz="3200" b="1" baseline="30000" dirty="0"/>
+              <a:t>José Ignacio </a:t>
+            </a:r>
+            <a:r>
+              <a:rPr lang="es-ES" sz="3200" b="1" baseline="30000" dirty="0" err="1"/>
+              <a:t>Requeno</a:t>
+            </a:r>
+            <a:endParaRPr lang="es-ES" sz="3200" b="1" baseline="30000" dirty="0"/>
+          </a:p>
+          <a:p>
+            <a:endParaRPr lang="es-ES" sz="3200" baseline="30000" dirty="0"/>
+          </a:p>
+        </p:txBody>
+      </p:sp>
     </p:spTree>
   </p:cSld>
   <p:clrMapOvr>
@@ -1294,7 +1399,7 @@
         <p:spPr>
           <a:xfrm>
             <a:off x="683568" y="915566"/>
-            <a:ext cx="6456782" cy="3929281"/>
+            <a:ext cx="6456782" cy="3272691"/>
           </a:xfrm>
           <a:prstGeom prst="rect">
             <a:avLst/>
@@ -1349,17 +1454,7 @@
             </a:r>
             <a:r>
               <a:rPr lang="es-ES_tradnl" sz="3200" baseline="30000" dirty="0"/>
-              <a:t> se representa como una máquina de estados.</a:t>
-            </a:r>
-          </a:p>
-          <a:p>
-            <a:pPr marL="342900" indent="-342900">
-              <a:buFont typeface="Arial" panose="020B0604020202020204" pitchFamily="34" charset="0"/>
-              <a:buChar char="•"/>
-            </a:pPr>
-            <a:r>
-              <a:rPr lang="es-ES" sz="3200" baseline="30000" dirty="0"/>
-              <a:t>Hechos que son verdaderos o falsos, dependiendo del estado.</a:t>
+              <a:t> se pueden representar como una máquina de estados.</a:t>
             </a:r>
           </a:p>
           <a:p>
@@ -1535,7 +1630,7 @@
         <p:spPr>
           <a:xfrm>
             <a:off x="683568" y="915566"/>
-            <a:ext cx="7776864" cy="3600986"/>
+            <a:ext cx="6456782" cy="1631216"/>
           </a:xfrm>
           <a:prstGeom prst="rect">
             <a:avLst/>
@@ -1549,91 +1644,23 @@
           <a:lstStyle/>
           <a:p>
             <a:r>
-              <a:rPr lang="es-ES_tradnl" sz="3600" b="1" kern="0" dirty="0" err="1">
+              <a:rPr lang="es-ES_tradnl" sz="3600" b="1" kern="0" dirty="0">
                 <a:solidFill>
                   <a:schemeClr val="bg1">
                     <a:lumMod val="50000"/>
                   </a:schemeClr>
                 </a:solidFill>
               </a:rPr>
-              <a:t>Signal</a:t>
-            </a:r>
-            <a:r>
-              <a:rPr lang="es-ES_tradnl" sz="3600" b="1" kern="0" dirty="0">
-                <a:solidFill>
-                  <a:schemeClr val="bg1">
-                    <a:lumMod val="50000"/>
-                  </a:schemeClr>
-                </a:solidFill>
-              </a:rPr>
-              <a:t> Temporal </a:t>
-            </a:r>
-            <a:r>
-              <a:rPr lang="es-ES_tradnl" sz="3600" b="1" kern="0" dirty="0" err="1">
-                <a:solidFill>
-                  <a:schemeClr val="bg1">
-                    <a:lumMod val="50000"/>
-                  </a:schemeClr>
-                </a:solidFill>
-              </a:rPr>
-              <a:t>Logic</a:t>
-            </a:r>
-            <a:endParaRPr lang="es-ES_tradnl" sz="3600" b="1" kern="0" dirty="0">
-              <a:solidFill>
-                <a:schemeClr val="bg1">
-                  <a:lumMod val="50000"/>
-                </a:schemeClr>
-              </a:solidFill>
-            </a:endParaRPr>
+              <a:t>Lógica Temporal</a:t>
+            </a:r>
           </a:p>
           <a:p>
             <a:endParaRPr lang="es-ES_tradnl" sz="3200" baseline="30000" dirty="0"/>
           </a:p>
           <a:p>
-            <a:endParaRPr lang="es-ES_tradnl" sz="3200" baseline="30000" dirty="0"/>
-          </a:p>
-          <a:p>
-            <a:pPr marL="342900" indent="-342900">
-              <a:buFont typeface="Arial" panose="020B0604020202020204" pitchFamily="34" charset="0"/>
-              <a:buChar char="•"/>
-            </a:pPr>
-            <a:r>
-              <a:rPr lang="es-ES" sz="3200" baseline="30000" dirty="0"/>
-              <a:t>Un tipo de lógica temporal dedicada a señales analógicas.</a:t>
-            </a:r>
-          </a:p>
-          <a:p>
-            <a:pPr marL="342900" indent="-342900">
-              <a:buFont typeface="Arial" panose="020B0604020202020204" pitchFamily="34" charset="0"/>
-              <a:buChar char="•"/>
-            </a:pPr>
-            <a:r>
-              <a:rPr lang="es-ES" sz="3200" baseline="30000" dirty="0"/>
-              <a:t>Permite expresar características sobre la evolución de algún atributo físico.</a:t>
-            </a:r>
-          </a:p>
-          <a:p>
-            <a:pPr marL="342900" indent="-342900">
-              <a:buFont typeface="Arial" panose="020B0604020202020204" pitchFamily="34" charset="0"/>
-              <a:buChar char="•"/>
-            </a:pPr>
-            <a:r>
-              <a:rPr lang="es-ES" sz="3200" baseline="30000" dirty="0"/>
-              <a:t>Las propiedades de la lógica se satisfacen con un estado o un camino.</a:t>
-            </a:r>
-          </a:p>
-          <a:p>
-            <a:pPr marL="342900" indent="-342900">
-              <a:buFont typeface="Arial" panose="020B0604020202020204" pitchFamily="34" charset="0"/>
-              <a:buChar char="•"/>
-            </a:pPr>
-            <a:r>
-              <a:rPr lang="es-ES" sz="3200" baseline="30000" dirty="0" err="1"/>
-              <a:t>STLEval</a:t>
-            </a:r>
-            <a:r>
-              <a:rPr lang="es-ES" sz="3200" baseline="30000" dirty="0"/>
-              <a:t> es un intérprete de STL con extensiones cuantitativas.</a:t>
+            <a:r>
+              <a:rPr lang="es-ES_tradnl" sz="3200" baseline="30000" dirty="0"/>
+              <a:t>Traza de ejecución densa.</a:t>
             </a:r>
           </a:p>
           <a:p>
@@ -1724,10 +1751,46 @@
           </a:p>
         </p:txBody>
       </p:sp>
+      <p:pic>
+        <p:nvPicPr>
+          <p:cNvPr id="4" name="Imagen 3" descr="Interfaz de usuario gráfica&#10;&#10;Descripción generada automáticamente con confianza media">
+            <a:extLst>
+              <a:ext uri="{FF2B5EF4-FFF2-40B4-BE49-F238E27FC236}">
+                <a16:creationId xmlns:a16="http://schemas.microsoft.com/office/drawing/2014/main" id="{538B0D56-08E6-4A5B-9D68-FF3E0CA17D4C}"/>
+              </a:ext>
+            </a:extLst>
+          </p:cNvPr>
+          <p:cNvPicPr>
+            <a:picLocks noChangeAspect="1"/>
+          </p:cNvPicPr>
+          <p:nvPr/>
+        </p:nvPicPr>
+        <p:blipFill>
+          <a:blip r:embed="rId2" cstate="print">
+            <a:extLst>
+              <a:ext uri="{28A0092B-C50C-407E-A947-70E740481C1C}">
+                <a14:useLocalDpi xmlns:a14="http://schemas.microsoft.com/office/drawing/2010/main" val="0"/>
+              </a:ext>
+            </a:extLst>
+          </a:blip>
+          <a:stretch>
+            <a:fillRect/>
+          </a:stretch>
+        </p:blipFill>
+        <p:spPr>
+          <a:xfrm>
+            <a:off x="467544" y="2427734"/>
+            <a:ext cx="8208912" cy="1996995"/>
+          </a:xfrm>
+          <a:prstGeom prst="rect">
+            <a:avLst/>
+          </a:prstGeom>
+        </p:spPr>
+      </p:pic>
     </p:spTree>
     <p:extLst>
       <p:ext uri="{BB962C8B-B14F-4D97-AF65-F5344CB8AC3E}">
-        <p14:creationId xmlns:p14="http://schemas.microsoft.com/office/powerpoint/2010/main" val="549219081"/>
+        <p14:creationId xmlns:p14="http://schemas.microsoft.com/office/powerpoint/2010/main" val="1118365570"/>
       </p:ext>
     </p:extLst>
   </p:cSld>
@@ -1763,7 +1826,7 @@
         <p:spPr>
           <a:xfrm>
             <a:off x="683568" y="915566"/>
-            <a:ext cx="7488832" cy="646331"/>
+            <a:ext cx="7776864" cy="3600986"/>
           </a:xfrm>
           <a:prstGeom prst="rect">
             <a:avLst/>
@@ -1777,14 +1840,34 @@
           <a:lstStyle/>
           <a:p>
             <a:r>
-              <a:rPr lang="es-ES" sz="3600" b="1" kern="0" dirty="0">
+              <a:rPr lang="es-ES_tradnl" sz="3600" b="1" kern="0" dirty="0" err="1">
                 <a:solidFill>
                   <a:schemeClr val="bg1">
                     <a:lumMod val="50000"/>
                   </a:schemeClr>
                 </a:solidFill>
               </a:rPr>
-              <a:t>Definición de los nuevos operadores</a:t>
+              <a:t>Signal</a:t>
+            </a:r>
+            <a:r>
+              <a:rPr lang="es-ES_tradnl" sz="3600" b="1" kern="0" dirty="0">
+                <a:solidFill>
+                  <a:schemeClr val="bg1">
+                    <a:lumMod val="50000"/>
+                  </a:schemeClr>
+                </a:solidFill>
+              </a:rPr>
+              <a:t> Temporal </a:t>
+            </a:r>
+            <a:r>
+              <a:rPr lang="es-ES_tradnl" sz="3600" b="1" kern="0" dirty="0" err="1">
+                <a:solidFill>
+                  <a:schemeClr val="bg1">
+                    <a:lumMod val="50000"/>
+                  </a:schemeClr>
+                </a:solidFill>
+              </a:rPr>
+              <a:t>Logic</a:t>
             </a:r>
             <a:endParaRPr lang="es-ES_tradnl" sz="3600" b="1" kern="0" dirty="0">
               <a:solidFill>
@@ -1794,6 +1877,63 @@
               </a:solidFill>
             </a:endParaRPr>
           </a:p>
+          <a:p>
+            <a:endParaRPr lang="es-ES_tradnl" sz="3200" baseline="30000" dirty="0"/>
+          </a:p>
+          <a:p>
+            <a:endParaRPr lang="es-ES_tradnl" sz="3200" baseline="30000" dirty="0"/>
+          </a:p>
+          <a:p>
+            <a:pPr marL="342900" indent="-342900">
+              <a:buFont typeface="Arial" panose="020B0604020202020204" pitchFamily="34" charset="0"/>
+              <a:buChar char="•"/>
+            </a:pPr>
+            <a:r>
+              <a:rPr lang="es-ES" sz="3200" baseline="30000" dirty="0"/>
+              <a:t>Un tipo de lógica temporal dedicada a señales analógicas.</a:t>
+            </a:r>
+          </a:p>
+          <a:p>
+            <a:pPr marL="342900" indent="-342900">
+              <a:buFont typeface="Arial" panose="020B0604020202020204" pitchFamily="34" charset="0"/>
+              <a:buChar char="•"/>
+            </a:pPr>
+            <a:r>
+              <a:rPr lang="es-ES" sz="3200" baseline="30000" dirty="0"/>
+              <a:t>Permite expresar características sobre la evolución de algún atributo físico.</a:t>
+            </a:r>
+          </a:p>
+          <a:p>
+            <a:pPr marL="342900" indent="-342900">
+              <a:buFont typeface="Arial" panose="020B0604020202020204" pitchFamily="34" charset="0"/>
+              <a:buChar char="•"/>
+            </a:pPr>
+            <a:r>
+              <a:rPr lang="es-ES" sz="3200" baseline="30000" dirty="0"/>
+              <a:t>Las propiedades de la lógica se satisfacen con un estado o un camino.</a:t>
+            </a:r>
+          </a:p>
+          <a:p>
+            <a:pPr marL="342900" indent="-342900">
+              <a:buFont typeface="Arial" panose="020B0604020202020204" pitchFamily="34" charset="0"/>
+              <a:buChar char="•"/>
+            </a:pPr>
+            <a:r>
+              <a:rPr lang="es-ES" sz="3200" baseline="30000" dirty="0" err="1"/>
+              <a:t>STLEval</a:t>
+            </a:r>
+            <a:r>
+              <a:rPr lang="es-ES" sz="3200" baseline="30000" dirty="0"/>
+              <a:t> es un intérprete de STL con extensiones cuantitativas.</a:t>
+            </a:r>
+          </a:p>
+          <a:p>
+            <a:pPr marL="342900" indent="-342900">
+              <a:buFont typeface="Arial" panose="020B0604020202020204" pitchFamily="34" charset="0"/>
+              <a:buChar char="•"/>
+            </a:pPr>
+            <a:endParaRPr lang="es-ES_tradnl" sz="3200" baseline="30000" dirty="0"/>
+          </a:p>
         </p:txBody>
       </p:sp>
       <p:sp>
@@ -1875,82 +2015,10 @@
           </a:p>
         </p:txBody>
       </p:sp>
-      <p:pic>
-        <p:nvPicPr>
-          <p:cNvPr id="3" name="Imagen 2" descr="Gráfico&#10;&#10;Descripción generada automáticamente">
-            <a:extLst>
-              <a:ext uri="{FF2B5EF4-FFF2-40B4-BE49-F238E27FC236}">
-                <a16:creationId xmlns:a16="http://schemas.microsoft.com/office/drawing/2014/main" id="{A5F01666-C005-41DF-AC62-D2444E0C8101}"/>
-              </a:ext>
-            </a:extLst>
-          </p:cNvPr>
-          <p:cNvPicPr>
-            <a:picLocks noChangeAspect="1"/>
-          </p:cNvPicPr>
-          <p:nvPr/>
-        </p:nvPicPr>
-        <p:blipFill>
-          <a:blip r:embed="rId2" cstate="print">
-            <a:extLst>
-              <a:ext uri="{28A0092B-C50C-407E-A947-70E740481C1C}">
-                <a14:useLocalDpi xmlns:a14="http://schemas.microsoft.com/office/drawing/2010/main" val="0"/>
-              </a:ext>
-            </a:extLst>
-          </a:blip>
-          <a:stretch>
-            <a:fillRect/>
-          </a:stretch>
-        </p:blipFill>
-        <p:spPr>
-          <a:xfrm>
-            <a:off x="402490" y="1926229"/>
-            <a:ext cx="3791247" cy="2621430"/>
-          </a:xfrm>
-          <a:prstGeom prst="rect">
-            <a:avLst/>
-          </a:prstGeom>
-        </p:spPr>
-      </p:pic>
-      <p:pic>
-        <p:nvPicPr>
-          <p:cNvPr id="8" name="Imagen 7" descr="Gráfico, Histograma&#10;&#10;Descripción generada automáticamente">
-            <a:extLst>
-              <a:ext uri="{FF2B5EF4-FFF2-40B4-BE49-F238E27FC236}">
-                <a16:creationId xmlns:a16="http://schemas.microsoft.com/office/drawing/2014/main" id="{0F138A34-C165-4E69-9661-AFA07F61AC55}"/>
-              </a:ext>
-            </a:extLst>
-          </p:cNvPr>
-          <p:cNvPicPr>
-            <a:picLocks noChangeAspect="1"/>
-          </p:cNvPicPr>
-          <p:nvPr/>
-        </p:nvPicPr>
-        <p:blipFill>
-          <a:blip r:embed="rId3" cstate="print">
-            <a:extLst>
-              <a:ext uri="{28A0092B-C50C-407E-A947-70E740481C1C}">
-                <a14:useLocalDpi xmlns:a14="http://schemas.microsoft.com/office/drawing/2010/main" val="0"/>
-              </a:ext>
-            </a:extLst>
-          </a:blip>
-          <a:stretch>
-            <a:fillRect/>
-          </a:stretch>
-        </p:blipFill>
-        <p:spPr>
-          <a:xfrm>
-            <a:off x="4950265" y="1830998"/>
-            <a:ext cx="3928973" cy="2716660"/>
-          </a:xfrm>
-          <a:prstGeom prst="rect">
-            <a:avLst/>
-          </a:prstGeom>
-        </p:spPr>
-      </p:pic>
     </p:spTree>
     <p:extLst>
       <p:ext uri="{BB962C8B-B14F-4D97-AF65-F5344CB8AC3E}">
-        <p14:creationId xmlns:p14="http://schemas.microsoft.com/office/powerpoint/2010/main" val="727705871"/>
+        <p14:creationId xmlns:p14="http://schemas.microsoft.com/office/powerpoint/2010/main" val="549219081"/>
       </p:ext>
     </p:extLst>
   </p:cSld>
@@ -1985,8 +2053,8 @@
         </p:nvSpPr>
         <p:spPr>
           <a:xfrm>
-            <a:off x="611560" y="1048256"/>
-            <a:ext cx="7920880" cy="3046988"/>
+            <a:off x="683568" y="915566"/>
+            <a:ext cx="7488832" cy="646331"/>
           </a:xfrm>
           <a:prstGeom prst="rect">
             <a:avLst/>
@@ -1999,36 +2067,24 @@
           </a:bodyPr>
           <a:lstStyle/>
           <a:p>
-            <a:pPr algn="ctr"/>
-            <a:r>
-              <a:rPr lang="es-ES" sz="7200" b="1" kern="0" dirty="0">
-                <a:solidFill>
-                  <a:srgbClr val="FF0000"/>
-                </a:solidFill>
-              </a:rPr>
-              <a:t> Integración con </a:t>
-            </a:r>
-            <a:r>
-              <a:rPr lang="es-ES" sz="7200" b="1" kern="0" dirty="0" err="1">
-                <a:solidFill>
-                  <a:srgbClr val="FF0000"/>
-                </a:solidFill>
-              </a:rPr>
-              <a:t>ParetoLib</a:t>
-            </a:r>
-            <a:endParaRPr lang="es-ES" sz="7200" baseline="30000" dirty="0">
+            <a:r>
+              <a:rPr lang="es-ES" sz="3600" b="1" kern="0" dirty="0">
+                <a:solidFill>
+                  <a:schemeClr val="bg1">
+                    <a:lumMod val="50000"/>
+                  </a:schemeClr>
+                </a:solidFill>
+              </a:rPr>
+              <a:t>Definición de los nuevos operadores</a:t>
+            </a:r>
+            <a:endParaRPr lang="es-ES_tradnl" sz="3600" b="1" kern="0" dirty="0">
               <a:solidFill>
-                <a:srgbClr val="FF0000"/>
+                <a:schemeClr val="bg1">
+                  <a:lumMod val="50000"/>
+                </a:schemeClr>
               </a:solidFill>
             </a:endParaRPr>
           </a:p>
-          <a:p>
-            <a:pPr marL="342900" indent="-342900">
-              <a:buFont typeface="Arial" panose="020B0604020202020204" pitchFamily="34" charset="0"/>
-              <a:buChar char="•"/>
-            </a:pPr>
-            <a:endParaRPr lang="es-ES_tradnl" sz="7200" baseline="30000" dirty="0"/>
-          </a:p>
         </p:txBody>
       </p:sp>
       <p:sp>
@@ -2110,10 +2166,82 @@
           </a:p>
         </p:txBody>
       </p:sp>
+      <p:pic>
+        <p:nvPicPr>
+          <p:cNvPr id="3" name="Imagen 2" descr="Gráfico&#10;&#10;Descripción generada automáticamente">
+            <a:extLst>
+              <a:ext uri="{FF2B5EF4-FFF2-40B4-BE49-F238E27FC236}">
+                <a16:creationId xmlns:a16="http://schemas.microsoft.com/office/drawing/2014/main" id="{A5F01666-C005-41DF-AC62-D2444E0C8101}"/>
+              </a:ext>
+            </a:extLst>
+          </p:cNvPr>
+          <p:cNvPicPr>
+            <a:picLocks noChangeAspect="1"/>
+          </p:cNvPicPr>
+          <p:nvPr/>
+        </p:nvPicPr>
+        <p:blipFill>
+          <a:blip r:embed="rId2" cstate="print">
+            <a:extLst>
+              <a:ext uri="{28A0092B-C50C-407E-A947-70E740481C1C}">
+                <a14:useLocalDpi xmlns:a14="http://schemas.microsoft.com/office/drawing/2010/main" val="0"/>
+              </a:ext>
+            </a:extLst>
+          </a:blip>
+          <a:stretch>
+            <a:fillRect/>
+          </a:stretch>
+        </p:blipFill>
+        <p:spPr>
+          <a:xfrm>
+            <a:off x="402490" y="1926229"/>
+            <a:ext cx="3791247" cy="2621430"/>
+          </a:xfrm>
+          <a:prstGeom prst="rect">
+            <a:avLst/>
+          </a:prstGeom>
+        </p:spPr>
+      </p:pic>
+      <p:pic>
+        <p:nvPicPr>
+          <p:cNvPr id="4" name="Imagen 3" descr="Logotipo&#10;&#10;Descripción generada automáticamente">
+            <a:extLst>
+              <a:ext uri="{FF2B5EF4-FFF2-40B4-BE49-F238E27FC236}">
+                <a16:creationId xmlns:a16="http://schemas.microsoft.com/office/drawing/2014/main" id="{6BF75FE9-D4D7-42C2-9A6F-FBD0542FDBC8}"/>
+              </a:ext>
+            </a:extLst>
+          </p:cNvPr>
+          <p:cNvPicPr>
+            <a:picLocks noChangeAspect="1"/>
+          </p:cNvPicPr>
+          <p:nvPr/>
+        </p:nvPicPr>
+        <p:blipFill>
+          <a:blip r:embed="rId3" cstate="print">
+            <a:extLst>
+              <a:ext uri="{28A0092B-C50C-407E-A947-70E740481C1C}">
+                <a14:useLocalDpi xmlns:a14="http://schemas.microsoft.com/office/drawing/2010/main" val="0"/>
+              </a:ext>
+            </a:extLst>
+          </a:blip>
+          <a:stretch>
+            <a:fillRect/>
+          </a:stretch>
+        </p:blipFill>
+        <p:spPr>
+          <a:xfrm>
+            <a:off x="5292081" y="1561897"/>
+            <a:ext cx="3449430" cy="3007095"/>
+          </a:xfrm>
+          <a:prstGeom prst="rect">
+            <a:avLst/>
+          </a:prstGeom>
+        </p:spPr>
+      </p:pic>
     </p:spTree>
     <p:extLst>
       <p:ext uri="{BB962C8B-B14F-4D97-AF65-F5344CB8AC3E}">
-        <p14:creationId xmlns:p14="http://schemas.microsoft.com/office/powerpoint/2010/main" val="1488075377"/>
+        <p14:creationId xmlns:p14="http://schemas.microsoft.com/office/powerpoint/2010/main" val="727705871"/>
       </p:ext>
     </p:extLst>
   </p:cSld>
@@ -2148,8 +2276,8 @@
         </p:nvSpPr>
         <p:spPr>
           <a:xfrm>
-            <a:off x="683568" y="915566"/>
-            <a:ext cx="7704856" cy="3149580"/>
+            <a:off x="611560" y="1048256"/>
+            <a:ext cx="7920880" cy="3046988"/>
           </a:xfrm>
           <a:prstGeom prst="rect">
             <a:avLst/>
@@ -2162,41 +2290,26 @@
           </a:bodyPr>
           <a:lstStyle/>
           <a:p>
-            <a:r>
-              <a:rPr lang="es-ES" sz="3600" b="1" kern="0" dirty="0">
-                <a:solidFill>
-                  <a:schemeClr val="bg1">
-                    <a:lumMod val="50000"/>
-                  </a:schemeClr>
-                </a:solidFill>
-              </a:rPr>
-              <a:t>¿Qué es </a:t>
-            </a:r>
-            <a:r>
-              <a:rPr lang="es-ES" sz="3600" b="1" kern="0" dirty="0" err="1">
-                <a:solidFill>
-                  <a:schemeClr val="bg1">
-                    <a:lumMod val="50000"/>
-                  </a:schemeClr>
+            <a:pPr algn="ctr"/>
+            <a:r>
+              <a:rPr lang="es-ES" sz="7200" b="1" kern="0" dirty="0">
+                <a:solidFill>
+                  <a:srgbClr val="FF0000"/>
+                </a:solidFill>
+              </a:rPr>
+              <a:t> Integración con </a:t>
+            </a:r>
+            <a:r>
+              <a:rPr lang="es-ES" sz="7200" b="1" kern="0" dirty="0" err="1">
+                <a:solidFill>
+                  <a:srgbClr val="FF0000"/>
                 </a:solidFill>
               </a:rPr>
               <a:t>ParetoLib</a:t>
             </a:r>
-            <a:r>
-              <a:rPr lang="es-ES" sz="3600" b="1" kern="0" dirty="0">
-                <a:solidFill>
-                  <a:schemeClr val="bg1">
-                    <a:lumMod val="50000"/>
-                  </a:schemeClr>
-                </a:solidFill>
-              </a:rPr>
-              <a:t>?</a:t>
-            </a:r>
-            <a:endParaRPr lang="es-ES_tradnl" sz="3600" b="1" kern="0" dirty="0">
+            <a:endParaRPr lang="es-ES" sz="7200" baseline="30000" dirty="0">
               <a:solidFill>
-                <a:schemeClr val="bg1">
-                  <a:lumMod val="50000"/>
-                </a:schemeClr>
+                <a:srgbClr val="FF0000"/>
               </a:solidFill>
             </a:endParaRPr>
           </a:p>
@@ -2205,49 +2318,7 @@
               <a:buFont typeface="Arial" panose="020B0604020202020204" pitchFamily="34" charset="0"/>
               <a:buChar char="•"/>
             </a:pPr>
-            <a:endParaRPr lang="es-ES_tradnl" sz="3200" baseline="30000" dirty="0"/>
-          </a:p>
-          <a:p>
-            <a:pPr marL="342900" indent="-342900">
-              <a:buFont typeface="Arial" panose="020B0604020202020204" pitchFamily="34" charset="0"/>
-              <a:buChar char="•"/>
-            </a:pPr>
-            <a:endParaRPr lang="es-ES_tradnl" sz="3200" baseline="30000" dirty="0"/>
-          </a:p>
-          <a:p>
-            <a:pPr marL="342900" indent="-342900">
-              <a:buFont typeface="Arial" panose="020B0604020202020204" pitchFamily="34" charset="0"/>
-              <a:buChar char="•"/>
-            </a:pPr>
-            <a:r>
-              <a:rPr lang="es-ES" sz="3200" baseline="30000" dirty="0"/>
-              <a:t>Es una biblioteca de minería que recibe una especificación paramétrica y devuelve el rango de valores de las variables para las que la propiedad se satisface o invalida.</a:t>
-            </a:r>
-          </a:p>
-          <a:p>
-            <a:pPr marL="342900" indent="-342900">
-              <a:buFont typeface="Arial" panose="020B0604020202020204" pitchFamily="34" charset="0"/>
-              <a:buChar char="•"/>
-            </a:pPr>
-            <a:r>
-              <a:rPr lang="es-ES" sz="3200" baseline="30000" dirty="0"/>
-              <a:t>Evalúa instancias concretas de la fórmula temporal a través de la herramienta </a:t>
-            </a:r>
-            <a:r>
-              <a:rPr lang="es-ES" sz="3200" baseline="30000" dirty="0" err="1"/>
-              <a:t>STLEval</a:t>
-            </a:r>
-            <a:r>
-              <a:rPr lang="es-ES" sz="3200" baseline="30000" dirty="0"/>
-              <a:t>.</a:t>
-            </a:r>
-          </a:p>
-          <a:p>
-            <a:pPr marL="342900" indent="-342900">
-              <a:buFont typeface="Arial" panose="020B0604020202020204" pitchFamily="34" charset="0"/>
-              <a:buChar char="•"/>
-            </a:pPr>
-            <a:endParaRPr lang="es-ES_tradnl" sz="2000" baseline="30000" dirty="0"/>
+            <a:endParaRPr lang="es-ES_tradnl" sz="7200" baseline="30000" dirty="0"/>
           </a:p>
         </p:txBody>
       </p:sp>
@@ -2333,7 +2404,7 @@
     </p:spTree>
     <p:extLst>
       <p:ext uri="{BB962C8B-B14F-4D97-AF65-F5344CB8AC3E}">
-        <p14:creationId xmlns:p14="http://schemas.microsoft.com/office/powerpoint/2010/main" val="3467544250"/>
+        <p14:creationId xmlns:p14="http://schemas.microsoft.com/office/powerpoint/2010/main" val="1488075377"/>
       </p:ext>
     </p:extLst>
   </p:cSld>
@@ -2369,7 +2440,7 @@
         <p:spPr>
           <a:xfrm>
             <a:off x="683568" y="915566"/>
-            <a:ext cx="7704856" cy="2492990"/>
+            <a:ext cx="7704856" cy="3149580"/>
           </a:xfrm>
           <a:prstGeom prst="rect">
             <a:avLst/>
@@ -2390,7 +2461,27 @@
                   </a:schemeClr>
                 </a:solidFill>
               </a:rPr>
-              <a:t>Integración</a:t>
+              <a:t>¿Qué es </a:t>
+            </a:r>
+            <a:r>
+              <a:rPr lang="es-ES" sz="3600" b="1" kern="0" dirty="0" err="1">
+                <a:solidFill>
+                  <a:schemeClr val="bg1">
+                    <a:lumMod val="50000"/>
+                  </a:schemeClr>
+                </a:solidFill>
+              </a:rPr>
+              <a:t>ParetoLib</a:t>
+            </a:r>
+            <a:r>
+              <a:rPr lang="es-ES" sz="3600" b="1" kern="0" dirty="0">
+                <a:solidFill>
+                  <a:schemeClr val="bg1">
+                    <a:lumMod val="50000"/>
+                  </a:schemeClr>
+                </a:solidFill>
+              </a:rPr>
+              <a:t>?</a:t>
             </a:r>
             <a:endParaRPr lang="es-ES_tradnl" sz="3600" b="1" kern="0" dirty="0">
               <a:solidFill>
@@ -2421,7 +2512,17 @@
             </a:pPr>
             <a:r>
               <a:rPr lang="es-ES" sz="3200" baseline="30000" dirty="0"/>
-              <a:t>Se ha empaquetado junto los binarios y librerías dinámicas de </a:t>
+              <a:t>Es una biblioteca de minería que recibe una especificación paramétrica y devuelve el rango de valores de las variables para las que la propiedad se satisface o invalida.</a:t>
+            </a:r>
+          </a:p>
+          <a:p>
+            <a:pPr marL="342900" indent="-342900">
+              <a:buFont typeface="Arial" panose="020B0604020202020204" pitchFamily="34" charset="0"/>
+              <a:buChar char="•"/>
+            </a:pPr>
+            <a:r>
+              <a:rPr lang="es-ES" sz="3200" baseline="30000" dirty="0"/>
+              <a:t>Evalúa instancias concretas de la fórmula temporal a través de la herramienta </a:t>
             </a:r>
             <a:r>
               <a:rPr lang="es-ES" sz="3200" baseline="30000" dirty="0" err="1"/>
@@ -2429,25 +2530,7 @@
             </a:r>
             <a:r>
               <a:rPr lang="es-ES" sz="3200" baseline="30000" dirty="0"/>
-              <a:t> </a:t>
-            </a:r>
-            <a:r>
-              <a:rPr lang="es-ES" sz="3200" baseline="30000" dirty="0" err="1"/>
-              <a:t>precompilados</a:t>
-            </a:r>
-            <a:r>
-              <a:rPr lang="es-ES" sz="3200" baseline="30000" dirty="0"/>
-              <a:t> tanto para Linux como para Windows.</a:t>
-            </a:r>
-          </a:p>
-          <a:p>
-            <a:pPr marL="342900" indent="-342900">
-              <a:buFont typeface="Arial" panose="020B0604020202020204" pitchFamily="34" charset="0"/>
-              <a:buChar char="•"/>
-            </a:pPr>
-            <a:r>
-              <a:rPr lang="es-ES" sz="3200" baseline="30000" dirty="0"/>
-              <a:t>Herramienta multiplataforma.</a:t>
+              <a:t>.</a:t>
             </a:r>
           </a:p>
           <a:p>
@@ -2541,7 +2624,7 @@
     </p:spTree>
     <p:extLst>
       <p:ext uri="{BB962C8B-B14F-4D97-AF65-F5344CB8AC3E}">
-        <p14:creationId xmlns:p14="http://schemas.microsoft.com/office/powerpoint/2010/main" val="2754459205"/>
+        <p14:creationId xmlns:p14="http://schemas.microsoft.com/office/powerpoint/2010/main" val="3467544250"/>
       </p:ext>
     </p:extLst>
   </p:cSld>
@@ -2576,8 +2659,8 @@
         </p:nvSpPr>
         <p:spPr>
           <a:xfrm>
-            <a:off x="611560" y="1417588"/>
-            <a:ext cx="7920879" cy="2308324"/>
+            <a:off x="683568" y="915566"/>
+            <a:ext cx="7704856" cy="2492990"/>
           </a:xfrm>
           <a:prstGeom prst="rect">
             <a:avLst/>
@@ -2591,16 +2674,20 @@
           <a:lstStyle/>
           <a:p>
             <a:r>
-              <a:rPr lang="es-ES" sz="9600" b="1" kern="0" dirty="0">
-                <a:solidFill>
-                  <a:srgbClr val="FF0000"/>
-                </a:solidFill>
-              </a:rPr>
-              <a:t>Interfaz gráfica</a:t>
-            </a:r>
-            <a:endParaRPr lang="es-ES" sz="9600" baseline="30000" dirty="0">
+              <a:rPr lang="es-ES" sz="3600" b="1" kern="0" dirty="0">
+                <a:solidFill>
+                  <a:schemeClr val="bg1">
+                    <a:lumMod val="50000"/>
+                  </a:schemeClr>
+                </a:solidFill>
+              </a:rPr>
+              <a:t>Integración</a:t>
+            </a:r>
+            <a:endParaRPr lang="es-ES_tradnl" sz="3600" b="1" kern="0" dirty="0">
               <a:solidFill>
-                <a:srgbClr val="FF0000"/>
+                <a:schemeClr val="bg1">
+                  <a:lumMod val="50000"/>
+                </a:schemeClr>
               </a:solidFill>
             </a:endParaRPr>
           </a:p>
@@ -2609,7 +2696,57 @@
               <a:buFont typeface="Arial" panose="020B0604020202020204" pitchFamily="34" charset="0"/>
               <a:buChar char="•"/>
             </a:pPr>
-            <a:endParaRPr lang="es-ES_tradnl" sz="7200" baseline="30000" dirty="0"/>
+            <a:endParaRPr lang="es-ES_tradnl" sz="3200" baseline="30000" dirty="0"/>
+          </a:p>
+          <a:p>
+            <a:pPr marL="342900" indent="-342900">
+              <a:buFont typeface="Arial" panose="020B0604020202020204" pitchFamily="34" charset="0"/>
+              <a:buChar char="•"/>
+            </a:pPr>
+            <a:endParaRPr lang="es-ES_tradnl" sz="3200" baseline="30000" dirty="0"/>
+          </a:p>
+          <a:p>
+            <a:pPr marL="342900" indent="-342900">
+              <a:buFont typeface="Arial" panose="020B0604020202020204" pitchFamily="34" charset="0"/>
+              <a:buChar char="•"/>
+            </a:pPr>
+            <a:r>
+              <a:rPr lang="es-ES" sz="3200" baseline="30000" dirty="0"/>
+              <a:t>Se ha empaquetado junto los binarios y librerías dinámicas de </a:t>
+            </a:r>
+            <a:r>
+              <a:rPr lang="es-ES" sz="3200" baseline="30000" dirty="0" err="1"/>
+              <a:t>STLEval</a:t>
+            </a:r>
+            <a:r>
+              <a:rPr lang="es-ES" sz="3200" baseline="30000" dirty="0"/>
+              <a:t> </a:t>
+            </a:r>
+            <a:r>
+              <a:rPr lang="es-ES" sz="3200" baseline="30000" dirty="0" err="1"/>
+              <a:t>precompilados</a:t>
+            </a:r>
+            <a:r>
+              <a:rPr lang="es-ES" sz="3200" baseline="30000" dirty="0"/>
+              <a:t> tanto para Linux como para Windows.</a:t>
+            </a:r>
+          </a:p>
+          <a:p>
+            <a:pPr marL="342900" indent="-342900">
+              <a:buFont typeface="Arial" panose="020B0604020202020204" pitchFamily="34" charset="0"/>
+              <a:buChar char="•"/>
+            </a:pPr>
+            <a:r>
+              <a:rPr lang="es-ES" sz="3200" baseline="30000" dirty="0"/>
+              <a:t>Herramienta multiplataforma.</a:t>
+            </a:r>
+          </a:p>
+          <a:p>
+            <a:pPr marL="342900" indent="-342900">
+              <a:buFont typeface="Arial" panose="020B0604020202020204" pitchFamily="34" charset="0"/>
+              <a:buChar char="•"/>
+            </a:pPr>
+            <a:endParaRPr lang="es-ES_tradnl" sz="2000" baseline="30000" dirty="0"/>
           </a:p>
         </p:txBody>
       </p:sp>
@@ -2695,7 +2832,7 @@
     </p:spTree>
     <p:extLst>
       <p:ext uri="{BB962C8B-B14F-4D97-AF65-F5344CB8AC3E}">
-        <p14:creationId xmlns:p14="http://schemas.microsoft.com/office/powerpoint/2010/main" val="3703685547"/>
+        <p14:creationId xmlns:p14="http://schemas.microsoft.com/office/powerpoint/2010/main" val="2754459205"/>
       </p:ext>
     </p:extLst>
   </p:cSld>
@@ -2730,8 +2867,8 @@
         </p:nvSpPr>
         <p:spPr>
           <a:xfrm>
-            <a:off x="683568" y="915566"/>
-            <a:ext cx="7704856" cy="1508105"/>
+            <a:off x="611560" y="1417588"/>
+            <a:ext cx="7920879" cy="2308324"/>
           </a:xfrm>
           <a:prstGeom prst="rect">
             <a:avLst/>
@@ -2745,20 +2882,16 @@
           <a:lstStyle/>
           <a:p>
             <a:r>
-              <a:rPr lang="es-ES" sz="3600" b="1" kern="0" dirty="0">
-                <a:solidFill>
-                  <a:schemeClr val="bg1">
-                    <a:lumMod val="50000"/>
-                  </a:schemeClr>
-                </a:solidFill>
-              </a:rPr>
-              <a:t> Estructura</a:t>
-            </a:r>
-            <a:endParaRPr lang="es-ES_tradnl" sz="3600" b="1" kern="0" dirty="0">
+              <a:rPr lang="es-ES" sz="9600" b="1" kern="0" dirty="0">
+                <a:solidFill>
+                  <a:srgbClr val="FF0000"/>
+                </a:solidFill>
+              </a:rPr>
+              <a:t>Interfaz gráfica</a:t>
+            </a:r>
+            <a:endParaRPr lang="es-ES" sz="9600" baseline="30000" dirty="0">
               <a:solidFill>
-                <a:schemeClr val="bg1">
-                  <a:lumMod val="50000"/>
-                </a:schemeClr>
+                <a:srgbClr val="FF0000"/>
               </a:solidFill>
             </a:endParaRPr>
           </a:p>
@@ -2767,21 +2900,7 @@
               <a:buFont typeface="Arial" panose="020B0604020202020204" pitchFamily="34" charset="0"/>
               <a:buChar char="•"/>
             </a:pPr>
-            <a:endParaRPr lang="es-ES_tradnl" sz="3200" baseline="30000" dirty="0"/>
-          </a:p>
-          <a:p>
-            <a:pPr marL="342900" indent="-342900">
-              <a:buFont typeface="Arial" panose="020B0604020202020204" pitchFamily="34" charset="0"/>
-              <a:buChar char="•"/>
-            </a:pPr>
-            <a:endParaRPr lang="es-ES" sz="3200" baseline="30000" dirty="0"/>
-          </a:p>
-          <a:p>
-            <a:pPr marL="342900" indent="-342900">
-              <a:buFont typeface="Arial" panose="020B0604020202020204" pitchFamily="34" charset="0"/>
-              <a:buChar char="•"/>
-            </a:pPr>
-            <a:endParaRPr lang="es-ES_tradnl" sz="2000" baseline="30000" dirty="0"/>
+            <a:endParaRPr lang="es-ES_tradnl" sz="7200" baseline="30000" dirty="0"/>
           </a:p>
         </p:txBody>
       </p:sp>
@@ -2864,49 +2983,10 @@
           </a:p>
         </p:txBody>
       </p:sp>
-      <p:pic>
-        <p:nvPicPr>
-          <p:cNvPr id="3" name="Imagen 2">
-            <a:extLst>
-              <a:ext uri="{FF2B5EF4-FFF2-40B4-BE49-F238E27FC236}">
-                <a16:creationId xmlns:a16="http://schemas.microsoft.com/office/drawing/2014/main" id="{0D53C159-EF36-42C0-847F-5C34C34C90C3}"/>
-              </a:ext>
-              <a:ext uri="{C183D7F6-B498-43B3-948B-1728B52AA6E4}">
-                <adec:decorative xmlns:adec="http://schemas.microsoft.com/office/drawing/2017/decorative" val="1"/>
-              </a:ext>
-            </a:extLst>
-          </p:cNvPr>
-          <p:cNvPicPr>
-            <a:picLocks noChangeAspect="1"/>
-          </p:cNvPicPr>
-          <p:nvPr/>
-        </p:nvPicPr>
-        <p:blipFill>
-          <a:blip r:embed="rId2" cstate="print">
-            <a:extLst>
-              <a:ext uri="{28A0092B-C50C-407E-A947-70E740481C1C}">
-                <a14:useLocalDpi xmlns:a14="http://schemas.microsoft.com/office/drawing/2010/main" val="0"/>
-              </a:ext>
-            </a:extLst>
-          </a:blip>
-          <a:stretch>
-            <a:fillRect/>
-          </a:stretch>
-        </p:blipFill>
-        <p:spPr>
-          <a:xfrm>
-            <a:off x="217962" y="1995686"/>
-            <a:ext cx="8708076" cy="2558317"/>
-          </a:xfrm>
-          <a:prstGeom prst="rect">
-            <a:avLst/>
-          </a:prstGeom>
-        </p:spPr>
-      </p:pic>
     </p:spTree>
     <p:extLst>
       <p:ext uri="{BB962C8B-B14F-4D97-AF65-F5344CB8AC3E}">
-        <p14:creationId xmlns:p14="http://schemas.microsoft.com/office/powerpoint/2010/main" val="1651633250"/>
+        <p14:creationId xmlns:p14="http://schemas.microsoft.com/office/powerpoint/2010/main" val="3703685547"/>
       </p:ext>
     </p:extLst>
   </p:cSld>
@@ -2942,7 +3022,7 @@
         <p:spPr>
           <a:xfrm>
             <a:off x="683568" y="915566"/>
-            <a:ext cx="7704856" cy="2821285"/>
+            <a:ext cx="7704856" cy="1508105"/>
           </a:xfrm>
           <a:prstGeom prst="rect">
             <a:avLst/>
@@ -2963,55 +3043,28 @@
                   </a:schemeClr>
                 </a:solidFill>
               </a:rPr>
-              <a:t> Bibliotecas utilizadas</a:t>
-            </a:r>
-          </a:p>
-          <a:p>
+              <a:t> Estructura</a:t>
+            </a:r>
+            <a:endParaRPr lang="es-ES_tradnl" sz="3600" b="1" kern="0" dirty="0">
+              <a:solidFill>
+                <a:schemeClr val="bg1">
+                  <a:lumMod val="50000"/>
+                </a:schemeClr>
+              </a:solidFill>
+            </a:endParaRPr>
+          </a:p>
+          <a:p>
+            <a:pPr marL="342900" indent="-342900">
+              <a:buFont typeface="Arial" panose="020B0604020202020204" pitchFamily="34" charset="0"/>
+              <a:buChar char="•"/>
+            </a:pPr>
             <a:endParaRPr lang="es-ES_tradnl" sz="3200" baseline="30000" dirty="0"/>
           </a:p>
           <a:p>
-            <a:endParaRPr lang="es-ES_tradnl" sz="3200" baseline="30000" dirty="0"/>
-          </a:p>
-          <a:p>
-            <a:pPr marL="342900" indent="-342900">
-              <a:buFont typeface="Arial" panose="020B0604020202020204" pitchFamily="34" charset="0"/>
-              <a:buChar char="•"/>
-            </a:pPr>
-            <a:r>
-              <a:rPr lang="es-ES" sz="3200" baseline="30000" dirty="0"/>
-              <a:t>PyQt5</a:t>
-            </a:r>
-          </a:p>
-          <a:p>
-            <a:pPr marL="342900" indent="-342900">
-              <a:buFont typeface="Arial" panose="020B0604020202020204" pitchFamily="34" charset="0"/>
-              <a:buChar char="•"/>
-            </a:pPr>
-            <a:r>
-              <a:rPr lang="es-ES" sz="3200" baseline="30000" dirty="0" err="1"/>
-              <a:t>Matplotlib</a:t>
-            </a:r>
-            <a:endParaRPr lang="es-ES" sz="3200" baseline="30000" dirty="0"/>
-          </a:p>
-          <a:p>
-            <a:pPr marL="342900" indent="-342900">
-              <a:buFont typeface="Arial" panose="020B0604020202020204" pitchFamily="34" charset="0"/>
-              <a:buChar char="•"/>
-            </a:pPr>
-            <a:r>
-              <a:rPr lang="es-ES" sz="3200" baseline="30000" dirty="0"/>
-              <a:t>Pandas</a:t>
-            </a:r>
-          </a:p>
-          <a:p>
-            <a:pPr marL="342900" indent="-342900">
-              <a:buFont typeface="Arial" panose="020B0604020202020204" pitchFamily="34" charset="0"/>
-              <a:buChar char="•"/>
-            </a:pPr>
-            <a:r>
-              <a:rPr lang="es-ES" sz="3200" baseline="30000" dirty="0" err="1"/>
-              <a:t>Seaborn</a:t>
-            </a:r>
+            <a:pPr marL="342900" indent="-342900">
+              <a:buFont typeface="Arial" panose="020B0604020202020204" pitchFamily="34" charset="0"/>
+              <a:buChar char="•"/>
+            </a:pPr>
             <a:endParaRPr lang="es-ES" sz="3200" baseline="30000" dirty="0"/>
           </a:p>
           <a:p>
@@ -3102,10 +3155,49 @@
           </a:p>
         </p:txBody>
       </p:sp>
+      <p:pic>
+        <p:nvPicPr>
+          <p:cNvPr id="3" name="Imagen 2">
+            <a:extLst>
+              <a:ext uri="{FF2B5EF4-FFF2-40B4-BE49-F238E27FC236}">
+                <a16:creationId xmlns:a16="http://schemas.microsoft.com/office/drawing/2014/main" id="{0D53C159-EF36-42C0-847F-5C34C34C90C3}"/>
+              </a:ext>
+              <a:ext uri="{C183D7F6-B498-43B3-948B-1728B52AA6E4}">
+                <adec:decorative xmlns:adec="http://schemas.microsoft.com/office/drawing/2017/decorative" val="1"/>
+              </a:ext>
+            </a:extLst>
+          </p:cNvPr>
+          <p:cNvPicPr>
+            <a:picLocks noChangeAspect="1"/>
+          </p:cNvPicPr>
+          <p:nvPr/>
+        </p:nvPicPr>
+        <p:blipFill>
+          <a:blip r:embed="rId2" cstate="print">
+            <a:extLst>
+              <a:ext uri="{28A0092B-C50C-407E-A947-70E740481C1C}">
+                <a14:useLocalDpi xmlns:a14="http://schemas.microsoft.com/office/drawing/2010/main" val="0"/>
+              </a:ext>
+            </a:extLst>
+          </a:blip>
+          <a:stretch>
+            <a:fillRect/>
+          </a:stretch>
+        </p:blipFill>
+        <p:spPr>
+          <a:xfrm>
+            <a:off x="217962" y="1995686"/>
+            <a:ext cx="8708076" cy="2558317"/>
+          </a:xfrm>
+          <a:prstGeom prst="rect">
+            <a:avLst/>
+          </a:prstGeom>
+        </p:spPr>
+      </p:pic>
     </p:spTree>
     <p:extLst>
       <p:ext uri="{BB962C8B-B14F-4D97-AF65-F5344CB8AC3E}">
-        <p14:creationId xmlns:p14="http://schemas.microsoft.com/office/powerpoint/2010/main" val="3369697056"/>
+        <p14:creationId xmlns:p14="http://schemas.microsoft.com/office/powerpoint/2010/main" val="1651633250"/>
       </p:ext>
     </p:extLst>
   </p:cSld>
@@ -3141,7 +3233,7 @@
         <p:spPr>
           <a:xfrm>
             <a:off x="683568" y="915566"/>
-            <a:ext cx="7704856" cy="646331"/>
+            <a:ext cx="7704856" cy="2821285"/>
           </a:xfrm>
           <a:prstGeom prst="rect">
             <a:avLst/>
@@ -3162,15 +3254,63 @@
                   </a:schemeClr>
                 </a:solidFill>
               </a:rPr>
-              <a:t> Guía de uso (Demo o Video)</a:t>
-            </a:r>
-            <a:endParaRPr lang="es-ES_tradnl" sz="3600" b="1" kern="0" dirty="0">
-              <a:solidFill>
-                <a:schemeClr val="bg1">
-                  <a:lumMod val="50000"/>
-                </a:schemeClr>
-              </a:solidFill>
-            </a:endParaRPr>
+              <a:t> Bibliotecas utilizadas</a:t>
+            </a:r>
+          </a:p>
+          <a:p>
+            <a:endParaRPr lang="es-ES_tradnl" sz="3200" baseline="30000" dirty="0"/>
+          </a:p>
+          <a:p>
+            <a:endParaRPr lang="es-ES_tradnl" sz="3200" baseline="30000" dirty="0"/>
+          </a:p>
+          <a:p>
+            <a:pPr marL="342900" indent="-342900">
+              <a:buFont typeface="Arial" panose="020B0604020202020204" pitchFamily="34" charset="0"/>
+              <a:buChar char="•"/>
+            </a:pPr>
+            <a:r>
+              <a:rPr lang="es-ES" sz="3200" baseline="30000" dirty="0"/>
+              <a:t>PyQt5</a:t>
+            </a:r>
+          </a:p>
+          <a:p>
+            <a:pPr marL="342900" indent="-342900">
+              <a:buFont typeface="Arial" panose="020B0604020202020204" pitchFamily="34" charset="0"/>
+              <a:buChar char="•"/>
+            </a:pPr>
+            <a:r>
+              <a:rPr lang="es-ES" sz="3200" baseline="30000" dirty="0" err="1"/>
+              <a:t>Matplotlib</a:t>
+            </a:r>
+            <a:endParaRPr lang="es-ES" sz="3200" baseline="30000" dirty="0"/>
+          </a:p>
+          <a:p>
+            <a:pPr marL="342900" indent="-342900">
+              <a:buFont typeface="Arial" panose="020B0604020202020204" pitchFamily="34" charset="0"/>
+              <a:buChar char="•"/>
+            </a:pPr>
+            <a:r>
+              <a:rPr lang="es-ES" sz="3200" baseline="30000" dirty="0"/>
+              <a:t>Pandas</a:t>
+            </a:r>
+          </a:p>
+          <a:p>
+            <a:pPr marL="342900" indent="-342900">
+              <a:buFont typeface="Arial" panose="020B0604020202020204" pitchFamily="34" charset="0"/>
+              <a:buChar char="•"/>
+            </a:pPr>
+            <a:r>
+              <a:rPr lang="es-ES" sz="3200" baseline="30000" dirty="0" err="1"/>
+              <a:t>Seaborn</a:t>
+            </a:r>
+            <a:endParaRPr lang="es-ES" sz="3200" baseline="30000" dirty="0"/>
+          </a:p>
+          <a:p>
+            <a:pPr marL="342900" indent="-342900">
+              <a:buFont typeface="Arial" panose="020B0604020202020204" pitchFamily="34" charset="0"/>
+              <a:buChar char="•"/>
+            </a:pPr>
+            <a:endParaRPr lang="es-ES_tradnl" sz="2000" baseline="30000" dirty="0"/>
           </a:p>
         </p:txBody>
       </p:sp>
@@ -3256,7 +3396,7 @@
     </p:spTree>
     <p:extLst>
       <p:ext uri="{BB962C8B-B14F-4D97-AF65-F5344CB8AC3E}">
-        <p14:creationId xmlns:p14="http://schemas.microsoft.com/office/powerpoint/2010/main" val="4198450676"/>
+        <p14:creationId xmlns:p14="http://schemas.microsoft.com/office/powerpoint/2010/main" val="3369697056"/>
       </p:ext>
     </p:extLst>
   </p:cSld>
@@ -3445,8 +3585,8 @@
         </p:nvSpPr>
         <p:spPr>
           <a:xfrm>
-            <a:off x="1163589" y="1417588"/>
-            <a:ext cx="6816822" cy="2308324"/>
+            <a:off x="683568" y="915566"/>
+            <a:ext cx="7704856" cy="646331"/>
           </a:xfrm>
           <a:prstGeom prst="rect">
             <a:avLst/>
@@ -3460,25 +3600,22 @@
           <a:lstStyle/>
           <a:p>
             <a:r>
-              <a:rPr lang="es-ES" sz="9600" b="1" kern="0" dirty="0">
-                <a:solidFill>
-                  <a:srgbClr val="FF0000"/>
-                </a:solidFill>
-              </a:rPr>
-              <a:t>Conclusiones</a:t>
-            </a:r>
-            <a:endParaRPr lang="es-ES" sz="9600" baseline="30000" dirty="0">
+              <a:rPr lang="es-ES" sz="3600" b="1" kern="0" dirty="0">
+                <a:solidFill>
+                  <a:schemeClr val="bg1">
+                    <a:lumMod val="50000"/>
+                  </a:schemeClr>
+                </a:solidFill>
+              </a:rPr>
+              <a:t> Guía de uso (Demo o Video)</a:t>
+            </a:r>
+            <a:endParaRPr lang="es-ES_tradnl" sz="3600" b="1" kern="0" dirty="0">
               <a:solidFill>
-                <a:srgbClr val="FF0000"/>
+                <a:schemeClr val="bg1">
+                  <a:lumMod val="50000"/>
+                </a:schemeClr>
               </a:solidFill>
             </a:endParaRPr>
-          </a:p>
-          <a:p>
-            <a:pPr marL="342900" indent="-342900">
-              <a:buFont typeface="Arial" panose="020B0604020202020204" pitchFamily="34" charset="0"/>
-              <a:buChar char="•"/>
-            </a:pPr>
-            <a:endParaRPr lang="es-ES_tradnl" sz="7200" baseline="30000" dirty="0"/>
           </a:p>
         </p:txBody>
       </p:sp>
@@ -3564,7 +3701,7 @@
     </p:spTree>
     <p:extLst>
       <p:ext uri="{BB962C8B-B14F-4D97-AF65-F5344CB8AC3E}">
-        <p14:creationId xmlns:p14="http://schemas.microsoft.com/office/powerpoint/2010/main" val="390553160"/>
+        <p14:creationId xmlns:p14="http://schemas.microsoft.com/office/powerpoint/2010/main" val="4198450676"/>
       </p:ext>
     </p:extLst>
   </p:cSld>
@@ -3599,8 +3736,8 @@
         </p:nvSpPr>
         <p:spPr>
           <a:xfrm>
-            <a:off x="683568" y="915566"/>
-            <a:ext cx="7704856" cy="2821285"/>
+            <a:off x="1163589" y="1417588"/>
+            <a:ext cx="6816822" cy="2308324"/>
           </a:xfrm>
           <a:prstGeom prst="rect">
             <a:avLst/>
@@ -3614,81 +3751,25 @@
           <a:lstStyle/>
           <a:p>
             <a:r>
-              <a:rPr lang="es-ES" sz="3600" b="1" kern="0" dirty="0">
-                <a:solidFill>
-                  <a:schemeClr val="bg1">
-                    <a:lumMod val="50000"/>
-                  </a:schemeClr>
-                </a:solidFill>
-              </a:rPr>
-              <a:t> Conclusiones</a:t>
-            </a:r>
-          </a:p>
-          <a:p>
-            <a:endParaRPr lang="es-ES_tradnl" sz="3200" baseline="30000" dirty="0"/>
-          </a:p>
-          <a:p>
-            <a:endParaRPr lang="es-ES_tradnl" sz="3200" baseline="30000" dirty="0"/>
-          </a:p>
-          <a:p>
-            <a:pPr marL="342900" indent="-342900">
-              <a:buFont typeface="Arial" panose="020B0604020202020204" pitchFamily="34" charset="0"/>
-              <a:buChar char="•"/>
-            </a:pPr>
-            <a:r>
-              <a:rPr lang="es-ES" sz="3200" baseline="30000" dirty="0"/>
-              <a:t>Documentación e investigación.</a:t>
-            </a:r>
-          </a:p>
-          <a:p>
-            <a:pPr marL="342900" indent="-342900">
-              <a:buFont typeface="Arial" panose="020B0604020202020204" pitchFamily="34" charset="0"/>
-              <a:buChar char="•"/>
-            </a:pPr>
-            <a:r>
-              <a:rPr lang="es-ES" sz="3200" baseline="30000" dirty="0"/>
-              <a:t>Capacidades de </a:t>
-            </a:r>
-            <a:r>
-              <a:rPr lang="es-ES" sz="3200" baseline="30000" dirty="0" err="1"/>
-              <a:t>STLEval</a:t>
-            </a:r>
-            <a:r>
-              <a:rPr lang="es-ES" sz="3200" baseline="30000" dirty="0"/>
-              <a:t> extendidas.</a:t>
-            </a:r>
-          </a:p>
-          <a:p>
-            <a:pPr marL="342900" indent="-342900">
-              <a:buFont typeface="Arial" panose="020B0604020202020204" pitchFamily="34" charset="0"/>
-              <a:buChar char="•"/>
-            </a:pPr>
-            <a:r>
-              <a:rPr lang="es-ES" sz="3200" baseline="30000" dirty="0"/>
-              <a:t>Actualización de </a:t>
-            </a:r>
-            <a:r>
-              <a:rPr lang="es-ES" sz="3200" baseline="30000" dirty="0" err="1"/>
-              <a:t>ParetoLib</a:t>
-            </a:r>
-            <a:endParaRPr lang="es-ES" sz="3200" baseline="30000" dirty="0"/>
-          </a:p>
-          <a:p>
-            <a:pPr marL="342900" indent="-342900">
-              <a:buFont typeface="Arial" panose="020B0604020202020204" pitchFamily="34" charset="0"/>
-              <a:buChar char="•"/>
-            </a:pPr>
-            <a:r>
-              <a:rPr lang="es-ES" sz="3200" baseline="30000" dirty="0"/>
-              <a:t>Aportada una interfaz gráfica.</a:t>
-            </a:r>
-          </a:p>
-          <a:p>
-            <a:pPr marL="342900" indent="-342900">
-              <a:buFont typeface="Arial" panose="020B0604020202020204" pitchFamily="34" charset="0"/>
-              <a:buChar char="•"/>
-            </a:pPr>
-            <a:endParaRPr lang="es-ES_tradnl" sz="2000" baseline="30000" dirty="0"/>
+              <a:rPr lang="es-ES" sz="9600" b="1" kern="0" dirty="0">
+                <a:solidFill>
+                  <a:srgbClr val="FF0000"/>
+                </a:solidFill>
+              </a:rPr>
+              <a:t>Conclusiones</a:t>
+            </a:r>
+            <a:endParaRPr lang="es-ES" sz="9600" baseline="30000" dirty="0">
+              <a:solidFill>
+                <a:srgbClr val="FF0000"/>
+              </a:solidFill>
+            </a:endParaRPr>
+          </a:p>
+          <a:p>
+            <a:pPr marL="342900" indent="-342900">
+              <a:buFont typeface="Arial" panose="020B0604020202020204" pitchFamily="34" charset="0"/>
+              <a:buChar char="•"/>
+            </a:pPr>
+            <a:endParaRPr lang="es-ES_tradnl" sz="7200" baseline="30000" dirty="0"/>
           </a:p>
         </p:txBody>
       </p:sp>
@@ -3774,7 +3855,7 @@
     </p:spTree>
     <p:extLst>
       <p:ext uri="{BB962C8B-B14F-4D97-AF65-F5344CB8AC3E}">
-        <p14:creationId xmlns:p14="http://schemas.microsoft.com/office/powerpoint/2010/main" val="4028046607"/>
+        <p14:creationId xmlns:p14="http://schemas.microsoft.com/office/powerpoint/2010/main" val="390553160"/>
       </p:ext>
     </p:extLst>
   </p:cSld>
@@ -3809,8 +3890,242 @@
         </p:nvSpPr>
         <p:spPr>
           <a:xfrm>
+            <a:off x="719572" y="996960"/>
+            <a:ext cx="7704856" cy="3806170"/>
+          </a:xfrm>
+          <a:prstGeom prst="rect">
+            <a:avLst/>
+          </a:prstGeom>
+          <a:noFill/>
+        </p:spPr>
+        <p:txBody>
+          <a:bodyPr wrap="square" rtlCol="0">
+            <a:spAutoFit/>
+          </a:bodyPr>
+          <a:lstStyle/>
+          <a:p>
+            <a:r>
+              <a:rPr lang="es-ES" sz="3600" b="1" kern="0" dirty="0">
+                <a:solidFill>
+                  <a:schemeClr val="bg1">
+                    <a:lumMod val="50000"/>
+                  </a:schemeClr>
+                </a:solidFill>
+              </a:rPr>
+              <a:t> Conclusiones</a:t>
+            </a:r>
+          </a:p>
+          <a:p>
+            <a:endParaRPr lang="es-ES_tradnl" sz="3200" baseline="30000" dirty="0"/>
+          </a:p>
+          <a:p>
+            <a:endParaRPr lang="es-ES_tradnl" sz="3200" baseline="30000" dirty="0"/>
+          </a:p>
+          <a:p>
+            <a:pPr marL="342900" indent="-342900">
+              <a:buFont typeface="Arial" panose="020B0604020202020204" pitchFamily="34" charset="0"/>
+              <a:buChar char="•"/>
+            </a:pPr>
+            <a:r>
+              <a:rPr lang="es-ES" sz="3200" baseline="30000" dirty="0"/>
+              <a:t>Documentación e investigación.</a:t>
+            </a:r>
+          </a:p>
+          <a:p>
+            <a:pPr marL="342900" indent="-342900">
+              <a:buFont typeface="Arial" panose="020B0604020202020204" pitchFamily="34" charset="0"/>
+              <a:buChar char="•"/>
+            </a:pPr>
+            <a:endParaRPr lang="es-ES" sz="3200" baseline="30000" dirty="0"/>
+          </a:p>
+          <a:p>
+            <a:pPr marL="342900" indent="-342900">
+              <a:buFont typeface="Arial" panose="020B0604020202020204" pitchFamily="34" charset="0"/>
+              <a:buChar char="•"/>
+            </a:pPr>
+            <a:r>
+              <a:rPr lang="es-ES" sz="3200" baseline="30000" dirty="0"/>
+              <a:t>Capacidades de </a:t>
+            </a:r>
+            <a:r>
+              <a:rPr lang="es-ES" sz="3200" baseline="30000" dirty="0" err="1"/>
+              <a:t>STLEval</a:t>
+            </a:r>
+            <a:r>
+              <a:rPr lang="es-ES" sz="3200" baseline="30000" dirty="0"/>
+              <a:t> extendidas con la derivada y la integral.</a:t>
+            </a:r>
+          </a:p>
+          <a:p>
+            <a:pPr marL="342900" indent="-342900">
+              <a:buFont typeface="Arial" panose="020B0604020202020204" pitchFamily="34" charset="0"/>
+              <a:buChar char="•"/>
+            </a:pPr>
+            <a:endParaRPr lang="es-ES" sz="3200" baseline="30000" dirty="0"/>
+          </a:p>
+          <a:p>
+            <a:pPr marL="342900" indent="-342900">
+              <a:buFont typeface="Arial" panose="020B0604020202020204" pitchFamily="34" charset="0"/>
+              <a:buChar char="•"/>
+            </a:pPr>
+            <a:r>
+              <a:rPr lang="es-ES" sz="3200" baseline="30000" dirty="0"/>
+              <a:t>Actualización de </a:t>
+            </a:r>
+            <a:r>
+              <a:rPr lang="es-ES" sz="3200" baseline="30000" dirty="0" err="1"/>
+              <a:t>ParetoLib</a:t>
+            </a:r>
+            <a:r>
+              <a:rPr lang="es-ES" sz="3200" baseline="30000" dirty="0"/>
+              <a:t>.</a:t>
+            </a:r>
+          </a:p>
+          <a:p>
+            <a:pPr marL="342900" indent="-342900">
+              <a:buFont typeface="Arial" panose="020B0604020202020204" pitchFamily="34" charset="0"/>
+              <a:buChar char="•"/>
+            </a:pPr>
+            <a:endParaRPr lang="es-ES" sz="3200" baseline="30000" dirty="0"/>
+          </a:p>
+          <a:p>
+            <a:pPr marL="342900" indent="-342900">
+              <a:buFont typeface="Arial" panose="020B0604020202020204" pitchFamily="34" charset="0"/>
+              <a:buChar char="•"/>
+            </a:pPr>
+            <a:r>
+              <a:rPr lang="es-ES" sz="3200" baseline="30000" dirty="0"/>
+              <a:t>Aportada una interfaz gráfica.</a:t>
+            </a:r>
+          </a:p>
+          <a:p>
+            <a:pPr marL="342900" indent="-342900">
+              <a:buFont typeface="Arial" panose="020B0604020202020204" pitchFamily="34" charset="0"/>
+              <a:buChar char="•"/>
+            </a:pPr>
+            <a:endParaRPr lang="es-ES_tradnl" sz="2000" baseline="30000" dirty="0"/>
+          </a:p>
+        </p:txBody>
+      </p:sp>
+      <p:sp>
+        <p:nvSpPr>
+          <p:cNvPr id="6" name="5 CuadroTexto"/>
+          <p:cNvSpPr txBox="1"/>
+          <p:nvPr/>
+        </p:nvSpPr>
+        <p:spPr>
+          <a:xfrm>
+            <a:off x="7140350" y="4803973"/>
+            <a:ext cx="1900969" cy="307777"/>
+          </a:xfrm>
+          <a:prstGeom prst="rect">
+            <a:avLst/>
+          </a:prstGeom>
+          <a:noFill/>
+        </p:spPr>
+        <p:txBody>
+          <a:bodyPr wrap="none" rtlCol="0">
+            <a:spAutoFit/>
+          </a:bodyPr>
+          <a:lstStyle/>
+          <a:p>
+            <a:pPr algn="r"/>
+            <a:r>
+              <a:rPr lang="es-ES" sz="1400" dirty="0">
+                <a:solidFill>
+                  <a:schemeClr val="bg1"/>
+                </a:solidFill>
+              </a:rPr>
+              <a:t>Facultad de Informática</a:t>
+            </a:r>
+          </a:p>
+        </p:txBody>
+      </p:sp>
+      <p:sp>
+        <p:nvSpPr>
+          <p:cNvPr id="7" name="6 CuadroTexto"/>
+          <p:cNvSpPr txBox="1"/>
+          <p:nvPr/>
+        </p:nvSpPr>
+        <p:spPr>
+          <a:xfrm>
+            <a:off x="6277229" y="89570"/>
+            <a:ext cx="2764090" cy="461665"/>
+          </a:xfrm>
+          <a:prstGeom prst="rect">
+            <a:avLst/>
+          </a:prstGeom>
+          <a:noFill/>
+        </p:spPr>
+        <p:txBody>
+          <a:bodyPr wrap="none" rtlCol="0">
+            <a:spAutoFit/>
+          </a:bodyPr>
+          <a:lstStyle/>
+          <a:p>
+            <a:pPr algn="r"/>
+            <a:r>
+              <a:rPr lang="es-ES" sz="1200" b="1" dirty="0">
+                <a:solidFill>
+                  <a:schemeClr val="bg1"/>
+                </a:solidFill>
+              </a:rPr>
+              <a:t>Inferencia y verificación de propiedades </a:t>
+            </a:r>
+          </a:p>
+          <a:p>
+            <a:pPr algn="r"/>
+            <a:r>
+              <a:rPr lang="es-ES" sz="1200" b="1" dirty="0">
+                <a:solidFill>
+                  <a:schemeClr val="bg1"/>
+                </a:solidFill>
+              </a:rPr>
+              <a:t>en sistemas ciber-físicos estocásticos</a:t>
+            </a:r>
+          </a:p>
+        </p:txBody>
+      </p:sp>
+    </p:spTree>
+    <p:extLst>
+      <p:ext uri="{BB962C8B-B14F-4D97-AF65-F5344CB8AC3E}">
+        <p14:creationId xmlns:p14="http://schemas.microsoft.com/office/powerpoint/2010/main" val="4028046607"/>
+      </p:ext>
+    </p:extLst>
+  </p:cSld>
+  <p:clrMapOvr>
+    <a:masterClrMapping/>
+  </p:clrMapOvr>
+</p:sld>
+</file>
+
+<file path=ppt/slides/slide23.xml><?xml version="1.0" encoding="utf-8"?>
+<p:sld xmlns:a="http://schemas.openxmlformats.org/drawingml/2006/main" xmlns:r="http://schemas.openxmlformats.org/officeDocument/2006/relationships" xmlns:p="http://schemas.openxmlformats.org/presentationml/2006/main">
+  <p:cSld>
+    <p:spTree>
+      <p:nvGrpSpPr>
+        <p:cNvPr id="1" name=""/>
+        <p:cNvGrpSpPr/>
+        <p:nvPr/>
+      </p:nvGrpSpPr>
+      <p:grpSpPr>
+        <a:xfrm>
+          <a:off x="0" y="0"/>
+          <a:ext cx="0" cy="0"/>
+          <a:chOff x="0" y="0"/>
+          <a:chExt cx="0" cy="0"/>
+        </a:xfrm>
+      </p:grpSpPr>
+      <p:sp>
+        <p:nvSpPr>
+          <p:cNvPr id="5" name="4 CuadroTexto"/>
+          <p:cNvSpPr txBox="1"/>
+          <p:nvPr/>
+        </p:nvSpPr>
+        <p:spPr>
+          <a:xfrm>
             <a:off x="683568" y="915566"/>
-            <a:ext cx="7704856" cy="3929281"/>
+            <a:ext cx="7704856" cy="4257576"/>
           </a:xfrm>
           <a:prstGeom prst="rect">
             <a:avLst/>
@@ -3910,7 +4225,7 @@
             </a:pPr>
             <a:r>
               <a:rPr lang="es-ES" sz="3200" baseline="30000" dirty="0"/>
-              <a:t>Implementación de un procesador de lenguaje natural.</a:t>
+              <a:t>Implementación de un procesador de lenguaje natural de las propiedades lógicas de STL.</a:t>
             </a:r>
           </a:p>
           <a:p>
@@ -4027,6 +4342,223 @@
     <p:extLst>
       <p:ext uri="{BB962C8B-B14F-4D97-AF65-F5344CB8AC3E}">
         <p14:creationId xmlns:p14="http://schemas.microsoft.com/office/powerpoint/2010/main" val="2444190834"/>
+      </p:ext>
+    </p:extLst>
+  </p:cSld>
+  <p:clrMapOvr>
+    <a:masterClrMapping/>
+  </p:clrMapOvr>
+</p:sld>
+</file>
+
+<file path=ppt/slides/slide24.xml><?xml version="1.0" encoding="utf-8"?>
+<p:sld xmlns:a="http://schemas.openxmlformats.org/drawingml/2006/main" xmlns:r="http://schemas.openxmlformats.org/officeDocument/2006/relationships" xmlns:p="http://schemas.openxmlformats.org/presentationml/2006/main">
+  <p:cSld>
+    <p:spTree>
+      <p:nvGrpSpPr>
+        <p:cNvPr id="1" name=""/>
+        <p:cNvGrpSpPr/>
+        <p:nvPr/>
+      </p:nvGrpSpPr>
+      <p:grpSpPr>
+        <a:xfrm>
+          <a:off x="0" y="0"/>
+          <a:ext cx="0" cy="0"/>
+          <a:chOff x="0" y="0"/>
+          <a:chExt cx="0" cy="0"/>
+        </a:xfrm>
+      </p:grpSpPr>
+      <p:sp>
+        <p:nvSpPr>
+          <p:cNvPr id="5" name="4 CuadroTexto"/>
+          <p:cNvSpPr txBox="1"/>
+          <p:nvPr/>
+        </p:nvSpPr>
+        <p:spPr>
+          <a:xfrm>
+            <a:off x="683568" y="915566"/>
+            <a:ext cx="7704856" cy="1077218"/>
+          </a:xfrm>
+          <a:prstGeom prst="rect">
+            <a:avLst/>
+          </a:prstGeom>
+          <a:noFill/>
+        </p:spPr>
+        <p:txBody>
+          <a:bodyPr wrap="square" rtlCol="0">
+            <a:spAutoFit/>
+          </a:bodyPr>
+          <a:lstStyle/>
+          <a:p>
+            <a:pPr marL="342900" indent="-342900">
+              <a:buFont typeface="Arial" panose="020B0604020202020204" pitchFamily="34" charset="0"/>
+              <a:buChar char="•"/>
+            </a:pPr>
+            <a:r>
+              <a:rPr lang="es-ES" sz="3200" baseline="30000" dirty="0"/>
+              <a:t>Nuevos tipos de interpolación. Permitirá nuevos operadores lógicos como el operador probabilidad.</a:t>
+            </a:r>
+          </a:p>
+          <a:p>
+            <a:endParaRPr lang="es-ES" sz="3200" baseline="30000" dirty="0"/>
+          </a:p>
+        </p:txBody>
+      </p:sp>
+      <p:sp>
+        <p:nvSpPr>
+          <p:cNvPr id="6" name="5 CuadroTexto"/>
+          <p:cNvSpPr txBox="1"/>
+          <p:nvPr/>
+        </p:nvSpPr>
+        <p:spPr>
+          <a:xfrm>
+            <a:off x="7140350" y="4803973"/>
+            <a:ext cx="1900969" cy="307777"/>
+          </a:xfrm>
+          <a:prstGeom prst="rect">
+            <a:avLst/>
+          </a:prstGeom>
+          <a:noFill/>
+        </p:spPr>
+        <p:txBody>
+          <a:bodyPr wrap="none" rtlCol="0">
+            <a:spAutoFit/>
+          </a:bodyPr>
+          <a:lstStyle/>
+          <a:p>
+            <a:pPr algn="r"/>
+            <a:r>
+              <a:rPr lang="es-ES" sz="1400" dirty="0">
+                <a:solidFill>
+                  <a:schemeClr val="bg1"/>
+                </a:solidFill>
+              </a:rPr>
+              <a:t>Facultad de Informática</a:t>
+            </a:r>
+          </a:p>
+        </p:txBody>
+      </p:sp>
+      <p:sp>
+        <p:nvSpPr>
+          <p:cNvPr id="7" name="6 CuadroTexto"/>
+          <p:cNvSpPr txBox="1"/>
+          <p:nvPr/>
+        </p:nvSpPr>
+        <p:spPr>
+          <a:xfrm>
+            <a:off x="6277229" y="89570"/>
+            <a:ext cx="2764090" cy="461665"/>
+          </a:xfrm>
+          <a:prstGeom prst="rect">
+            <a:avLst/>
+          </a:prstGeom>
+          <a:noFill/>
+        </p:spPr>
+        <p:txBody>
+          <a:bodyPr wrap="none" rtlCol="0">
+            <a:spAutoFit/>
+          </a:bodyPr>
+          <a:lstStyle/>
+          <a:p>
+            <a:pPr algn="r"/>
+            <a:r>
+              <a:rPr lang="es-ES" sz="1200" b="1" dirty="0">
+                <a:solidFill>
+                  <a:schemeClr val="bg1"/>
+                </a:solidFill>
+              </a:rPr>
+              <a:t>Inferencia y verificación de propiedades </a:t>
+            </a:r>
+          </a:p>
+          <a:p>
+            <a:pPr algn="r"/>
+            <a:r>
+              <a:rPr lang="es-ES" sz="1200" b="1" dirty="0">
+                <a:solidFill>
+                  <a:schemeClr val="bg1"/>
+                </a:solidFill>
+              </a:rPr>
+              <a:t>en sistemas ciber-físicos estocásticos</a:t>
+            </a:r>
+          </a:p>
+        </p:txBody>
+      </p:sp>
+      <p:pic>
+        <p:nvPicPr>
+          <p:cNvPr id="3" name="Imagen 2" descr="Diagrama de Venn&#10;&#10;Descripción generada automáticamente">
+            <a:extLst>
+              <a:ext uri="{FF2B5EF4-FFF2-40B4-BE49-F238E27FC236}">
+                <a16:creationId xmlns:a16="http://schemas.microsoft.com/office/drawing/2014/main" id="{2DBDB626-43A0-4E74-9E93-B9916A085344}"/>
+              </a:ext>
+            </a:extLst>
+          </p:cNvPr>
+          <p:cNvPicPr>
+            <a:picLocks noChangeAspect="1"/>
+          </p:cNvPicPr>
+          <p:nvPr/>
+        </p:nvPicPr>
+        <p:blipFill>
+          <a:blip r:embed="rId2" cstate="print">
+            <a:extLst>
+              <a:ext uri="{28A0092B-C50C-407E-A947-70E740481C1C}">
+                <a14:useLocalDpi xmlns:a14="http://schemas.microsoft.com/office/drawing/2010/main" val="0"/>
+              </a:ext>
+            </a:extLst>
+          </a:blip>
+          <a:stretch>
+            <a:fillRect/>
+          </a:stretch>
+        </p:blipFill>
+        <p:spPr>
+          <a:xfrm>
+            <a:off x="161036" y="1779277"/>
+            <a:ext cx="4339650" cy="2866344"/>
+          </a:xfrm>
+          <a:prstGeom prst="rect">
+            <a:avLst/>
+          </a:prstGeom>
+        </p:spPr>
+      </p:pic>
+      <p:pic>
+        <p:nvPicPr>
+          <p:cNvPr id="8" name="Imagen 7" descr="Imagen que contiene Gráfico de burbujas&#10;&#10;Descripción generada automáticamente">
+            <a:extLst>
+              <a:ext uri="{FF2B5EF4-FFF2-40B4-BE49-F238E27FC236}">
+                <a16:creationId xmlns:a16="http://schemas.microsoft.com/office/drawing/2014/main" id="{29A569B6-26F7-4ABA-820C-5E6F90826E97}"/>
+              </a:ext>
+            </a:extLst>
+          </p:cNvPr>
+          <p:cNvPicPr>
+            <a:picLocks noChangeAspect="1"/>
+          </p:cNvPicPr>
+          <p:nvPr/>
+        </p:nvPicPr>
+        <p:blipFill>
+          <a:blip r:embed="rId3" cstate="print">
+            <a:extLst>
+              <a:ext uri="{28A0092B-C50C-407E-A947-70E740481C1C}">
+                <a14:useLocalDpi xmlns:a14="http://schemas.microsoft.com/office/drawing/2010/main" val="0"/>
+              </a:ext>
+            </a:extLst>
+          </a:blip>
+          <a:stretch>
+            <a:fillRect/>
+          </a:stretch>
+        </p:blipFill>
+        <p:spPr>
+          <a:xfrm>
+            <a:off x="4643316" y="1779277"/>
+            <a:ext cx="4398003" cy="2879298"/>
+          </a:xfrm>
+          <a:prstGeom prst="rect">
+            <a:avLst/>
+          </a:prstGeom>
+        </p:spPr>
+      </p:pic>
+    </p:spTree>
+    <p:extLst>
+      <p:ext uri="{BB962C8B-B14F-4D97-AF65-F5344CB8AC3E}">
+        <p14:creationId xmlns:p14="http://schemas.microsoft.com/office/powerpoint/2010/main" val="3949487591"/>
       </p:ext>
     </p:extLst>
   </p:cSld>
@@ -4792,7 +5324,7 @@
         <p:spPr>
           <a:xfrm>
             <a:off x="683568" y="915566"/>
-            <a:ext cx="7704856" cy="3354765"/>
+            <a:ext cx="7704856" cy="4011355"/>
           </a:xfrm>
           <a:prstGeom prst="rect">
             <a:avLst/>
@@ -4854,7 +5386,15 @@
             </a:pPr>
             <a:r>
               <a:rPr lang="es-ES" sz="3200" baseline="30000" dirty="0"/>
-              <a:t>Extender STL para expresar propiedades que involucren tendencias (derivadas), o acumulaciones (integrales).</a:t>
+              <a:t>Extender STL para expresar propiedades que involucren tendencias (derivadas), o acumulaciones (integrales). La extensión se implementara en la herramienta </a:t>
+            </a:r>
+            <a:r>
+              <a:rPr lang="es-ES" sz="3200" baseline="30000" dirty="0" err="1"/>
+              <a:t>STLEval</a:t>
+            </a:r>
+            <a:r>
+              <a:rPr lang="es-ES" sz="3200" baseline="30000" dirty="0"/>
+              <a:t>.</a:t>
             </a:r>
           </a:p>
           <a:p>
@@ -4874,7 +5414,23 @@
             </a:pPr>
             <a:r>
               <a:rPr lang="es-ES" sz="3200" baseline="30000" dirty="0"/>
-              <a:t>Proporcionar una interfaz de usuario que facilite la interacción con dichas herramientas.</a:t>
+              <a:t>Proporcionar una interfaz de usuario que facilite la interacción con dichas herramientas. La interfaz se montara encima de </a:t>
+            </a:r>
+            <a:r>
+              <a:rPr lang="es-ES" sz="3200" baseline="30000" dirty="0" err="1"/>
+              <a:t>STLEval</a:t>
+            </a:r>
+            <a:r>
+              <a:rPr lang="es-ES" sz="3200" baseline="30000" dirty="0"/>
+              <a:t> y </a:t>
+            </a:r>
+            <a:r>
+              <a:rPr lang="es-ES" sz="3200" baseline="30000" dirty="0" err="1"/>
+              <a:t>ParetoLib</a:t>
+            </a:r>
+            <a:r>
+              <a:rPr lang="es-ES" sz="3200" baseline="30000" dirty="0"/>
+              <a:t>.</a:t>
             </a:r>
           </a:p>
           <a:p>
